--- a/Document/presentation/present_ngoan.pptx
+++ b/Document/presentation/present_ngoan.pptx
@@ -6,7 +6,7 @@
     <p:sldMasterId id="2147483706" r:id="rId2"/>
   </p:sldMasterIdLst>
   <p:notesMasterIdLst>
-    <p:notesMasterId r:id="rId24"/>
+    <p:notesMasterId r:id="rId25"/>
   </p:notesMasterIdLst>
   <p:sldIdLst>
     <p:sldId id="288" r:id="rId3"/>
@@ -27,9 +27,10 @@
     <p:sldId id="304" r:id="rId18"/>
     <p:sldId id="305" r:id="rId19"/>
     <p:sldId id="306" r:id="rId20"/>
-    <p:sldId id="307" r:id="rId21"/>
-    <p:sldId id="308" r:id="rId22"/>
-    <p:sldId id="309" r:id="rId23"/>
+    <p:sldId id="310" r:id="rId21"/>
+    <p:sldId id="307" r:id="rId22"/>
+    <p:sldId id="308" r:id="rId23"/>
+    <p:sldId id="309" r:id="rId24"/>
   </p:sldIdLst>
   <p:sldSz cx="9144000" cy="6858000" type="screen4x3"/>
   <p:notesSz cx="6858000" cy="9144000"/>
@@ -130,7 +131,7 @@
   </p:defaultTextStyle>
   <p:extLst>
     <p:ext uri="{EFAFB233-063F-42B5-8137-9DF3F51BA10A}">
-      <p15:sldGuideLst xmlns="" xmlns:p15="http://schemas.microsoft.com/office/powerpoint/2012/main"/>
+      <p15:sldGuideLst xmlns:p15="http://schemas.microsoft.com/office/powerpoint/2012/main" xmlns=""/>
     </p:ext>
   </p:extLst>
 </p:presentation>
@@ -3566,7 +3567,7 @@
           </a:ln>
           <a:extLst>
             <a:ext uri="{C572A759-6A51-4108-AA02-DFA0A04FC94B}">
-              <ma14:wrappingTextBoxFlag xmlns="" xmlns:ma14="http://schemas.microsoft.com/office/mac/drawingml/2011/main" val="1"/>
+              <ma14:wrappingTextBoxFlag xmlns:ma14="http://schemas.microsoft.com/office/mac/drawingml/2011/main" xmlns="" val="1"/>
             </a:ext>
           </a:extLst>
         </p:spPr>
@@ -3605,7 +3606,7 @@
           </a:ln>
           <a:extLst>
             <a:ext uri="{C572A759-6A51-4108-AA02-DFA0A04FC94B}">
-              <ma14:wrappingTextBoxFlag xmlns="" xmlns:ma14="http://schemas.microsoft.com/office/mac/drawingml/2011/main" val="1"/>
+              <ma14:wrappingTextBoxFlag xmlns:ma14="http://schemas.microsoft.com/office/mac/drawingml/2011/main" xmlns="" val="1"/>
             </a:ext>
           </a:extLst>
         </p:spPr>
@@ -10156,11 +10157,7 @@
             <a:pPr algn="ctr"/>
             <a:r>
               <a:rPr lang="en-US" dirty="0" smtClean="0"/>
-              <a:t>Search </a:t>
-            </a:r>
-            <a:r>
-              <a:rPr lang="en-US" dirty="0" smtClean="0"/>
-              <a:t>Motorbike Route</a:t>
+              <a:t>Search Motorbike Route</a:t>
             </a:r>
             <a:endParaRPr dirty="0"/>
           </a:p>
@@ -10691,6 +10688,31 @@
       </p:grpSpPr>
       <p:sp>
         <p:nvSpPr>
+          <p:cNvPr id="2" name="Title 1"/>
+          <p:cNvSpPr>
+            <a:spLocks noGrp="1"/>
+          </p:cNvSpPr>
+          <p:nvPr>
+            <p:ph type="title"/>
+          </p:nvPr>
+        </p:nvSpPr>
+        <p:spPr/>
+        <p:txBody>
+          <a:bodyPr/>
+          <a:lstStyle/>
+          <a:p>
+            <a:pPr algn="ctr"/>
+            <a:r>
+              <a:rPr lang="en-US" dirty="0">
+                <a:latin typeface="Cambria" pitchFamily="18" charset="0"/>
+              </a:rPr>
+              <a:t>Scenario</a:t>
+            </a:r>
+          </a:p>
+        </p:txBody>
+      </p:sp>
+      <p:sp>
+        <p:nvSpPr>
           <p:cNvPr id="4" name="Slide Number Placeholder 3"/>
           <p:cNvSpPr>
             <a:spLocks noGrp="1"/>
@@ -10713,83 +10735,296 @@
           </a:p>
         </p:txBody>
       </p:sp>
-      <p:sp>
-        <p:nvSpPr>
-          <p:cNvPr id="6" name="Shape 144"/>
-          <p:cNvSpPr>
-            <a:spLocks noGrp="1"/>
-          </p:cNvSpPr>
-          <p:nvPr>
-            <p:ph type="title"/>
-          </p:nvPr>
-        </p:nvSpPr>
-        <p:spPr>
+      <p:grpSp>
+        <p:nvGrpSpPr>
+          <p:cNvPr id="8" name="Group 7"/>
+          <p:cNvGrpSpPr/>
+          <p:nvPr/>
+        </p:nvGrpSpPr>
+        <p:grpSpPr>
           <a:xfrm>
-            <a:off x="332118" y="353375"/>
-            <a:ext cx="8499023" cy="621945"/>
-          </a:xfrm>
-          <a:prstGeom prst="rect">
-            <a:avLst/>
-          </a:prstGeom>
-        </p:spPr>
-        <p:txBody>
-          <a:bodyPr/>
-          <a:lstStyle>
-            <a:lvl1pPr>
-              <a:defRPr sz="3600">
-                <a:latin typeface="Cambria"/>
-                <a:ea typeface="Cambria"/>
-                <a:cs typeface="Cambria"/>
-                <a:sym typeface="Cambria"/>
-              </a:defRPr>
-            </a:lvl1pPr>
-          </a:lstStyle>
-          <a:p>
-            <a:pPr algn="ctr"/>
-            <a:r>
-              <a:rPr lang="en-US" dirty="0"/>
-              <a:t>Architecture</a:t>
-            </a:r>
-            <a:endParaRPr lang="en-US" dirty="0">
-              <a:latin typeface="Times New Roman" pitchFamily="18" charset="0"/>
-              <a:cs typeface="Times New Roman" pitchFamily="18" charset="0"/>
-            </a:endParaRPr>
-          </a:p>
-        </p:txBody>
-      </p:sp>
-      <p:pic>
-        <p:nvPicPr>
-          <p:cNvPr id="5" name="image7.png"/>
-          <p:cNvPicPr>
-            <a:picLocks noChangeAspect="1"/>
-          </p:cNvPicPr>
+            <a:off x="2596259" y="2036473"/>
+            <a:ext cx="6210060" cy="1828800"/>
+            <a:chOff x="1819019" y="2691565"/>
+            <a:chExt cx="6210060" cy="1828800"/>
+          </a:xfrm>
+        </p:grpSpPr>
+        <p:pic>
+          <p:nvPicPr>
+            <p:cNvPr id="1026" name="Picture 2" descr="C:\Users\ngoan\Desktop\image\company.png"/>
+            <p:cNvPicPr>
+              <a:picLocks noChangeAspect="1" noChangeArrowheads="1"/>
+            </p:cNvPicPr>
+            <p:nvPr/>
+          </p:nvPicPr>
+          <p:blipFill>
+            <a:blip r:embed="rId2">
+              <a:extLst>
+                <a:ext uri="{28A0092B-C50C-407E-A947-70E740481C1C}">
+                  <a14:useLocalDpi xmlns:a14="http://schemas.microsoft.com/office/drawing/2010/main" val="0"/>
+                </a:ext>
+              </a:extLst>
+            </a:blip>
+            <a:srcRect/>
+            <a:stretch>
+              <a:fillRect/>
+            </a:stretch>
+          </p:blipFill>
+          <p:spPr bwMode="auto">
+            <a:xfrm>
+              <a:off x="6200279" y="2691565"/>
+              <a:ext cx="1828800" cy="1828800"/>
+            </a:xfrm>
+            <a:prstGeom prst="rect">
+              <a:avLst/>
+            </a:prstGeom>
+            <a:noFill/>
+            <a:extLst>
+              <a:ext uri="{909E8E84-426E-40DD-AFC4-6F175D3DCCD1}">
+                <a14:hiddenFill xmlns:a14="http://schemas.microsoft.com/office/drawing/2010/main">
+                  <a:solidFill>
+                    <a:srgbClr val="FFFFFF"/>
+                  </a:solidFill>
+                </a14:hiddenFill>
+              </a:ext>
+            </a:extLst>
+          </p:spPr>
+        </p:pic>
+        <p:pic>
+          <p:nvPicPr>
+            <p:cNvPr id="1027" name="Picture 3" descr="C:\Users\ngoan\Desktop\image\Manager.png"/>
+            <p:cNvPicPr>
+              <a:picLocks noChangeAspect="1" noChangeArrowheads="1"/>
+            </p:cNvPicPr>
+            <p:nvPr/>
+          </p:nvPicPr>
+          <p:blipFill>
+            <a:blip r:embed="rId3">
+              <a:extLst>
+                <a:ext uri="{28A0092B-C50C-407E-A947-70E740481C1C}">
+                  <a14:useLocalDpi xmlns:a14="http://schemas.microsoft.com/office/drawing/2010/main" val="0"/>
+                </a:ext>
+              </a:extLst>
+            </a:blip>
+            <a:srcRect/>
+            <a:stretch>
+              <a:fillRect/>
+            </a:stretch>
+          </p:blipFill>
+          <p:spPr bwMode="auto">
+            <a:xfrm>
+              <a:off x="1819019" y="2828725"/>
+              <a:ext cx="1554480" cy="1554480"/>
+            </a:xfrm>
+            <a:prstGeom prst="rect">
+              <a:avLst/>
+            </a:prstGeom>
+            <a:noFill/>
+            <a:extLst>
+              <a:ext uri="{909E8E84-426E-40DD-AFC4-6F175D3DCCD1}">
+                <a14:hiddenFill xmlns:a14="http://schemas.microsoft.com/office/drawing/2010/main">
+                  <a:solidFill>
+                    <a:srgbClr val="FFFFFF"/>
+                  </a:solidFill>
+                </a14:hiddenFill>
+              </a:ext>
+            </a:extLst>
+          </p:spPr>
+        </p:pic>
+        <p:grpSp>
+          <p:nvGrpSpPr>
+            <p:cNvPr id="7" name="Group 6"/>
+            <p:cNvGrpSpPr/>
+            <p:nvPr/>
+          </p:nvGrpSpPr>
+          <p:grpSpPr>
+            <a:xfrm>
+              <a:off x="3373499" y="3071041"/>
+              <a:ext cx="2826780" cy="1069848"/>
+              <a:chOff x="3373499" y="3071041"/>
+              <a:chExt cx="2826780" cy="1069848"/>
+            </a:xfrm>
+          </p:grpSpPr>
+          <p:cxnSp>
+            <p:nvCxnSpPr>
+              <p:cNvPr id="6" name="Straight Arrow Connector 5"/>
+              <p:cNvCxnSpPr>
+                <a:stCxn id="1027" idx="3"/>
+                <a:endCxn id="1026" idx="1"/>
+              </p:cNvCxnSpPr>
+              <p:nvPr/>
+            </p:nvCxnSpPr>
+            <p:spPr>
+              <a:xfrm>
+                <a:off x="3373499" y="3605965"/>
+                <a:ext cx="2826780" cy="0"/>
+              </a:xfrm>
+              <a:prstGeom prst="straightConnector1">
+                <a:avLst/>
+              </a:prstGeom>
+              <a:ln w="63500">
+                <a:tailEnd type="arrow"/>
+              </a:ln>
+            </p:spPr>
+            <p:style>
+              <a:lnRef idx="3">
+                <a:schemeClr val="dk1"/>
+              </a:lnRef>
+              <a:fillRef idx="0">
+                <a:schemeClr val="dk1"/>
+              </a:fillRef>
+              <a:effectRef idx="2">
+                <a:schemeClr val="dk1"/>
+              </a:effectRef>
+              <a:fontRef idx="minor">
+                <a:schemeClr val="tx1"/>
+              </a:fontRef>
+            </p:style>
+          </p:cxnSp>
+          <p:pic>
+            <p:nvPicPr>
+              <p:cNvPr id="1028" name="Picture 4" descr="C:\Users\ngoan\Desktop\image\vista_197.png"/>
+              <p:cNvPicPr>
+                <a:picLocks noChangeAspect="1" noChangeArrowheads="1"/>
+              </p:cNvPicPr>
+              <p:nvPr/>
+            </p:nvPicPr>
+            <p:blipFill>
+              <a:blip r:embed="rId4">
+                <a:extLst>
+                  <a:ext uri="{28A0092B-C50C-407E-A947-70E740481C1C}">
+                    <a14:useLocalDpi xmlns:a14="http://schemas.microsoft.com/office/drawing/2010/main" val="0"/>
+                  </a:ext>
+                </a:extLst>
+              </a:blip>
+              <a:srcRect/>
+              <a:stretch>
+                <a:fillRect/>
+              </a:stretch>
+            </p:blipFill>
+            <p:spPr bwMode="auto">
+              <a:xfrm>
+                <a:off x="4251965" y="3071041"/>
+                <a:ext cx="1069848" cy="1069848"/>
+              </a:xfrm>
+              <a:prstGeom prst="rect">
+                <a:avLst/>
+              </a:prstGeom>
+              <a:noFill/>
+              <a:extLst>
+                <a:ext uri="{909E8E84-426E-40DD-AFC4-6F175D3DCCD1}">
+                  <a14:hiddenFill xmlns:a14="http://schemas.microsoft.com/office/drawing/2010/main">
+                    <a:solidFill>
+                      <a:srgbClr val="FFFFFF"/>
+                    </a:solidFill>
+                  </a14:hiddenFill>
+                </a:ext>
+              </a:extLst>
+            </p:spPr>
+          </p:pic>
+        </p:grpSp>
+      </p:grpSp>
+      <p:grpSp>
+        <p:nvGrpSpPr>
+          <p:cNvPr id="9" name="Group 8"/>
+          <p:cNvGrpSpPr/>
           <p:nvPr/>
-        </p:nvPicPr>
-        <p:blipFill>
-          <a:blip r:embed="rId2">
-            <a:extLst/>
-          </a:blip>
-          <a:stretch>
-            <a:fillRect/>
-          </a:stretch>
-        </p:blipFill>
-        <p:spPr>
+        </p:nvGrpSpPr>
+        <p:grpSpPr>
           <a:xfrm>
-            <a:off x="1622275" y="1635294"/>
-            <a:ext cx="5482823" cy="4818888"/>
-          </a:xfrm>
-          <a:prstGeom prst="rect">
-            <a:avLst/>
-          </a:prstGeom>
-          <a:ln w="12700">
-            <a:miter lim="400000"/>
-          </a:ln>
-        </p:spPr>
-      </p:pic>
+            <a:off x="457200" y="4216021"/>
+            <a:ext cx="3508248" cy="2438400"/>
+            <a:chOff x="457200" y="4216021"/>
+            <a:chExt cx="3508248" cy="2438400"/>
+          </a:xfrm>
+        </p:grpSpPr>
+        <p:pic>
+          <p:nvPicPr>
+            <p:cNvPr id="1029" name="Picture 5" descr="C:\Users\ngoan\Desktop\image\System-Home-icon.png"/>
+            <p:cNvPicPr>
+              <a:picLocks noChangeAspect="1" noChangeArrowheads="1"/>
+            </p:cNvPicPr>
+            <p:nvPr/>
+          </p:nvPicPr>
+          <p:blipFill>
+            <a:blip r:embed="rId5">
+              <a:extLst>
+                <a:ext uri="{28A0092B-C50C-407E-A947-70E740481C1C}">
+                  <a14:useLocalDpi xmlns:a14="http://schemas.microsoft.com/office/drawing/2010/main" val="0"/>
+                </a:ext>
+              </a:extLst>
+            </a:blip>
+            <a:srcRect/>
+            <a:stretch>
+              <a:fillRect/>
+            </a:stretch>
+          </p:blipFill>
+          <p:spPr bwMode="auto">
+            <a:xfrm>
+              <a:off x="457200" y="4216021"/>
+              <a:ext cx="2438400" cy="2438400"/>
+            </a:xfrm>
+            <a:prstGeom prst="rect">
+              <a:avLst/>
+            </a:prstGeom>
+            <a:noFill/>
+            <a:extLst>
+              <a:ext uri="{909E8E84-426E-40DD-AFC4-6F175D3DCCD1}">
+                <a14:hiddenFill xmlns:a14="http://schemas.microsoft.com/office/drawing/2010/main">
+                  <a:solidFill>
+                    <a:srgbClr val="FFFFFF"/>
+                  </a:solidFill>
+                </a14:hiddenFill>
+              </a:ext>
+            </a:extLst>
+          </p:spPr>
+        </p:pic>
+        <p:pic>
+          <p:nvPicPr>
+            <p:cNvPr id="1030" name="Picture 6" descr="C:\Users\ngoan\Desktop\image\24598-200.png"/>
+            <p:cNvPicPr>
+              <a:picLocks noChangeAspect="1" noChangeArrowheads="1"/>
+            </p:cNvPicPr>
+            <p:nvPr/>
+          </p:nvPicPr>
+          <p:blipFill>
+            <a:blip r:embed="rId6">
+              <a:extLst>
+                <a:ext uri="{28A0092B-C50C-407E-A947-70E740481C1C}">
+                  <a14:useLocalDpi xmlns:a14="http://schemas.microsoft.com/office/drawing/2010/main" val="0"/>
+                </a:ext>
+              </a:extLst>
+            </a:blip>
+            <a:srcRect/>
+            <a:stretch>
+              <a:fillRect/>
+            </a:stretch>
+          </p:blipFill>
+          <p:spPr bwMode="auto">
+            <a:xfrm>
+              <a:off x="2895600" y="5584573"/>
+              <a:ext cx="1069848" cy="1069848"/>
+            </a:xfrm>
+            <a:prstGeom prst="rect">
+              <a:avLst/>
+            </a:prstGeom>
+            <a:noFill/>
+            <a:extLst>
+              <a:ext uri="{909E8E84-426E-40DD-AFC4-6F175D3DCCD1}">
+                <a14:hiddenFill xmlns:a14="http://schemas.microsoft.com/office/drawing/2010/main">
+                  <a:solidFill>
+                    <a:srgbClr val="FFFFFF"/>
+                  </a:solidFill>
+                </a14:hiddenFill>
+              </a:ext>
+            </a:extLst>
+          </p:spPr>
+        </p:pic>
+      </p:grpSp>
     </p:spTree>
     <p:extLst>
       <p:ext uri="{BB962C8B-B14F-4D97-AF65-F5344CB8AC3E}">
-        <p14:creationId xmlns:p14="http://schemas.microsoft.com/office/powerpoint/2010/main" val="4267242068"/>
+        <p14:creationId xmlns:p14="http://schemas.microsoft.com/office/powerpoint/2010/main" val="3999687358"/>
       </p:ext>
     </p:extLst>
   </p:cSld>
@@ -11403,7 +11638,7 @@
       </p:sp>
       <p:sp>
         <p:nvSpPr>
-          <p:cNvPr id="7" name="Shape 139"/>
+          <p:cNvPr id="6" name="Shape 144"/>
           <p:cNvSpPr>
             <a:spLocks noGrp="1"/>
           </p:cNvSpPr>
@@ -11413,8 +11648,8 @@
         </p:nvSpPr>
         <p:spPr>
           <a:xfrm>
-            <a:off x="220284" y="304800"/>
-            <a:ext cx="8885207" cy="844004"/>
+            <a:off x="332118" y="353375"/>
+            <a:ext cx="8499023" cy="621945"/>
           </a:xfrm>
           <a:prstGeom prst="rect">
             <a:avLst/>
@@ -11435,403 +11670,49 @@
           <a:p>
             <a:pPr algn="ctr"/>
             <a:r>
-              <a:rPr lang="en-US" dirty="0" smtClean="0"/>
-              <a:t>Best Result</a:t>
+              <a:rPr lang="en-US" dirty="0"/>
+              <a:t>Architecture</a:t>
             </a:r>
-            <a:endParaRPr dirty="0"/>
+            <a:endParaRPr lang="en-US" dirty="0">
+              <a:latin typeface="Times New Roman" pitchFamily="18" charset="0"/>
+              <a:cs typeface="Times New Roman" pitchFamily="18" charset="0"/>
+            </a:endParaRPr>
           </a:p>
         </p:txBody>
       </p:sp>
       <p:pic>
         <p:nvPicPr>
-          <p:cNvPr id="10" name="Picture 3" descr="C:\Users\ngoan\Desktop\image\thao.png"/>
+          <p:cNvPr id="5" name="image7.png"/>
           <p:cNvPicPr>
-            <a:picLocks noChangeAspect="1" noChangeArrowheads="1"/>
+            <a:picLocks noChangeAspect="1"/>
           </p:cNvPicPr>
           <p:nvPr/>
         </p:nvPicPr>
         <p:blipFill>
           <a:blip r:embed="rId2">
-            <a:extLst>
-              <a:ext uri="{28A0092B-C50C-407E-A947-70E740481C1C}">
-                <a14:useLocalDpi xmlns:a14="http://schemas.microsoft.com/office/drawing/2010/main" val="0"/>
-              </a:ext>
-            </a:extLst>
+            <a:extLst/>
           </a:blip>
-          <a:srcRect/>
           <a:stretch>
             <a:fillRect/>
           </a:stretch>
         </p:blipFill>
-        <p:spPr bwMode="auto">
-          <a:xfrm flipH="1">
-            <a:off x="561478" y="2343623"/>
-            <a:ext cx="1069848" cy="1069848"/>
+        <p:spPr>
+          <a:xfrm>
+            <a:off x="1622275" y="1635294"/>
+            <a:ext cx="5482823" cy="4818888"/>
           </a:xfrm>
           <a:prstGeom prst="rect">
             <a:avLst/>
           </a:prstGeom>
-          <a:noFill/>
-          <a:extLst>
-            <a:ext uri="{909E8E84-426E-40DD-AFC4-6F175D3DCCD1}">
-              <a14:hiddenFill xmlns:a14="http://schemas.microsoft.com/office/drawing/2010/main">
-                <a:solidFill>
-                  <a:srgbClr val="FFFFFF"/>
-                </a:solidFill>
-              </a14:hiddenFill>
-            </a:ext>
-          </a:extLst>
+          <a:ln w="12700">
+            <a:miter lim="400000"/>
+          </a:ln>
         </p:spPr>
       </p:pic>
-      <p:cxnSp>
-        <p:nvCxnSpPr>
-          <p:cNvPr id="3" name="Straight Arrow Connector 2"/>
-          <p:cNvCxnSpPr>
-            <a:stCxn id="10" idx="1"/>
-            <a:endCxn id="17" idx="1"/>
-          </p:cNvCxnSpPr>
-          <p:nvPr/>
-        </p:nvCxnSpPr>
-        <p:spPr>
-          <a:xfrm>
-            <a:off x="1631326" y="2878547"/>
-            <a:ext cx="2194297" cy="0"/>
-          </a:xfrm>
-          <a:prstGeom prst="straightConnector1">
-            <a:avLst/>
-          </a:prstGeom>
-          <a:ln>
-            <a:tailEnd type="triangle" w="med" len="med"/>
-          </a:ln>
-        </p:spPr>
-        <p:style>
-          <a:lnRef idx="3">
-            <a:schemeClr val="accent1"/>
-          </a:lnRef>
-          <a:fillRef idx="0">
-            <a:schemeClr val="accent1"/>
-          </a:fillRef>
-          <a:effectRef idx="2">
-            <a:schemeClr val="accent1"/>
-          </a:effectRef>
-          <a:fontRef idx="minor">
-            <a:schemeClr val="tx1"/>
-          </a:fontRef>
-        </p:style>
-      </p:cxnSp>
-      <p:cxnSp>
-        <p:nvCxnSpPr>
-          <p:cNvPr id="6" name="Straight Arrow Connector 5"/>
-          <p:cNvCxnSpPr>
-            <a:stCxn id="17" idx="2"/>
-            <a:endCxn id="18" idx="0"/>
-          </p:cNvCxnSpPr>
-          <p:nvPr/>
-        </p:nvCxnSpPr>
-        <p:spPr>
-          <a:xfrm>
-            <a:off x="4360547" y="3413471"/>
-            <a:ext cx="0" cy="1189157"/>
-          </a:xfrm>
-          <a:prstGeom prst="straightConnector1">
-            <a:avLst/>
-          </a:prstGeom>
-          <a:ln>
-            <a:tailEnd type="triangle" w="med" len="med"/>
-          </a:ln>
-        </p:spPr>
-        <p:style>
-          <a:lnRef idx="3">
-            <a:schemeClr val="accent1"/>
-          </a:lnRef>
-          <a:fillRef idx="0">
-            <a:schemeClr val="accent1"/>
-          </a:fillRef>
-          <a:effectRef idx="2">
-            <a:schemeClr val="accent1"/>
-          </a:effectRef>
-          <a:fontRef idx="minor">
-            <a:schemeClr val="tx1"/>
-          </a:fontRef>
-        </p:style>
-      </p:cxnSp>
-      <p:cxnSp>
-        <p:nvCxnSpPr>
-          <p:cNvPr id="14" name="Straight Arrow Connector 13"/>
-          <p:cNvCxnSpPr>
-            <a:stCxn id="18" idx="3"/>
-            <a:endCxn id="20" idx="1"/>
-          </p:cNvCxnSpPr>
-          <p:nvPr/>
-        </p:nvCxnSpPr>
-        <p:spPr>
-          <a:xfrm>
-            <a:off x="4895471" y="5137552"/>
-            <a:ext cx="2098708" cy="0"/>
-          </a:xfrm>
-          <a:prstGeom prst="straightConnector1">
-            <a:avLst/>
-          </a:prstGeom>
-          <a:ln>
-            <a:tailEnd type="triangle"/>
-          </a:ln>
-        </p:spPr>
-        <p:style>
-          <a:lnRef idx="3">
-            <a:schemeClr val="accent1"/>
-          </a:lnRef>
-          <a:fillRef idx="0">
-            <a:schemeClr val="accent1"/>
-          </a:fillRef>
-          <a:effectRef idx="2">
-            <a:schemeClr val="accent1"/>
-          </a:effectRef>
-          <a:fontRef idx="minor">
-            <a:schemeClr val="tx1"/>
-          </a:fontRef>
-        </p:style>
-      </p:cxnSp>
-      <p:pic>
-        <p:nvPicPr>
-          <p:cNvPr id="17" name="Picture 2" descr="C:\Users\ngoan\Desktop\image\quy.png"/>
-          <p:cNvPicPr>
-            <a:picLocks noChangeAspect="1" noChangeArrowheads="1"/>
-          </p:cNvPicPr>
-          <p:nvPr/>
-        </p:nvPicPr>
-        <p:blipFill>
-          <a:blip r:embed="rId3">
-            <a:extLst>
-              <a:ext uri="{28A0092B-C50C-407E-A947-70E740481C1C}">
-                <a14:useLocalDpi xmlns:a14="http://schemas.microsoft.com/office/drawing/2010/main" val="0"/>
-              </a:ext>
-            </a:extLst>
-          </a:blip>
-          <a:srcRect/>
-          <a:stretch>
-            <a:fillRect/>
-          </a:stretch>
-        </p:blipFill>
-        <p:spPr bwMode="auto">
-          <a:xfrm>
-            <a:off x="3825623" y="2343623"/>
-            <a:ext cx="1069848" cy="1069848"/>
-          </a:xfrm>
-          <a:prstGeom prst="rect">
-            <a:avLst/>
-          </a:prstGeom>
-          <a:noFill/>
-          <a:extLst>
-            <a:ext uri="{909E8E84-426E-40DD-AFC4-6F175D3DCCD1}">
-              <a14:hiddenFill xmlns:a14="http://schemas.microsoft.com/office/drawing/2010/main">
-                <a:solidFill>
-                  <a:srgbClr val="FFFFFF"/>
-                </a:solidFill>
-              </a14:hiddenFill>
-            </a:ext>
-          </a:extLst>
-        </p:spPr>
-      </p:pic>
-      <p:pic>
-        <p:nvPicPr>
-          <p:cNvPr id="18" name="Picture 4" descr="C:\Users\ngoan\Desktop\image\nam.png"/>
-          <p:cNvPicPr>
-            <a:picLocks noChangeAspect="1" noChangeArrowheads="1"/>
-          </p:cNvPicPr>
-          <p:nvPr/>
-        </p:nvPicPr>
-        <p:blipFill>
-          <a:blip r:embed="rId4">
-            <a:extLst>
-              <a:ext uri="{28A0092B-C50C-407E-A947-70E740481C1C}">
-                <a14:useLocalDpi xmlns:a14="http://schemas.microsoft.com/office/drawing/2010/main" val="0"/>
-              </a:ext>
-            </a:extLst>
-          </a:blip>
-          <a:srcRect/>
-          <a:stretch>
-            <a:fillRect/>
-          </a:stretch>
-        </p:blipFill>
-        <p:spPr bwMode="auto">
-          <a:xfrm>
-            <a:off x="3825623" y="4602628"/>
-            <a:ext cx="1069848" cy="1069848"/>
-          </a:xfrm>
-          <a:prstGeom prst="rect">
-            <a:avLst/>
-          </a:prstGeom>
-          <a:noFill/>
-          <a:extLst>
-            <a:ext uri="{909E8E84-426E-40DD-AFC4-6F175D3DCCD1}">
-              <a14:hiddenFill xmlns:a14="http://schemas.microsoft.com/office/drawing/2010/main">
-                <a:solidFill>
-                  <a:srgbClr val="FFFFFF"/>
-                </a:solidFill>
-              </a14:hiddenFill>
-            </a:ext>
-          </a:extLst>
-        </p:spPr>
-      </p:pic>
-      <p:pic>
-        <p:nvPicPr>
-          <p:cNvPr id="20" name="Picture 3" descr="C:\Users\ngoan\Desktop\image\ngoan.png"/>
-          <p:cNvPicPr>
-            <a:picLocks noChangeAspect="1" noChangeArrowheads="1"/>
-          </p:cNvPicPr>
-          <p:nvPr/>
-        </p:nvPicPr>
-        <p:blipFill>
-          <a:blip r:embed="rId5">
-            <a:extLst>
-              <a:ext uri="{28A0092B-C50C-407E-A947-70E740481C1C}">
-                <a14:useLocalDpi xmlns:a14="http://schemas.microsoft.com/office/drawing/2010/main" val="0"/>
-              </a:ext>
-            </a:extLst>
-          </a:blip>
-          <a:srcRect/>
-          <a:stretch>
-            <a:fillRect/>
-          </a:stretch>
-        </p:blipFill>
-        <p:spPr bwMode="auto">
-          <a:xfrm>
-            <a:off x="6994179" y="4602628"/>
-            <a:ext cx="1066804" cy="1069848"/>
-          </a:xfrm>
-          <a:prstGeom prst="rect">
-            <a:avLst/>
-          </a:prstGeom>
-          <a:noFill/>
-          <a:extLst>
-            <a:ext uri="{909E8E84-426E-40DD-AFC4-6F175D3DCCD1}">
-              <a14:hiddenFill xmlns:a14="http://schemas.microsoft.com/office/drawing/2010/main">
-                <a:solidFill>
-                  <a:srgbClr val="FFFFFF"/>
-                </a:solidFill>
-              </a14:hiddenFill>
-            </a:ext>
-          </a:extLst>
-        </p:spPr>
-      </p:pic>
-      <p:sp>
-        <p:nvSpPr>
-          <p:cNvPr id="25" name="TextBox 24"/>
-          <p:cNvSpPr txBox="1"/>
-          <p:nvPr/>
-        </p:nvSpPr>
-        <p:spPr>
-          <a:xfrm>
-            <a:off x="5753106" y="4524986"/>
-            <a:ext cx="383438" cy="523220"/>
-          </a:xfrm>
-          <a:prstGeom prst="rect">
-            <a:avLst/>
-          </a:prstGeom>
-          <a:noFill/>
-        </p:spPr>
-        <p:txBody>
-          <a:bodyPr wrap="none" rtlCol="0">
-            <a:spAutoFit/>
-          </a:bodyPr>
-          <a:lstStyle/>
-          <a:p>
-            <a:r>
-              <a:rPr lang="en-US" sz="2800" dirty="0" smtClean="0">
-                <a:solidFill>
-                  <a:srgbClr val="FF0000"/>
-                </a:solidFill>
-                <a:latin typeface="Cambria" pitchFamily="18" charset="0"/>
-              </a:rPr>
-              <a:t>3</a:t>
-            </a:r>
-            <a:endParaRPr lang="en-US" sz="2800" dirty="0">
-              <a:solidFill>
-                <a:srgbClr val="FF0000"/>
-              </a:solidFill>
-              <a:latin typeface="Cambria" pitchFamily="18" charset="0"/>
-            </a:endParaRPr>
-          </a:p>
-        </p:txBody>
-      </p:sp>
-      <p:sp>
-        <p:nvSpPr>
-          <p:cNvPr id="15" name="TextBox 14"/>
-          <p:cNvSpPr txBox="1"/>
-          <p:nvPr/>
-        </p:nvSpPr>
-        <p:spPr>
-          <a:xfrm>
-            <a:off x="2536755" y="2329215"/>
-            <a:ext cx="383438" cy="523220"/>
-          </a:xfrm>
-          <a:prstGeom prst="rect">
-            <a:avLst/>
-          </a:prstGeom>
-          <a:noFill/>
-        </p:spPr>
-        <p:txBody>
-          <a:bodyPr wrap="none" rtlCol="0">
-            <a:spAutoFit/>
-          </a:bodyPr>
-          <a:lstStyle/>
-          <a:p>
-            <a:r>
-              <a:rPr lang="en-US" sz="2800" dirty="0" smtClean="0">
-                <a:solidFill>
-                  <a:srgbClr val="FF0000"/>
-                </a:solidFill>
-                <a:latin typeface="Cambria" pitchFamily="18" charset="0"/>
-              </a:rPr>
-              <a:t>1</a:t>
-            </a:r>
-            <a:endParaRPr lang="en-US" sz="2800" dirty="0">
-              <a:solidFill>
-                <a:srgbClr val="FF0000"/>
-              </a:solidFill>
-              <a:latin typeface="Cambria" pitchFamily="18" charset="0"/>
-            </a:endParaRPr>
-          </a:p>
-        </p:txBody>
-      </p:sp>
-      <p:sp>
-        <p:nvSpPr>
-          <p:cNvPr id="19" name="TextBox 18"/>
-          <p:cNvSpPr txBox="1"/>
-          <p:nvPr/>
-        </p:nvSpPr>
-        <p:spPr>
-          <a:xfrm>
-            <a:off x="4438846" y="3746439"/>
-            <a:ext cx="383438" cy="523220"/>
-          </a:xfrm>
-          <a:prstGeom prst="rect">
-            <a:avLst/>
-          </a:prstGeom>
-          <a:noFill/>
-        </p:spPr>
-        <p:txBody>
-          <a:bodyPr wrap="none" rtlCol="0">
-            <a:spAutoFit/>
-          </a:bodyPr>
-          <a:lstStyle/>
-          <a:p>
-            <a:r>
-              <a:rPr lang="en-US" sz="2800" dirty="0">
-                <a:solidFill>
-                  <a:srgbClr val="FF0000"/>
-                </a:solidFill>
-                <a:latin typeface="Cambria" pitchFamily="18" charset="0"/>
-              </a:rPr>
-              <a:t>2</a:t>
-            </a:r>
-          </a:p>
-        </p:txBody>
-      </p:sp>
     </p:spTree>
     <p:extLst>
       <p:ext uri="{BB962C8B-B14F-4D97-AF65-F5344CB8AC3E}">
-        <p14:creationId xmlns:p14="http://schemas.microsoft.com/office/powerpoint/2010/main" val="3668500407"/>
+        <p14:creationId xmlns:p14="http://schemas.microsoft.com/office/powerpoint/2010/main" val="4267242068"/>
       </p:ext>
     </p:extLst>
   </p:cSld>
@@ -11884,6 +11765,494 @@
               <a:rPr lang="en" smtClean="0"/>
               <a:pPr/>
               <a:t>21</a:t>
+            </a:fld>
+            <a:endParaRPr lang="en"/>
+          </a:p>
+        </p:txBody>
+      </p:sp>
+      <p:sp>
+        <p:nvSpPr>
+          <p:cNvPr id="7" name="Shape 139"/>
+          <p:cNvSpPr>
+            <a:spLocks noGrp="1"/>
+          </p:cNvSpPr>
+          <p:nvPr>
+            <p:ph type="title"/>
+          </p:nvPr>
+        </p:nvSpPr>
+        <p:spPr>
+          <a:xfrm>
+            <a:off x="220284" y="304800"/>
+            <a:ext cx="8885207" cy="844004"/>
+          </a:xfrm>
+          <a:prstGeom prst="rect">
+            <a:avLst/>
+          </a:prstGeom>
+        </p:spPr>
+        <p:txBody>
+          <a:bodyPr/>
+          <a:lstStyle>
+            <a:lvl1pPr>
+              <a:defRPr sz="3600">
+                <a:latin typeface="Cambria"/>
+                <a:ea typeface="Cambria"/>
+                <a:cs typeface="Cambria"/>
+                <a:sym typeface="Cambria"/>
+              </a:defRPr>
+            </a:lvl1pPr>
+          </a:lstStyle>
+          <a:p>
+            <a:pPr algn="ctr"/>
+            <a:r>
+              <a:rPr lang="en-US" dirty="0" smtClean="0"/>
+              <a:t>Best Result</a:t>
+            </a:r>
+            <a:endParaRPr dirty="0"/>
+          </a:p>
+        </p:txBody>
+      </p:sp>
+      <p:pic>
+        <p:nvPicPr>
+          <p:cNvPr id="10" name="Picture 3" descr="C:\Users\ngoan\Desktop\image\thao.png"/>
+          <p:cNvPicPr>
+            <a:picLocks noChangeAspect="1" noChangeArrowheads="1"/>
+          </p:cNvPicPr>
+          <p:nvPr/>
+        </p:nvPicPr>
+        <p:blipFill>
+          <a:blip r:embed="rId2">
+            <a:extLst>
+              <a:ext uri="{28A0092B-C50C-407E-A947-70E740481C1C}">
+                <a14:useLocalDpi xmlns:a14="http://schemas.microsoft.com/office/drawing/2010/main" val="0"/>
+              </a:ext>
+            </a:extLst>
+          </a:blip>
+          <a:srcRect/>
+          <a:stretch>
+            <a:fillRect/>
+          </a:stretch>
+        </p:blipFill>
+        <p:spPr bwMode="auto">
+          <a:xfrm flipH="1">
+            <a:off x="561478" y="2343623"/>
+            <a:ext cx="1069848" cy="1069848"/>
+          </a:xfrm>
+          <a:prstGeom prst="rect">
+            <a:avLst/>
+          </a:prstGeom>
+          <a:noFill/>
+          <a:extLst>
+            <a:ext uri="{909E8E84-426E-40DD-AFC4-6F175D3DCCD1}">
+              <a14:hiddenFill xmlns:a14="http://schemas.microsoft.com/office/drawing/2010/main">
+                <a:solidFill>
+                  <a:srgbClr val="FFFFFF"/>
+                </a:solidFill>
+              </a14:hiddenFill>
+            </a:ext>
+          </a:extLst>
+        </p:spPr>
+      </p:pic>
+      <p:cxnSp>
+        <p:nvCxnSpPr>
+          <p:cNvPr id="3" name="Straight Arrow Connector 2"/>
+          <p:cNvCxnSpPr>
+            <a:stCxn id="10" idx="1"/>
+            <a:endCxn id="17" idx="1"/>
+          </p:cNvCxnSpPr>
+          <p:nvPr/>
+        </p:nvCxnSpPr>
+        <p:spPr>
+          <a:xfrm>
+            <a:off x="1631326" y="2878547"/>
+            <a:ext cx="2194297" cy="0"/>
+          </a:xfrm>
+          <a:prstGeom prst="straightConnector1">
+            <a:avLst/>
+          </a:prstGeom>
+          <a:ln>
+            <a:tailEnd type="triangle" w="med" len="med"/>
+          </a:ln>
+        </p:spPr>
+        <p:style>
+          <a:lnRef idx="3">
+            <a:schemeClr val="accent1"/>
+          </a:lnRef>
+          <a:fillRef idx="0">
+            <a:schemeClr val="accent1"/>
+          </a:fillRef>
+          <a:effectRef idx="2">
+            <a:schemeClr val="accent1"/>
+          </a:effectRef>
+          <a:fontRef idx="minor">
+            <a:schemeClr val="tx1"/>
+          </a:fontRef>
+        </p:style>
+      </p:cxnSp>
+      <p:cxnSp>
+        <p:nvCxnSpPr>
+          <p:cNvPr id="6" name="Straight Arrow Connector 5"/>
+          <p:cNvCxnSpPr>
+            <a:stCxn id="17" idx="2"/>
+            <a:endCxn id="18" idx="0"/>
+          </p:cNvCxnSpPr>
+          <p:nvPr/>
+        </p:nvCxnSpPr>
+        <p:spPr>
+          <a:xfrm>
+            <a:off x="4360547" y="3413471"/>
+            <a:ext cx="0" cy="1189157"/>
+          </a:xfrm>
+          <a:prstGeom prst="straightConnector1">
+            <a:avLst/>
+          </a:prstGeom>
+          <a:ln>
+            <a:tailEnd type="triangle" w="med" len="med"/>
+          </a:ln>
+        </p:spPr>
+        <p:style>
+          <a:lnRef idx="3">
+            <a:schemeClr val="accent1"/>
+          </a:lnRef>
+          <a:fillRef idx="0">
+            <a:schemeClr val="accent1"/>
+          </a:fillRef>
+          <a:effectRef idx="2">
+            <a:schemeClr val="accent1"/>
+          </a:effectRef>
+          <a:fontRef idx="minor">
+            <a:schemeClr val="tx1"/>
+          </a:fontRef>
+        </p:style>
+      </p:cxnSp>
+      <p:cxnSp>
+        <p:nvCxnSpPr>
+          <p:cNvPr id="14" name="Straight Arrow Connector 13"/>
+          <p:cNvCxnSpPr>
+            <a:stCxn id="18" idx="3"/>
+            <a:endCxn id="20" idx="1"/>
+          </p:cNvCxnSpPr>
+          <p:nvPr/>
+        </p:nvCxnSpPr>
+        <p:spPr>
+          <a:xfrm>
+            <a:off x="4895471" y="5137552"/>
+            <a:ext cx="2098708" cy="0"/>
+          </a:xfrm>
+          <a:prstGeom prst="straightConnector1">
+            <a:avLst/>
+          </a:prstGeom>
+          <a:ln>
+            <a:tailEnd type="triangle"/>
+          </a:ln>
+        </p:spPr>
+        <p:style>
+          <a:lnRef idx="3">
+            <a:schemeClr val="accent1"/>
+          </a:lnRef>
+          <a:fillRef idx="0">
+            <a:schemeClr val="accent1"/>
+          </a:fillRef>
+          <a:effectRef idx="2">
+            <a:schemeClr val="accent1"/>
+          </a:effectRef>
+          <a:fontRef idx="minor">
+            <a:schemeClr val="tx1"/>
+          </a:fontRef>
+        </p:style>
+      </p:cxnSp>
+      <p:pic>
+        <p:nvPicPr>
+          <p:cNvPr id="17" name="Picture 2" descr="C:\Users\ngoan\Desktop\image\quy.png"/>
+          <p:cNvPicPr>
+            <a:picLocks noChangeAspect="1" noChangeArrowheads="1"/>
+          </p:cNvPicPr>
+          <p:nvPr/>
+        </p:nvPicPr>
+        <p:blipFill>
+          <a:blip r:embed="rId3">
+            <a:extLst>
+              <a:ext uri="{28A0092B-C50C-407E-A947-70E740481C1C}">
+                <a14:useLocalDpi xmlns:a14="http://schemas.microsoft.com/office/drawing/2010/main" val="0"/>
+              </a:ext>
+            </a:extLst>
+          </a:blip>
+          <a:srcRect/>
+          <a:stretch>
+            <a:fillRect/>
+          </a:stretch>
+        </p:blipFill>
+        <p:spPr bwMode="auto">
+          <a:xfrm>
+            <a:off x="3825623" y="2343623"/>
+            <a:ext cx="1069848" cy="1069848"/>
+          </a:xfrm>
+          <a:prstGeom prst="rect">
+            <a:avLst/>
+          </a:prstGeom>
+          <a:noFill/>
+          <a:extLst>
+            <a:ext uri="{909E8E84-426E-40DD-AFC4-6F175D3DCCD1}">
+              <a14:hiddenFill xmlns:a14="http://schemas.microsoft.com/office/drawing/2010/main">
+                <a:solidFill>
+                  <a:srgbClr val="FFFFFF"/>
+                </a:solidFill>
+              </a14:hiddenFill>
+            </a:ext>
+          </a:extLst>
+        </p:spPr>
+      </p:pic>
+      <p:pic>
+        <p:nvPicPr>
+          <p:cNvPr id="18" name="Picture 4" descr="C:\Users\ngoan\Desktop\image\nam.png"/>
+          <p:cNvPicPr>
+            <a:picLocks noChangeAspect="1" noChangeArrowheads="1"/>
+          </p:cNvPicPr>
+          <p:nvPr/>
+        </p:nvPicPr>
+        <p:blipFill>
+          <a:blip r:embed="rId4">
+            <a:extLst>
+              <a:ext uri="{28A0092B-C50C-407E-A947-70E740481C1C}">
+                <a14:useLocalDpi xmlns:a14="http://schemas.microsoft.com/office/drawing/2010/main" val="0"/>
+              </a:ext>
+            </a:extLst>
+          </a:blip>
+          <a:srcRect/>
+          <a:stretch>
+            <a:fillRect/>
+          </a:stretch>
+        </p:blipFill>
+        <p:spPr bwMode="auto">
+          <a:xfrm>
+            <a:off x="3825623" y="4602628"/>
+            <a:ext cx="1069848" cy="1069848"/>
+          </a:xfrm>
+          <a:prstGeom prst="rect">
+            <a:avLst/>
+          </a:prstGeom>
+          <a:noFill/>
+          <a:extLst>
+            <a:ext uri="{909E8E84-426E-40DD-AFC4-6F175D3DCCD1}">
+              <a14:hiddenFill xmlns:a14="http://schemas.microsoft.com/office/drawing/2010/main">
+                <a:solidFill>
+                  <a:srgbClr val="FFFFFF"/>
+                </a:solidFill>
+              </a14:hiddenFill>
+            </a:ext>
+          </a:extLst>
+        </p:spPr>
+      </p:pic>
+      <p:pic>
+        <p:nvPicPr>
+          <p:cNvPr id="20" name="Picture 3" descr="C:\Users\ngoan\Desktop\image\ngoan.png"/>
+          <p:cNvPicPr>
+            <a:picLocks noChangeAspect="1" noChangeArrowheads="1"/>
+          </p:cNvPicPr>
+          <p:nvPr/>
+        </p:nvPicPr>
+        <p:blipFill>
+          <a:blip r:embed="rId5">
+            <a:extLst>
+              <a:ext uri="{28A0092B-C50C-407E-A947-70E740481C1C}">
+                <a14:useLocalDpi xmlns:a14="http://schemas.microsoft.com/office/drawing/2010/main" val="0"/>
+              </a:ext>
+            </a:extLst>
+          </a:blip>
+          <a:srcRect/>
+          <a:stretch>
+            <a:fillRect/>
+          </a:stretch>
+        </p:blipFill>
+        <p:spPr bwMode="auto">
+          <a:xfrm>
+            <a:off x="6994179" y="4602628"/>
+            <a:ext cx="1066804" cy="1069848"/>
+          </a:xfrm>
+          <a:prstGeom prst="rect">
+            <a:avLst/>
+          </a:prstGeom>
+          <a:noFill/>
+          <a:extLst>
+            <a:ext uri="{909E8E84-426E-40DD-AFC4-6F175D3DCCD1}">
+              <a14:hiddenFill xmlns:a14="http://schemas.microsoft.com/office/drawing/2010/main">
+                <a:solidFill>
+                  <a:srgbClr val="FFFFFF"/>
+                </a:solidFill>
+              </a14:hiddenFill>
+            </a:ext>
+          </a:extLst>
+        </p:spPr>
+      </p:pic>
+      <p:sp>
+        <p:nvSpPr>
+          <p:cNvPr id="25" name="TextBox 24"/>
+          <p:cNvSpPr txBox="1"/>
+          <p:nvPr/>
+        </p:nvSpPr>
+        <p:spPr>
+          <a:xfrm>
+            <a:off x="5753106" y="4524986"/>
+            <a:ext cx="383438" cy="523220"/>
+          </a:xfrm>
+          <a:prstGeom prst="rect">
+            <a:avLst/>
+          </a:prstGeom>
+          <a:noFill/>
+        </p:spPr>
+        <p:txBody>
+          <a:bodyPr wrap="none" rtlCol="0">
+            <a:spAutoFit/>
+          </a:bodyPr>
+          <a:lstStyle/>
+          <a:p>
+            <a:r>
+              <a:rPr lang="en-US" sz="2800" dirty="0" smtClean="0">
+                <a:solidFill>
+                  <a:srgbClr val="FF0000"/>
+                </a:solidFill>
+                <a:latin typeface="Cambria" pitchFamily="18" charset="0"/>
+              </a:rPr>
+              <a:t>3</a:t>
+            </a:r>
+            <a:endParaRPr lang="en-US" sz="2800" dirty="0">
+              <a:solidFill>
+                <a:srgbClr val="FF0000"/>
+              </a:solidFill>
+              <a:latin typeface="Cambria" pitchFamily="18" charset="0"/>
+            </a:endParaRPr>
+          </a:p>
+        </p:txBody>
+      </p:sp>
+      <p:sp>
+        <p:nvSpPr>
+          <p:cNvPr id="15" name="TextBox 14"/>
+          <p:cNvSpPr txBox="1"/>
+          <p:nvPr/>
+        </p:nvSpPr>
+        <p:spPr>
+          <a:xfrm>
+            <a:off x="2536755" y="2329215"/>
+            <a:ext cx="383438" cy="523220"/>
+          </a:xfrm>
+          <a:prstGeom prst="rect">
+            <a:avLst/>
+          </a:prstGeom>
+          <a:noFill/>
+        </p:spPr>
+        <p:txBody>
+          <a:bodyPr wrap="none" rtlCol="0">
+            <a:spAutoFit/>
+          </a:bodyPr>
+          <a:lstStyle/>
+          <a:p>
+            <a:r>
+              <a:rPr lang="en-US" sz="2800" dirty="0" smtClean="0">
+                <a:solidFill>
+                  <a:srgbClr val="FF0000"/>
+                </a:solidFill>
+                <a:latin typeface="Cambria" pitchFamily="18" charset="0"/>
+              </a:rPr>
+              <a:t>1</a:t>
+            </a:r>
+            <a:endParaRPr lang="en-US" sz="2800" dirty="0">
+              <a:solidFill>
+                <a:srgbClr val="FF0000"/>
+              </a:solidFill>
+              <a:latin typeface="Cambria" pitchFamily="18" charset="0"/>
+            </a:endParaRPr>
+          </a:p>
+        </p:txBody>
+      </p:sp>
+      <p:sp>
+        <p:nvSpPr>
+          <p:cNvPr id="19" name="TextBox 18"/>
+          <p:cNvSpPr txBox="1"/>
+          <p:nvPr/>
+        </p:nvSpPr>
+        <p:spPr>
+          <a:xfrm>
+            <a:off x="4438846" y="3746439"/>
+            <a:ext cx="383438" cy="523220"/>
+          </a:xfrm>
+          <a:prstGeom prst="rect">
+            <a:avLst/>
+          </a:prstGeom>
+          <a:noFill/>
+        </p:spPr>
+        <p:txBody>
+          <a:bodyPr wrap="none" rtlCol="0">
+            <a:spAutoFit/>
+          </a:bodyPr>
+          <a:lstStyle/>
+          <a:p>
+            <a:r>
+              <a:rPr lang="en-US" sz="2800" dirty="0">
+                <a:solidFill>
+                  <a:srgbClr val="FF0000"/>
+                </a:solidFill>
+                <a:latin typeface="Cambria" pitchFamily="18" charset="0"/>
+              </a:rPr>
+              <a:t>2</a:t>
+            </a:r>
+          </a:p>
+        </p:txBody>
+      </p:sp>
+    </p:spTree>
+    <p:extLst>
+      <p:ext uri="{BB962C8B-B14F-4D97-AF65-F5344CB8AC3E}">
+        <p14:creationId xmlns:p14="http://schemas.microsoft.com/office/powerpoint/2010/main" val="3668500407"/>
+      </p:ext>
+    </p:extLst>
+  </p:cSld>
+  <p:clrMapOvr>
+    <a:masterClrMapping/>
+  </p:clrMapOvr>
+  <p:timing>
+    <p:tnLst>
+      <p:par>
+        <p:cTn id="1" dur="indefinite" restart="never" nodeType="tmRoot"/>
+      </p:par>
+    </p:tnLst>
+  </p:timing>
+</p:sld>
+</file>
+
+<file path=ppt/slides/slide22.xml><?xml version="1.0" encoding="utf-8"?>
+<p:sld xmlns:a="http://schemas.openxmlformats.org/drawingml/2006/main" xmlns:r="http://schemas.openxmlformats.org/officeDocument/2006/relationships" xmlns:p="http://schemas.openxmlformats.org/presentationml/2006/main">
+  <p:cSld>
+    <p:spTree>
+      <p:nvGrpSpPr>
+        <p:cNvPr id="1" name=""/>
+        <p:cNvGrpSpPr/>
+        <p:nvPr/>
+      </p:nvGrpSpPr>
+      <p:grpSpPr>
+        <a:xfrm>
+          <a:off x="0" y="0"/>
+          <a:ext cx="0" cy="0"/>
+          <a:chOff x="0" y="0"/>
+          <a:chExt cx="0" cy="0"/>
+        </a:xfrm>
+      </p:grpSpPr>
+      <p:sp>
+        <p:nvSpPr>
+          <p:cNvPr id="4" name="Slide Number Placeholder 3"/>
+          <p:cNvSpPr>
+            <a:spLocks noGrp="1"/>
+          </p:cNvSpPr>
+          <p:nvPr>
+            <p:ph type="sldNum" idx="12"/>
+          </p:nvPr>
+        </p:nvSpPr>
+        <p:spPr/>
+        <p:txBody>
+          <a:bodyPr/>
+          <a:lstStyle/>
+          <a:p>
+            <a:fld id="{00000000-1234-1234-1234-123412341234}" type="slidenum">
+              <a:rPr lang="en" smtClean="0"/>
+              <a:pPr/>
+              <a:t>22</a:t>
             </a:fld>
             <a:endParaRPr lang="en"/>
           </a:p>
@@ -15514,12 +15883,6 @@
               </a:rPr>
               <a:t>2</a:t>
             </a:r>
-            <a:endParaRPr lang="en-US" sz="2800" dirty="0">
-              <a:solidFill>
-                <a:srgbClr val="FF0000"/>
-              </a:solidFill>
-              <a:latin typeface="Cambria" pitchFamily="18" charset="0"/>
-            </a:endParaRPr>
           </a:p>
         </p:txBody>
       </p:sp>
@@ -15554,12 +15917,6 @@
               </a:rPr>
               <a:t>3</a:t>
             </a:r>
-            <a:endParaRPr lang="en-US" sz="2800" dirty="0">
-              <a:solidFill>
-                <a:srgbClr val="FF0000"/>
-              </a:solidFill>
-              <a:latin typeface="Cambria" pitchFamily="18" charset="0"/>
-            </a:endParaRPr>
           </a:p>
         </p:txBody>
       </p:sp>
@@ -16155,12 +16512,6 @@
               </a:rPr>
               <a:t>2</a:t>
             </a:r>
-            <a:endParaRPr lang="en-US" sz="2800" dirty="0">
-              <a:solidFill>
-                <a:srgbClr val="FF0000"/>
-              </a:solidFill>
-              <a:latin typeface="Cambria" pitchFamily="18" charset="0"/>
-            </a:endParaRPr>
           </a:p>
         </p:txBody>
       </p:sp>
@@ -16195,12 +16546,6 @@
               </a:rPr>
               <a:t>3</a:t>
             </a:r>
-            <a:endParaRPr lang="en-US" sz="2800" dirty="0">
-              <a:solidFill>
-                <a:srgbClr val="FF0000"/>
-              </a:solidFill>
-              <a:latin typeface="Cambria" pitchFamily="18" charset="0"/>
-            </a:endParaRPr>
           </a:p>
         </p:txBody>
       </p:sp>
@@ -16837,12 +17182,6 @@
               </a:rPr>
               <a:t>2</a:t>
             </a:r>
-            <a:endParaRPr lang="en-US" sz="2800" dirty="0">
-              <a:solidFill>
-                <a:srgbClr val="FF0000"/>
-              </a:solidFill>
-              <a:latin typeface="Cambria" pitchFamily="18" charset="0"/>
-            </a:endParaRPr>
           </a:p>
         </p:txBody>
       </p:sp>
@@ -16877,12 +17216,6 @@
               </a:rPr>
               <a:t>3</a:t>
             </a:r>
-            <a:endParaRPr lang="en-US" sz="2800" dirty="0">
-              <a:solidFill>
-                <a:srgbClr val="FF0000"/>
-              </a:solidFill>
-              <a:latin typeface="Cambria" pitchFamily="18" charset="0"/>
-            </a:endParaRPr>
           </a:p>
         </p:txBody>
       </p:sp>
@@ -17519,12 +17852,6 @@
               </a:rPr>
               <a:t>2</a:t>
             </a:r>
-            <a:endParaRPr lang="en-US" sz="2800" dirty="0">
-              <a:solidFill>
-                <a:srgbClr val="FF0000"/>
-              </a:solidFill>
-              <a:latin typeface="Cambria" pitchFamily="18" charset="0"/>
-            </a:endParaRPr>
           </a:p>
         </p:txBody>
       </p:sp>
@@ -17559,12 +17886,6 @@
               </a:rPr>
               <a:t>3</a:t>
             </a:r>
-            <a:endParaRPr lang="en-US" sz="2800" dirty="0">
-              <a:solidFill>
-                <a:srgbClr val="FF0000"/>
-              </a:solidFill>
-              <a:latin typeface="Cambria" pitchFamily="18" charset="0"/>
-            </a:endParaRPr>
           </a:p>
         </p:txBody>
       </p:sp>
@@ -19303,7 +19624,7 @@
   <a:extraClrSchemeLst/>
   <a:extLst>
     <a:ext uri="{05A4C25C-085E-4340-85A3-A5531E510DB2}">
-      <thm15:themeFamily xmlns="" xmlns:thm15="http://schemas.microsoft.com/office/thememl/2012/main" name="Office Theme" id="{62F939B6-93AF-4DB8-9C6B-D6C7DFDC589F}" vid="{4A3C46E8-61CC-4603-A589-7422A47A8E4A}"/>
+      <thm15:themeFamily xmlns:thm15="http://schemas.microsoft.com/office/thememl/2012/main" xmlns="" name="Office Theme" id="{62F939B6-93AF-4DB8-9C6B-D6C7DFDC589F}" vid="{4A3C46E8-61CC-4603-A589-7422A47A8E4A}"/>
     </a:ext>
   </a:extLst>
 </a:theme>

--- a/Document/presentation/present_ngoan.pptx
+++ b/Document/presentation/present_ngoan.pptx
@@ -6,31 +6,30 @@
     <p:sldMasterId id="2147483706" r:id="rId2"/>
   </p:sldMasterIdLst>
   <p:notesMasterIdLst>
-    <p:notesMasterId r:id="rId25"/>
+    <p:notesMasterId r:id="rId24"/>
   </p:notesMasterIdLst>
   <p:sldIdLst>
     <p:sldId id="288" r:id="rId3"/>
     <p:sldId id="284" r:id="rId4"/>
-    <p:sldId id="290" r:id="rId5"/>
-    <p:sldId id="293" r:id="rId6"/>
-    <p:sldId id="294" r:id="rId7"/>
-    <p:sldId id="286" r:id="rId8"/>
-    <p:sldId id="298" r:id="rId9"/>
-    <p:sldId id="299" r:id="rId10"/>
-    <p:sldId id="300" r:id="rId11"/>
-    <p:sldId id="285" r:id="rId12"/>
-    <p:sldId id="295" r:id="rId13"/>
-    <p:sldId id="296" r:id="rId14"/>
-    <p:sldId id="301" r:id="rId15"/>
-    <p:sldId id="302" r:id="rId16"/>
-    <p:sldId id="303" r:id="rId17"/>
-    <p:sldId id="304" r:id="rId18"/>
-    <p:sldId id="305" r:id="rId19"/>
-    <p:sldId id="306" r:id="rId20"/>
-    <p:sldId id="310" r:id="rId21"/>
-    <p:sldId id="307" r:id="rId22"/>
-    <p:sldId id="308" r:id="rId23"/>
-    <p:sldId id="309" r:id="rId24"/>
+    <p:sldId id="312" r:id="rId5"/>
+    <p:sldId id="290" r:id="rId6"/>
+    <p:sldId id="293" r:id="rId7"/>
+    <p:sldId id="294" r:id="rId8"/>
+    <p:sldId id="286" r:id="rId9"/>
+    <p:sldId id="311" r:id="rId10"/>
+    <p:sldId id="295" r:id="rId11"/>
+    <p:sldId id="296" r:id="rId12"/>
+    <p:sldId id="301" r:id="rId13"/>
+    <p:sldId id="302" r:id="rId14"/>
+    <p:sldId id="303" r:id="rId15"/>
+    <p:sldId id="304" r:id="rId16"/>
+    <p:sldId id="305" r:id="rId17"/>
+    <p:sldId id="306" r:id="rId18"/>
+    <p:sldId id="313" r:id="rId19"/>
+    <p:sldId id="310" r:id="rId20"/>
+    <p:sldId id="314" r:id="rId21"/>
+    <p:sldId id="308" r:id="rId22"/>
+    <p:sldId id="309" r:id="rId23"/>
   </p:sldIdLst>
   <p:sldSz cx="9144000" cy="6858000" type="screen4x3"/>
   <p:notesSz cx="6858000" cy="9144000"/>
@@ -131,7 +130,7 @@
   </p:defaultTextStyle>
   <p:extLst>
     <p:ext uri="{EFAFB233-063F-42B5-8137-9DF3F51BA10A}">
-      <p15:sldGuideLst xmlns:p15="http://schemas.microsoft.com/office/powerpoint/2012/main" xmlns=""/>
+      <p15:sldGuideLst xmlns="" xmlns:p15="http://schemas.microsoft.com/office/powerpoint/2012/main"/>
     </p:ext>
   </p:extLst>
 </p:presentation>
@@ -219,7 +218,7 @@
           <a:p>
             <a:fld id="{DB638E9B-52C4-DC4B-9E8A-4837C38FE505}" type="datetimeFigureOut">
               <a:rPr lang="en-US" smtClean="0"/>
-              <a:t>12/9/2015</a:t>
+              <a:t>12/10/2015</a:t>
             </a:fld>
             <a:endParaRPr lang="en-US"/>
           </a:p>
@@ -3567,7 +3566,7 @@
           </a:ln>
           <a:extLst>
             <a:ext uri="{C572A759-6A51-4108-AA02-DFA0A04FC94B}">
-              <ma14:wrappingTextBoxFlag xmlns:ma14="http://schemas.microsoft.com/office/mac/drawingml/2011/main" xmlns="" val="1"/>
+              <ma14:wrappingTextBoxFlag xmlns="" xmlns:ma14="http://schemas.microsoft.com/office/mac/drawingml/2011/main" val="1"/>
             </a:ext>
           </a:extLst>
         </p:spPr>
@@ -3606,7 +3605,7 @@
           </a:ln>
           <a:extLst>
             <a:ext uri="{C572A759-6A51-4108-AA02-DFA0A04FC94B}">
-              <ma14:wrappingTextBoxFlag xmlns:ma14="http://schemas.microsoft.com/office/mac/drawingml/2011/main" xmlns="" val="1"/>
+              <ma14:wrappingTextBoxFlag xmlns="" xmlns:ma14="http://schemas.microsoft.com/office/mac/drawingml/2011/main" val="1"/>
             </a:ext>
           </a:extLst>
         </p:spPr>
@@ -5330,634 +5329,6 @@
       </p:sp>
       <p:sp>
         <p:nvSpPr>
-          <p:cNvPr id="6" name="Shape 144"/>
-          <p:cNvSpPr>
-            <a:spLocks noGrp="1"/>
-          </p:cNvSpPr>
-          <p:nvPr>
-            <p:ph type="title"/>
-          </p:nvPr>
-        </p:nvSpPr>
-        <p:spPr>
-          <a:xfrm>
-            <a:off x="332118" y="353375"/>
-            <a:ext cx="8499023" cy="621945"/>
-          </a:xfrm>
-          <a:prstGeom prst="rect">
-            <a:avLst/>
-          </a:prstGeom>
-        </p:spPr>
-        <p:txBody>
-          <a:bodyPr/>
-          <a:lstStyle>
-            <a:lvl1pPr>
-              <a:defRPr sz="3600">
-                <a:latin typeface="Cambria"/>
-                <a:ea typeface="Cambria"/>
-                <a:cs typeface="Cambria"/>
-                <a:sym typeface="Cambria"/>
-              </a:defRPr>
-            </a:lvl1pPr>
-          </a:lstStyle>
-          <a:p>
-            <a:pPr algn="ctr"/>
-            <a:r>
-              <a:rPr lang="en-US" dirty="0"/>
-              <a:t>Architecture</a:t>
-            </a:r>
-            <a:endParaRPr lang="en-US" dirty="0">
-              <a:latin typeface="Times New Roman" pitchFamily="18" charset="0"/>
-              <a:cs typeface="Times New Roman" pitchFamily="18" charset="0"/>
-            </a:endParaRPr>
-          </a:p>
-        </p:txBody>
-      </p:sp>
-      <p:pic>
-        <p:nvPicPr>
-          <p:cNvPr id="13" name="image6.png"/>
-          <p:cNvPicPr>
-            <a:picLocks noChangeAspect="1"/>
-          </p:cNvPicPr>
-          <p:nvPr/>
-        </p:nvPicPr>
-        <p:blipFill>
-          <a:blip r:embed="rId2">
-            <a:extLst/>
-          </a:blip>
-          <a:stretch>
-            <a:fillRect/>
-          </a:stretch>
-        </p:blipFill>
-        <p:spPr>
-          <a:xfrm>
-            <a:off x="2045393" y="1776002"/>
-            <a:ext cx="5542762" cy="4816442"/>
-          </a:xfrm>
-          <a:prstGeom prst="rect">
-            <a:avLst/>
-          </a:prstGeom>
-          <a:ln w="12700">
-            <a:miter lim="400000"/>
-          </a:ln>
-        </p:spPr>
-      </p:pic>
-    </p:spTree>
-    <p:extLst>
-      <p:ext uri="{BB962C8B-B14F-4D97-AF65-F5344CB8AC3E}">
-        <p14:creationId xmlns:p14="http://schemas.microsoft.com/office/powerpoint/2010/main" val="1462106087"/>
-      </p:ext>
-    </p:extLst>
-  </p:cSld>
-  <p:clrMapOvr>
-    <a:masterClrMapping/>
-  </p:clrMapOvr>
-  <p:timing>
-    <p:tnLst>
-      <p:par>
-        <p:cTn id="1" dur="indefinite" restart="never" nodeType="tmRoot"/>
-      </p:par>
-    </p:tnLst>
-  </p:timing>
-</p:sld>
-</file>
-
-<file path=ppt/slides/slide11.xml><?xml version="1.0" encoding="utf-8"?>
-<p:sld xmlns:a="http://schemas.openxmlformats.org/drawingml/2006/main" xmlns:r="http://schemas.openxmlformats.org/officeDocument/2006/relationships" xmlns:p="http://schemas.openxmlformats.org/presentationml/2006/main">
-  <p:cSld>
-    <p:spTree>
-      <p:nvGrpSpPr>
-        <p:cNvPr id="1" name=""/>
-        <p:cNvGrpSpPr/>
-        <p:nvPr/>
-      </p:nvGrpSpPr>
-      <p:grpSpPr>
-        <a:xfrm>
-          <a:off x="0" y="0"/>
-          <a:ext cx="0" cy="0"/>
-          <a:chOff x="0" y="0"/>
-          <a:chExt cx="0" cy="0"/>
-        </a:xfrm>
-      </p:grpSpPr>
-      <p:sp>
-        <p:nvSpPr>
-          <p:cNvPr id="4" name="Slide Number Placeholder 3"/>
-          <p:cNvSpPr>
-            <a:spLocks noGrp="1"/>
-          </p:cNvSpPr>
-          <p:nvPr>
-            <p:ph type="sldNum" idx="12"/>
-          </p:nvPr>
-        </p:nvSpPr>
-        <p:spPr/>
-        <p:txBody>
-          <a:bodyPr/>
-          <a:lstStyle/>
-          <a:p>
-            <a:fld id="{00000000-1234-1234-1234-123412341234}" type="slidenum">
-              <a:rPr lang="en" smtClean="0"/>
-              <a:pPr/>
-              <a:t>11</a:t>
-            </a:fld>
-            <a:endParaRPr lang="en"/>
-          </a:p>
-        </p:txBody>
-      </p:sp>
-      <p:sp>
-        <p:nvSpPr>
-          <p:cNvPr id="7" name="Shape 139"/>
-          <p:cNvSpPr>
-            <a:spLocks noGrp="1"/>
-          </p:cNvSpPr>
-          <p:nvPr>
-            <p:ph type="title"/>
-          </p:nvPr>
-        </p:nvSpPr>
-        <p:spPr>
-          <a:xfrm>
-            <a:off x="220284" y="304800"/>
-            <a:ext cx="8885207" cy="844004"/>
-          </a:xfrm>
-          <a:prstGeom prst="rect">
-            <a:avLst/>
-          </a:prstGeom>
-        </p:spPr>
-        <p:txBody>
-          <a:bodyPr/>
-          <a:lstStyle>
-            <a:lvl1pPr>
-              <a:defRPr sz="3600">
-                <a:latin typeface="Cambria"/>
-                <a:ea typeface="Cambria"/>
-                <a:cs typeface="Cambria"/>
-                <a:sym typeface="Cambria"/>
-              </a:defRPr>
-            </a:lvl1pPr>
-          </a:lstStyle>
-          <a:p>
-            <a:pPr algn="ctr"/>
-            <a:r>
-              <a:rPr lang="en-US" dirty="0" smtClean="0"/>
-              <a:t>Best Result</a:t>
-            </a:r>
-            <a:endParaRPr dirty="0"/>
-          </a:p>
-        </p:txBody>
-      </p:sp>
-      <p:pic>
-        <p:nvPicPr>
-          <p:cNvPr id="10" name="Picture 3" descr="C:\Users\ngoan\Desktop\image\thao.png"/>
-          <p:cNvPicPr>
-            <a:picLocks noChangeAspect="1" noChangeArrowheads="1"/>
-          </p:cNvPicPr>
-          <p:nvPr/>
-        </p:nvPicPr>
-        <p:blipFill>
-          <a:blip r:embed="rId2">
-            <a:extLst>
-              <a:ext uri="{28A0092B-C50C-407E-A947-70E740481C1C}">
-                <a14:useLocalDpi xmlns:a14="http://schemas.microsoft.com/office/drawing/2010/main" val="0"/>
-              </a:ext>
-            </a:extLst>
-          </a:blip>
-          <a:srcRect/>
-          <a:stretch>
-            <a:fillRect/>
-          </a:stretch>
-        </p:blipFill>
-        <p:spPr bwMode="auto">
-          <a:xfrm flipH="1">
-            <a:off x="561478" y="2343623"/>
-            <a:ext cx="1069848" cy="1069848"/>
-          </a:xfrm>
-          <a:prstGeom prst="rect">
-            <a:avLst/>
-          </a:prstGeom>
-          <a:noFill/>
-          <a:extLst>
-            <a:ext uri="{909E8E84-426E-40DD-AFC4-6F175D3DCCD1}">
-              <a14:hiddenFill xmlns:a14="http://schemas.microsoft.com/office/drawing/2010/main">
-                <a:solidFill>
-                  <a:srgbClr val="FFFFFF"/>
-                </a:solidFill>
-              </a14:hiddenFill>
-            </a:ext>
-          </a:extLst>
-        </p:spPr>
-      </p:pic>
-      <p:cxnSp>
-        <p:nvCxnSpPr>
-          <p:cNvPr id="3" name="Straight Arrow Connector 2"/>
-          <p:cNvCxnSpPr>
-            <a:stCxn id="10" idx="1"/>
-            <a:endCxn id="17" idx="1"/>
-          </p:cNvCxnSpPr>
-          <p:nvPr/>
-        </p:nvCxnSpPr>
-        <p:spPr>
-          <a:xfrm>
-            <a:off x="1631326" y="2878547"/>
-            <a:ext cx="2194297" cy="0"/>
-          </a:xfrm>
-          <a:prstGeom prst="straightConnector1">
-            <a:avLst/>
-          </a:prstGeom>
-          <a:ln>
-            <a:tailEnd type="triangle" w="med" len="med"/>
-          </a:ln>
-        </p:spPr>
-        <p:style>
-          <a:lnRef idx="3">
-            <a:schemeClr val="accent1"/>
-          </a:lnRef>
-          <a:fillRef idx="0">
-            <a:schemeClr val="accent1"/>
-          </a:fillRef>
-          <a:effectRef idx="2">
-            <a:schemeClr val="accent1"/>
-          </a:effectRef>
-          <a:fontRef idx="minor">
-            <a:schemeClr val="tx1"/>
-          </a:fontRef>
-        </p:style>
-      </p:cxnSp>
-      <p:cxnSp>
-        <p:nvCxnSpPr>
-          <p:cNvPr id="6" name="Straight Arrow Connector 5"/>
-          <p:cNvCxnSpPr>
-            <a:stCxn id="17" idx="2"/>
-            <a:endCxn id="18" idx="0"/>
-          </p:cNvCxnSpPr>
-          <p:nvPr/>
-        </p:nvCxnSpPr>
-        <p:spPr>
-          <a:xfrm>
-            <a:off x="4360547" y="3413471"/>
-            <a:ext cx="0" cy="1189157"/>
-          </a:xfrm>
-          <a:prstGeom prst="straightConnector1">
-            <a:avLst/>
-          </a:prstGeom>
-          <a:ln>
-            <a:tailEnd type="triangle" w="med" len="med"/>
-          </a:ln>
-        </p:spPr>
-        <p:style>
-          <a:lnRef idx="3">
-            <a:schemeClr val="accent1"/>
-          </a:lnRef>
-          <a:fillRef idx="0">
-            <a:schemeClr val="accent1"/>
-          </a:fillRef>
-          <a:effectRef idx="2">
-            <a:schemeClr val="accent1"/>
-          </a:effectRef>
-          <a:fontRef idx="minor">
-            <a:schemeClr val="tx1"/>
-          </a:fontRef>
-        </p:style>
-      </p:cxnSp>
-      <p:cxnSp>
-        <p:nvCxnSpPr>
-          <p:cNvPr id="14" name="Straight Arrow Connector 13"/>
-          <p:cNvCxnSpPr>
-            <a:stCxn id="18" idx="3"/>
-            <a:endCxn id="20" idx="1"/>
-          </p:cNvCxnSpPr>
-          <p:nvPr/>
-        </p:nvCxnSpPr>
-        <p:spPr>
-          <a:xfrm>
-            <a:off x="4895471" y="5137552"/>
-            <a:ext cx="2098708" cy="0"/>
-          </a:xfrm>
-          <a:prstGeom prst="straightConnector1">
-            <a:avLst/>
-          </a:prstGeom>
-          <a:ln>
-            <a:tailEnd type="triangle"/>
-          </a:ln>
-        </p:spPr>
-        <p:style>
-          <a:lnRef idx="3">
-            <a:schemeClr val="accent1"/>
-          </a:lnRef>
-          <a:fillRef idx="0">
-            <a:schemeClr val="accent1"/>
-          </a:fillRef>
-          <a:effectRef idx="2">
-            <a:schemeClr val="accent1"/>
-          </a:effectRef>
-          <a:fontRef idx="minor">
-            <a:schemeClr val="tx1"/>
-          </a:fontRef>
-        </p:style>
-      </p:cxnSp>
-      <p:pic>
-        <p:nvPicPr>
-          <p:cNvPr id="17" name="Picture 2" descr="C:\Users\ngoan\Desktop\image\quy.png"/>
-          <p:cNvPicPr>
-            <a:picLocks noChangeAspect="1" noChangeArrowheads="1"/>
-          </p:cNvPicPr>
-          <p:nvPr/>
-        </p:nvPicPr>
-        <p:blipFill>
-          <a:blip r:embed="rId3">
-            <a:extLst>
-              <a:ext uri="{28A0092B-C50C-407E-A947-70E740481C1C}">
-                <a14:useLocalDpi xmlns:a14="http://schemas.microsoft.com/office/drawing/2010/main" val="0"/>
-              </a:ext>
-            </a:extLst>
-          </a:blip>
-          <a:srcRect/>
-          <a:stretch>
-            <a:fillRect/>
-          </a:stretch>
-        </p:blipFill>
-        <p:spPr bwMode="auto">
-          <a:xfrm>
-            <a:off x="3825623" y="2343623"/>
-            <a:ext cx="1069848" cy="1069848"/>
-          </a:xfrm>
-          <a:prstGeom prst="rect">
-            <a:avLst/>
-          </a:prstGeom>
-          <a:noFill/>
-          <a:extLst>
-            <a:ext uri="{909E8E84-426E-40DD-AFC4-6F175D3DCCD1}">
-              <a14:hiddenFill xmlns:a14="http://schemas.microsoft.com/office/drawing/2010/main">
-                <a:solidFill>
-                  <a:srgbClr val="FFFFFF"/>
-                </a:solidFill>
-              </a14:hiddenFill>
-            </a:ext>
-          </a:extLst>
-        </p:spPr>
-      </p:pic>
-      <p:pic>
-        <p:nvPicPr>
-          <p:cNvPr id="18" name="Picture 4" descr="C:\Users\ngoan\Desktop\image\nam.png"/>
-          <p:cNvPicPr>
-            <a:picLocks noChangeAspect="1" noChangeArrowheads="1"/>
-          </p:cNvPicPr>
-          <p:nvPr/>
-        </p:nvPicPr>
-        <p:blipFill>
-          <a:blip r:embed="rId4">
-            <a:extLst>
-              <a:ext uri="{28A0092B-C50C-407E-A947-70E740481C1C}">
-                <a14:useLocalDpi xmlns:a14="http://schemas.microsoft.com/office/drawing/2010/main" val="0"/>
-              </a:ext>
-            </a:extLst>
-          </a:blip>
-          <a:srcRect/>
-          <a:stretch>
-            <a:fillRect/>
-          </a:stretch>
-        </p:blipFill>
-        <p:spPr bwMode="auto">
-          <a:xfrm>
-            <a:off x="3825623" y="4602628"/>
-            <a:ext cx="1069848" cy="1069848"/>
-          </a:xfrm>
-          <a:prstGeom prst="rect">
-            <a:avLst/>
-          </a:prstGeom>
-          <a:noFill/>
-          <a:extLst>
-            <a:ext uri="{909E8E84-426E-40DD-AFC4-6F175D3DCCD1}">
-              <a14:hiddenFill xmlns:a14="http://schemas.microsoft.com/office/drawing/2010/main">
-                <a:solidFill>
-                  <a:srgbClr val="FFFFFF"/>
-                </a:solidFill>
-              </a14:hiddenFill>
-            </a:ext>
-          </a:extLst>
-        </p:spPr>
-      </p:pic>
-      <p:pic>
-        <p:nvPicPr>
-          <p:cNvPr id="20" name="Picture 3" descr="C:\Users\ngoan\Desktop\image\ngoan.png"/>
-          <p:cNvPicPr>
-            <a:picLocks noChangeAspect="1" noChangeArrowheads="1"/>
-          </p:cNvPicPr>
-          <p:nvPr/>
-        </p:nvPicPr>
-        <p:blipFill>
-          <a:blip r:embed="rId5">
-            <a:extLst>
-              <a:ext uri="{28A0092B-C50C-407E-A947-70E740481C1C}">
-                <a14:useLocalDpi xmlns:a14="http://schemas.microsoft.com/office/drawing/2010/main" val="0"/>
-              </a:ext>
-            </a:extLst>
-          </a:blip>
-          <a:srcRect/>
-          <a:stretch>
-            <a:fillRect/>
-          </a:stretch>
-        </p:blipFill>
-        <p:spPr bwMode="auto">
-          <a:xfrm>
-            <a:off x="6994179" y="4602628"/>
-            <a:ext cx="1066804" cy="1069848"/>
-          </a:xfrm>
-          <a:prstGeom prst="rect">
-            <a:avLst/>
-          </a:prstGeom>
-          <a:noFill/>
-          <a:extLst>
-            <a:ext uri="{909E8E84-426E-40DD-AFC4-6F175D3DCCD1}">
-              <a14:hiddenFill xmlns:a14="http://schemas.microsoft.com/office/drawing/2010/main">
-                <a:solidFill>
-                  <a:srgbClr val="FFFFFF"/>
-                </a:solidFill>
-              </a14:hiddenFill>
-            </a:ext>
-          </a:extLst>
-        </p:spPr>
-      </p:pic>
-      <p:sp>
-        <p:nvSpPr>
-          <p:cNvPr id="16" name="TextBox 15"/>
-          <p:cNvSpPr txBox="1"/>
-          <p:nvPr/>
-        </p:nvSpPr>
-        <p:spPr>
-          <a:xfrm>
-            <a:off x="2509455" y="2343623"/>
-            <a:ext cx="582211" cy="523220"/>
-          </a:xfrm>
-          <a:prstGeom prst="rect">
-            <a:avLst/>
-          </a:prstGeom>
-          <a:noFill/>
-        </p:spPr>
-        <p:txBody>
-          <a:bodyPr wrap="none" rtlCol="0">
-            <a:spAutoFit/>
-          </a:bodyPr>
-          <a:lstStyle/>
-          <a:p>
-            <a:r>
-              <a:rPr lang="en-US" sz="2800" dirty="0" smtClean="0">
-                <a:solidFill>
-                  <a:srgbClr val="FF0000"/>
-                </a:solidFill>
-                <a:latin typeface="Cambria" pitchFamily="18" charset="0"/>
-              </a:rPr>
-              <a:t>55</a:t>
-            </a:r>
-            <a:endParaRPr lang="en-US" sz="2800" dirty="0">
-              <a:solidFill>
-                <a:srgbClr val="FF0000"/>
-              </a:solidFill>
-              <a:latin typeface="Cambria" pitchFamily="18" charset="0"/>
-            </a:endParaRPr>
-          </a:p>
-        </p:txBody>
-      </p:sp>
-      <p:sp>
-        <p:nvSpPr>
-          <p:cNvPr id="24" name="TextBox 23"/>
-          <p:cNvSpPr txBox="1"/>
-          <p:nvPr/>
-        </p:nvSpPr>
-        <p:spPr>
-          <a:xfrm>
-            <a:off x="4512033" y="3746439"/>
-            <a:ext cx="582211" cy="523220"/>
-          </a:xfrm>
-          <a:prstGeom prst="rect">
-            <a:avLst/>
-          </a:prstGeom>
-          <a:noFill/>
-        </p:spPr>
-        <p:txBody>
-          <a:bodyPr wrap="none" rtlCol="0">
-            <a:spAutoFit/>
-          </a:bodyPr>
-          <a:lstStyle/>
-          <a:p>
-            <a:r>
-              <a:rPr lang="en-US" sz="2800" dirty="0" smtClean="0">
-                <a:solidFill>
-                  <a:srgbClr val="FF0000"/>
-                </a:solidFill>
-                <a:latin typeface="Cambria" pitchFamily="18" charset="0"/>
-              </a:rPr>
-              <a:t>33</a:t>
-            </a:r>
-            <a:endParaRPr lang="en-US" sz="2800" dirty="0">
-              <a:solidFill>
-                <a:srgbClr val="FF0000"/>
-              </a:solidFill>
-              <a:latin typeface="Cambria" pitchFamily="18" charset="0"/>
-            </a:endParaRPr>
-          </a:p>
-        </p:txBody>
-      </p:sp>
-      <p:sp>
-        <p:nvSpPr>
-          <p:cNvPr id="25" name="TextBox 24"/>
-          <p:cNvSpPr txBox="1"/>
-          <p:nvPr/>
-        </p:nvSpPr>
-        <p:spPr>
-          <a:xfrm>
-            <a:off x="5094244" y="4488596"/>
-            <a:ext cx="1330814" cy="523220"/>
-          </a:xfrm>
-          <a:prstGeom prst="rect">
-            <a:avLst/>
-          </a:prstGeom>
-          <a:noFill/>
-        </p:spPr>
-        <p:txBody>
-          <a:bodyPr wrap="none" rtlCol="0">
-            <a:spAutoFit/>
-          </a:bodyPr>
-          <a:lstStyle/>
-          <a:p>
-            <a:r>
-              <a:rPr lang="en-US" sz="2800" dirty="0" smtClean="0">
-                <a:solidFill>
-                  <a:srgbClr val="FF0000"/>
-                </a:solidFill>
-                <a:latin typeface="Cambria" pitchFamily="18" charset="0"/>
-              </a:rPr>
-              <a:t>104, 53</a:t>
-            </a:r>
-            <a:endParaRPr lang="en-US" sz="2800" dirty="0">
-              <a:solidFill>
-                <a:srgbClr val="FF0000"/>
-              </a:solidFill>
-              <a:latin typeface="Cambria" pitchFamily="18" charset="0"/>
-            </a:endParaRPr>
-          </a:p>
-        </p:txBody>
-      </p:sp>
-    </p:spTree>
-    <p:extLst>
-      <p:ext uri="{BB962C8B-B14F-4D97-AF65-F5344CB8AC3E}">
-        <p14:creationId xmlns:p14="http://schemas.microsoft.com/office/powerpoint/2010/main" val="3329867170"/>
-      </p:ext>
-    </p:extLst>
-  </p:cSld>
-  <p:clrMapOvr>
-    <a:masterClrMapping/>
-  </p:clrMapOvr>
-  <p:timing>
-    <p:tnLst>
-      <p:par>
-        <p:cTn id="1" dur="indefinite" restart="never" nodeType="tmRoot"/>
-      </p:par>
-    </p:tnLst>
-  </p:timing>
-</p:sld>
-</file>
-
-<file path=ppt/slides/slide12.xml><?xml version="1.0" encoding="utf-8"?>
-<p:sld xmlns:a="http://schemas.openxmlformats.org/drawingml/2006/main" xmlns:r="http://schemas.openxmlformats.org/officeDocument/2006/relationships" xmlns:p="http://schemas.openxmlformats.org/presentationml/2006/main">
-  <p:cSld>
-    <p:spTree>
-      <p:nvGrpSpPr>
-        <p:cNvPr id="1" name=""/>
-        <p:cNvGrpSpPr/>
-        <p:nvPr/>
-      </p:nvGrpSpPr>
-      <p:grpSpPr>
-        <a:xfrm>
-          <a:off x="0" y="0"/>
-          <a:ext cx="0" cy="0"/>
-          <a:chOff x="0" y="0"/>
-          <a:chExt cx="0" cy="0"/>
-        </a:xfrm>
-      </p:grpSpPr>
-      <p:sp>
-        <p:nvSpPr>
-          <p:cNvPr id="4" name="Slide Number Placeholder 3"/>
-          <p:cNvSpPr>
-            <a:spLocks noGrp="1"/>
-          </p:cNvSpPr>
-          <p:nvPr>
-            <p:ph type="sldNum" idx="12"/>
-          </p:nvPr>
-        </p:nvSpPr>
-        <p:spPr/>
-        <p:txBody>
-          <a:bodyPr/>
-          <a:lstStyle/>
-          <a:p>
-            <a:fld id="{00000000-1234-1234-1234-123412341234}" type="slidenum">
-              <a:rPr lang="en" smtClean="0"/>
-              <a:pPr/>
-              <a:t>12</a:t>
-            </a:fld>
-            <a:endParaRPr lang="en"/>
-          </a:p>
-        </p:txBody>
-      </p:sp>
-      <p:sp>
-        <p:nvSpPr>
           <p:cNvPr id="7" name="Shape 139"/>
           <p:cNvSpPr>
             <a:spLocks noGrp="1"/>
@@ -6409,7 +5780,7 @@
 </p:sld>
 </file>
 
-<file path=ppt/slides/slide13.xml><?xml version="1.0" encoding="utf-8"?>
+<file path=ppt/slides/slide11.xml><?xml version="1.0" encoding="utf-8"?>
 <p:sld xmlns:a="http://schemas.openxmlformats.org/drawingml/2006/main" xmlns:r="http://schemas.openxmlformats.org/officeDocument/2006/relationships" xmlns:p="http://schemas.openxmlformats.org/presentationml/2006/main">
   <p:cSld>
     <p:spTree>
@@ -6444,7 +5815,7 @@
             <a:fld id="{00000000-1234-1234-1234-123412341234}" type="slidenum">
               <a:rPr lang="en" smtClean="0"/>
               <a:pPr/>
-              <a:t>13</a:t>
+              <a:t>11</a:t>
             </a:fld>
             <a:endParaRPr lang="en"/>
           </a:p>
@@ -7540,9 +6911,9 @@
           <p:grpSpPr>
             <a:xfrm>
               <a:off x="2185916" y="1751231"/>
-              <a:ext cx="2816530" cy="373440"/>
+              <a:ext cx="2802346" cy="373440"/>
               <a:chOff x="2185916" y="1751231"/>
-              <a:chExt cx="2816530" cy="373440"/>
+              <a:chExt cx="2802346" cy="373440"/>
             </a:xfrm>
           </p:grpSpPr>
           <p:cxnSp>
@@ -7605,40 +6976,6 @@
                     <a:latin typeface="Cambria" pitchFamily="18" charset="0"/>
                   </a:rPr>
                   <a:t>1</a:t>
-                </a:r>
-                <a:endParaRPr lang="en-US" sz="1600" dirty="0">
-                  <a:latin typeface="Cambria" pitchFamily="18" charset="0"/>
-                </a:endParaRPr>
-              </a:p>
-            </p:txBody>
-          </p:sp>
-          <p:sp>
-            <p:nvSpPr>
-              <p:cNvPr id="23" name="TextBox 22"/>
-              <p:cNvSpPr txBox="1"/>
-              <p:nvPr/>
-            </p:nvSpPr>
-            <p:spPr>
-              <a:xfrm>
-                <a:off x="4532446" y="1751231"/>
-                <a:ext cx="470000" cy="338554"/>
-              </a:xfrm>
-              <a:prstGeom prst="rect">
-                <a:avLst/>
-              </a:prstGeom>
-              <a:noFill/>
-            </p:spPr>
-            <p:txBody>
-              <a:bodyPr wrap="none" rtlCol="0">
-                <a:spAutoFit/>
-              </a:bodyPr>
-              <a:lstStyle/>
-              <a:p>
-                <a:r>
-                  <a:rPr lang="en-US" sz="1600" dirty="0" smtClean="0">
-                    <a:latin typeface="Cambria" pitchFamily="18" charset="0"/>
-                  </a:rPr>
-                  <a:t>0..*</a:t>
                 </a:r>
                 <a:endParaRPr lang="en-US" sz="1600" dirty="0">
                   <a:latin typeface="Cambria" pitchFamily="18" charset="0"/>
@@ -7800,16 +7137,20 @@
               </a:p>
             </p:txBody>
           </p:sp>
+        </p:grpSp>
+      </p:grpSp>
+      <mc:AlternateContent xmlns:mc="http://schemas.openxmlformats.org/markup-compatibility/2006">
+        <mc:Choice xmlns:a14="http://schemas.microsoft.com/office/drawing/2010/main" Requires="a14">
           <p:sp>
             <p:nvSpPr>
-              <p:cNvPr id="31" name="TextBox 30"/>
+              <p:cNvPr id="28" name="TextBox 27"/>
               <p:cNvSpPr txBox="1"/>
               <p:nvPr/>
             </p:nvSpPr>
             <p:spPr>
               <a:xfrm>
-                <a:off x="6255383" y="5042616"/>
-                <a:ext cx="470000" cy="338554"/>
+                <a:off x="4663934" y="1782008"/>
+                <a:ext cx="248465" cy="276999"/>
               </a:xfrm>
               <a:prstGeom prst="rect">
                 <a:avLst/>
@@ -7817,25 +7158,157 @@
               <a:noFill/>
             </p:spPr>
             <p:txBody>
-              <a:bodyPr wrap="none" rtlCol="0">
+              <a:bodyPr wrap="none" lIns="0" tIns="0" rIns="0" bIns="0" rtlCol="0">
                 <a:spAutoFit/>
               </a:bodyPr>
               <a:lstStyle/>
               <a:p>
-                <a:r>
-                  <a:rPr lang="en-US" sz="1600" dirty="0" smtClean="0">
-                    <a:latin typeface="Cambria" pitchFamily="18" charset="0"/>
-                  </a:rPr>
-                  <a:t>1..*</a:t>
-                </a:r>
-                <a:endParaRPr lang="en-US" sz="1600" dirty="0">
-                  <a:latin typeface="Cambria" pitchFamily="18" charset="0"/>
-                </a:endParaRPr>
+                <a:pPr/>
+                <a14:m>
+                  <m:oMathPara xmlns:m="http://schemas.openxmlformats.org/officeDocument/2006/math">
+                    <m:oMathParaPr>
+                      <m:jc m:val="centerGroup"/>
+                    </m:oMathParaPr>
+                    <m:oMath xmlns:m="http://schemas.openxmlformats.org/officeDocument/2006/math">
+                      <m:r>
+                        <a:rPr lang="en-US" i="1" smtClean="0">
+                          <a:latin typeface="Cambria Math" panose="02040503050406030204" pitchFamily="18" charset="0"/>
+                          <a:ea typeface="Cambria Math" panose="02040503050406030204" pitchFamily="18" charset="0"/>
+                        </a:rPr>
+                        <m:t>∞</m:t>
+                      </m:r>
+                    </m:oMath>
+                  </m:oMathPara>
+                </a14:m>
+                <a:endParaRPr lang="en-US" dirty="0"/>
               </a:p>
             </p:txBody>
           </p:sp>
-        </p:grpSp>
-      </p:grpSp>
+        </mc:Choice>
+        <mc:Fallback>
+          <p:sp>
+            <p:nvSpPr>
+              <p:cNvPr id="28" name="TextBox 27"/>
+              <p:cNvSpPr txBox="1">
+                <a:spLocks noRot="1" noChangeAspect="1" noMove="1" noResize="1" noEditPoints="1" noAdjustHandles="1" noChangeArrowheads="1" noChangeShapeType="1" noTextEdit="1"/>
+              </p:cNvSpPr>
+              <p:nvPr/>
+            </p:nvSpPr>
+            <p:spPr>
+              <a:xfrm>
+                <a:off x="4663934" y="1782008"/>
+                <a:ext cx="248465" cy="276999"/>
+              </a:xfrm>
+              <a:prstGeom prst="rect">
+                <a:avLst/>
+              </a:prstGeom>
+              <a:blipFill rotWithShape="1">
+                <a:blip r:embed="rId2"/>
+                <a:stretch>
+                  <a:fillRect l="-12195" r="-12195"/>
+                </a:stretch>
+              </a:blipFill>
+            </p:spPr>
+            <p:txBody>
+              <a:bodyPr/>
+              <a:lstStyle/>
+              <a:p>
+                <a:r>
+                  <a:rPr lang="en-US">
+                    <a:noFill/>
+                  </a:rPr>
+                  <a:t> </a:t>
+                </a:r>
+              </a:p>
+            </p:txBody>
+          </p:sp>
+        </mc:Fallback>
+      </mc:AlternateContent>
+      <mc:AlternateContent xmlns:mc="http://schemas.openxmlformats.org/markup-compatibility/2006">
+        <mc:Choice xmlns:a14="http://schemas.microsoft.com/office/drawing/2010/main" Requires="a14">
+          <p:sp>
+            <p:nvSpPr>
+              <p:cNvPr id="35" name="TextBox 34"/>
+              <p:cNvSpPr txBox="1"/>
+              <p:nvPr/>
+            </p:nvSpPr>
+            <p:spPr>
+              <a:xfrm>
+                <a:off x="6492734" y="5073393"/>
+                <a:ext cx="248465" cy="276999"/>
+              </a:xfrm>
+              <a:prstGeom prst="rect">
+                <a:avLst/>
+              </a:prstGeom>
+              <a:noFill/>
+            </p:spPr>
+            <p:txBody>
+              <a:bodyPr wrap="none" lIns="0" tIns="0" rIns="0" bIns="0" rtlCol="0">
+                <a:spAutoFit/>
+              </a:bodyPr>
+              <a:lstStyle/>
+              <a:p>
+                <a:pPr/>
+                <a14:m>
+                  <m:oMathPara xmlns:m="http://schemas.openxmlformats.org/officeDocument/2006/math">
+                    <m:oMathParaPr>
+                      <m:jc m:val="centerGroup"/>
+                    </m:oMathParaPr>
+                    <m:oMath xmlns:m="http://schemas.openxmlformats.org/officeDocument/2006/math">
+                      <m:r>
+                        <a:rPr lang="en-US" i="1" smtClean="0">
+                          <a:latin typeface="Cambria Math" panose="02040503050406030204" pitchFamily="18" charset="0"/>
+                          <a:ea typeface="Cambria Math" panose="02040503050406030204" pitchFamily="18" charset="0"/>
+                        </a:rPr>
+                        <m:t>∞</m:t>
+                      </m:r>
+                    </m:oMath>
+                  </m:oMathPara>
+                </a14:m>
+                <a:endParaRPr lang="en-US" dirty="0"/>
+              </a:p>
+            </p:txBody>
+          </p:sp>
+        </mc:Choice>
+        <mc:Fallback>
+          <p:sp>
+            <p:nvSpPr>
+              <p:cNvPr id="35" name="TextBox 34"/>
+              <p:cNvSpPr txBox="1">
+                <a:spLocks noRot="1" noChangeAspect="1" noMove="1" noResize="1" noEditPoints="1" noAdjustHandles="1" noChangeArrowheads="1" noChangeShapeType="1" noTextEdit="1"/>
+              </p:cNvSpPr>
+              <p:nvPr/>
+            </p:nvSpPr>
+            <p:spPr>
+              <a:xfrm>
+                <a:off x="6492734" y="5073393"/>
+                <a:ext cx="248465" cy="276999"/>
+              </a:xfrm>
+              <a:prstGeom prst="rect">
+                <a:avLst/>
+              </a:prstGeom>
+              <a:blipFill rotWithShape="1">
+                <a:blip r:embed="rId3"/>
+                <a:stretch>
+                  <a:fillRect l="-12195" r="-12195"/>
+                </a:stretch>
+              </a:blipFill>
+            </p:spPr>
+            <p:txBody>
+              <a:bodyPr/>
+              <a:lstStyle/>
+              <a:p>
+                <a:r>
+                  <a:rPr lang="en-US">
+                    <a:noFill/>
+                  </a:rPr>
+                  <a:t> </a:t>
+                </a:r>
+              </a:p>
+            </p:txBody>
+          </p:sp>
+        </mc:Fallback>
+      </mc:AlternateContent>
     </p:spTree>
     <p:extLst>
       <p:ext uri="{BB962C8B-B14F-4D97-AF65-F5344CB8AC3E}">
@@ -7856,7 +7329,7 @@
 </p:sld>
 </file>
 
-<file path=ppt/slides/slide14.xml><?xml version="1.0" encoding="utf-8"?>
+<file path=ppt/slides/slide12.xml><?xml version="1.0" encoding="utf-8"?>
 <p:sld xmlns:a="http://schemas.openxmlformats.org/drawingml/2006/main" xmlns:r="http://schemas.openxmlformats.org/officeDocument/2006/relationships" xmlns:p="http://schemas.openxmlformats.org/presentationml/2006/main">
   <p:cSld>
     <p:spTree>
@@ -7891,7 +7364,7 @@
             <a:fld id="{00000000-1234-1234-1234-123412341234}" type="slidenum">
               <a:rPr lang="en" smtClean="0"/>
               <a:pPr/>
-              <a:t>14</a:t>
+              <a:t>12</a:t>
             </a:fld>
             <a:endParaRPr lang="en"/>
           </a:p>
@@ -8350,7 +7823,7 @@
 </p:sld>
 </file>
 
-<file path=ppt/slides/slide15.xml><?xml version="1.0" encoding="utf-8"?>
+<file path=ppt/slides/slide13.xml><?xml version="1.0" encoding="utf-8"?>
 <p:sld xmlns:a="http://schemas.openxmlformats.org/drawingml/2006/main" xmlns:r="http://schemas.openxmlformats.org/officeDocument/2006/relationships" xmlns:p="http://schemas.openxmlformats.org/presentationml/2006/main">
   <p:cSld>
     <p:spTree>
@@ -8385,7 +7858,7 @@
             <a:fld id="{00000000-1234-1234-1234-123412341234}" type="slidenum">
               <a:rPr lang="en" smtClean="0"/>
               <a:pPr/>
-              <a:t>15</a:t>
+              <a:t>13</a:t>
             </a:fld>
             <a:endParaRPr lang="en"/>
           </a:p>
@@ -8844,7 +8317,7 @@
 </p:sld>
 </file>
 
-<file path=ppt/slides/slide16.xml><?xml version="1.0" encoding="utf-8"?>
+<file path=ppt/slides/slide14.xml><?xml version="1.0" encoding="utf-8"?>
 <p:sld xmlns:a="http://schemas.openxmlformats.org/drawingml/2006/main" xmlns:r="http://schemas.openxmlformats.org/officeDocument/2006/relationships" xmlns:p="http://schemas.openxmlformats.org/presentationml/2006/main">
   <p:cSld>
     <p:spTree>
@@ -8879,7 +8352,7 @@
             <a:fld id="{00000000-1234-1234-1234-123412341234}" type="slidenum">
               <a:rPr lang="en" smtClean="0"/>
               <a:pPr/>
-              <a:t>16</a:t>
+              <a:t>14</a:t>
             </a:fld>
             <a:endParaRPr lang="en"/>
           </a:p>
@@ -9338,7 +8811,7 @@
 </p:sld>
 </file>
 
-<file path=ppt/slides/slide17.xml><?xml version="1.0" encoding="utf-8"?>
+<file path=ppt/slides/slide15.xml><?xml version="1.0" encoding="utf-8"?>
 <p:sld xmlns:a="http://schemas.openxmlformats.org/drawingml/2006/main" xmlns:r="http://schemas.openxmlformats.org/officeDocument/2006/relationships" xmlns:p="http://schemas.openxmlformats.org/presentationml/2006/main">
   <p:cSld>
     <p:spTree>
@@ -9373,7 +8846,7 @@
             <a:fld id="{00000000-1234-1234-1234-123412341234}" type="slidenum">
               <a:rPr lang="en" smtClean="0"/>
               <a:pPr/>
-              <a:t>17</a:t>
+              <a:t>15</a:t>
             </a:fld>
             <a:endParaRPr lang="en"/>
           </a:p>
@@ -9931,110 +9404,61 @@
         </p:grpSp>
         <p:grpSp>
           <p:nvGrpSpPr>
-            <p:cNvPr id="15" name="Group 14"/>
+            <p:cNvPr id="3" name="Group 2"/>
             <p:cNvGrpSpPr/>
             <p:nvPr/>
           </p:nvGrpSpPr>
           <p:grpSpPr>
             <a:xfrm>
               <a:off x="2185916" y="1751231"/>
-              <a:ext cx="2816530" cy="373440"/>
+              <a:ext cx="2802346" cy="373440"/>
               <a:chOff x="2185916" y="1751231"/>
-              <a:chExt cx="2816530" cy="373440"/>
+              <a:chExt cx="2802346" cy="373440"/>
             </a:xfrm>
           </p:grpSpPr>
-          <p:grpSp>
-            <p:nvGrpSpPr>
-              <p:cNvPr id="3" name="Group 2"/>
-              <p:cNvGrpSpPr/>
+          <p:cxnSp>
+            <p:nvCxnSpPr>
+              <p:cNvPr id="21" name="Straight Connector 20"/>
+              <p:cNvCxnSpPr>
+                <a:stCxn id="11" idx="3"/>
+                <a:endCxn id="8" idx="1"/>
+              </p:cNvCxnSpPr>
               <p:nvPr/>
-            </p:nvGrpSpPr>
-            <p:grpSpPr>
+            </p:nvCxnSpPr>
+            <p:spPr>
               <a:xfrm>
-                <a:off x="2185916" y="1751231"/>
-                <a:ext cx="2802346" cy="373440"/>
-                <a:chOff x="2185916" y="1751231"/>
-                <a:chExt cx="2802346" cy="373440"/>
+                <a:off x="2185916" y="2124671"/>
+                <a:ext cx="2802346" cy="0"/>
               </a:xfrm>
-            </p:grpSpPr>
-            <p:cxnSp>
-              <p:nvCxnSpPr>
-                <p:cNvPr id="21" name="Straight Connector 20"/>
-                <p:cNvCxnSpPr>
-                  <a:stCxn id="11" idx="3"/>
-                  <a:endCxn id="8" idx="1"/>
-                </p:cNvCxnSpPr>
-                <p:nvPr/>
-              </p:nvCxnSpPr>
-              <p:spPr>
-                <a:xfrm>
-                  <a:off x="2185916" y="2124671"/>
-                  <a:ext cx="2802346" cy="0"/>
-                </a:xfrm>
-                <a:prstGeom prst="line">
-                  <a:avLst/>
-                </a:prstGeom>
-              </p:spPr>
-              <p:style>
-                <a:lnRef idx="2">
-                  <a:schemeClr val="dk1"/>
-                </a:lnRef>
-                <a:fillRef idx="0">
-                  <a:schemeClr val="dk1"/>
-                </a:fillRef>
-                <a:effectRef idx="1">
-                  <a:schemeClr val="dk1"/>
-                </a:effectRef>
-                <a:fontRef idx="minor">
-                  <a:schemeClr val="tx1"/>
-                </a:fontRef>
-              </p:style>
-            </p:cxnSp>
-            <p:sp>
-              <p:nvSpPr>
-                <p:cNvPr id="22" name="TextBox 21"/>
-                <p:cNvSpPr txBox="1"/>
-                <p:nvPr/>
-              </p:nvSpPr>
-              <p:spPr>
-                <a:xfrm>
-                  <a:off x="2278291" y="1751231"/>
-                  <a:ext cx="298480" cy="338554"/>
-                </a:xfrm>
-                <a:prstGeom prst="rect">
-                  <a:avLst/>
-                </a:prstGeom>
-                <a:noFill/>
-              </p:spPr>
-              <p:txBody>
-                <a:bodyPr wrap="none" rtlCol="0">
-                  <a:spAutoFit/>
-                </a:bodyPr>
-                <a:lstStyle/>
-                <a:p>
-                  <a:r>
-                    <a:rPr lang="en-US" sz="1600" dirty="0" smtClean="0">
-                      <a:latin typeface="Cambria" pitchFamily="18" charset="0"/>
-                    </a:rPr>
-                    <a:t>1</a:t>
-                  </a:r>
-                  <a:endParaRPr lang="en-US" sz="1600" dirty="0">
-                    <a:latin typeface="Cambria" pitchFamily="18" charset="0"/>
-                  </a:endParaRPr>
-                </a:p>
-              </p:txBody>
-            </p:sp>
-          </p:grpSp>
+              <a:prstGeom prst="line">
+                <a:avLst/>
+              </a:prstGeom>
+            </p:spPr>
+            <p:style>
+              <a:lnRef idx="2">
+                <a:schemeClr val="dk1"/>
+              </a:lnRef>
+              <a:fillRef idx="0">
+                <a:schemeClr val="dk1"/>
+              </a:fillRef>
+              <a:effectRef idx="1">
+                <a:schemeClr val="dk1"/>
+              </a:effectRef>
+              <a:fontRef idx="minor">
+                <a:schemeClr val="tx1"/>
+              </a:fontRef>
+            </p:style>
+          </p:cxnSp>
           <p:sp>
             <p:nvSpPr>
-              <p:cNvPr id="23" name="TextBox 22"/>
+              <p:cNvPr id="22" name="TextBox 21"/>
               <p:cNvSpPr txBox="1"/>
               <p:nvPr/>
             </p:nvSpPr>
             <p:spPr>
               <a:xfrm>
-                <a:off x="4532446" y="1751231"/>
-                <a:ext cx="470000" cy="338554"/>
+                <a:off x="4571115" y="1751231"/>
+                <a:ext cx="298480" cy="338554"/>
               </a:xfrm>
               <a:prstGeom prst="rect">
                 <a:avLst/>
@@ -10051,7 +9475,7 @@
                   <a:rPr lang="en-US" sz="1600" dirty="0" smtClean="0">
                     <a:latin typeface="Cambria" pitchFamily="18" charset="0"/>
                   </a:rPr>
-                  <a:t>0..*</a:t>
+                  <a:t>1</a:t>
                 </a:r>
                 <a:endParaRPr lang="en-US" sz="1600" dirty="0">
                   <a:latin typeface="Cambria" pitchFamily="18" charset="0"/>
@@ -10061,6 +9485,91 @@
           </p:sp>
         </p:grpSp>
       </p:grpSp>
+      <mc:AlternateContent xmlns:mc="http://schemas.openxmlformats.org/markup-compatibility/2006">
+        <mc:Choice xmlns:a14="http://schemas.microsoft.com/office/drawing/2010/main" Requires="a14">
+          <p:sp>
+            <p:nvSpPr>
+              <p:cNvPr id="16" name="TextBox 15"/>
+              <p:cNvSpPr txBox="1"/>
+              <p:nvPr/>
+            </p:nvSpPr>
+            <p:spPr>
+              <a:xfrm>
+                <a:off x="3176328" y="3055190"/>
+                <a:ext cx="248465" cy="276999"/>
+              </a:xfrm>
+              <a:prstGeom prst="rect">
+                <a:avLst/>
+              </a:prstGeom>
+              <a:noFill/>
+            </p:spPr>
+            <p:txBody>
+              <a:bodyPr wrap="none" lIns="0" tIns="0" rIns="0" bIns="0" rtlCol="0">
+                <a:spAutoFit/>
+              </a:bodyPr>
+              <a:lstStyle/>
+              <a:p>
+                <a:pPr/>
+                <a14:m>
+                  <m:oMathPara xmlns:m="http://schemas.openxmlformats.org/officeDocument/2006/math">
+                    <m:oMathParaPr>
+                      <m:jc m:val="centerGroup"/>
+                    </m:oMathParaPr>
+                    <m:oMath xmlns:m="http://schemas.openxmlformats.org/officeDocument/2006/math">
+                      <m:r>
+                        <a:rPr lang="en-US" i="1" smtClean="0">
+                          <a:latin typeface="Cambria Math" panose="02040503050406030204" pitchFamily="18" charset="0"/>
+                          <a:ea typeface="Cambria Math" panose="02040503050406030204" pitchFamily="18" charset="0"/>
+                        </a:rPr>
+                        <m:t>∞</m:t>
+                      </m:r>
+                    </m:oMath>
+                  </m:oMathPara>
+                </a14:m>
+                <a:endParaRPr lang="en-US" dirty="0"/>
+              </a:p>
+            </p:txBody>
+          </p:sp>
+        </mc:Choice>
+        <mc:Fallback>
+          <p:sp>
+            <p:nvSpPr>
+              <p:cNvPr id="16" name="TextBox 15"/>
+              <p:cNvSpPr txBox="1">
+                <a:spLocks noRot="1" noChangeAspect="1" noMove="1" noResize="1" noEditPoints="1" noAdjustHandles="1" noChangeArrowheads="1" noChangeShapeType="1" noTextEdit="1"/>
+              </p:cNvSpPr>
+              <p:nvPr/>
+            </p:nvSpPr>
+            <p:spPr>
+              <a:xfrm>
+                <a:off x="3176328" y="3055190"/>
+                <a:ext cx="248465" cy="276999"/>
+              </a:xfrm>
+              <a:prstGeom prst="rect">
+                <a:avLst/>
+              </a:prstGeom>
+              <a:blipFill rotWithShape="1">
+                <a:blip r:embed="rId2"/>
+                <a:stretch>
+                  <a:fillRect l="-12195" r="-12195"/>
+                </a:stretch>
+              </a:blipFill>
+            </p:spPr>
+            <p:txBody>
+              <a:bodyPr/>
+              <a:lstStyle/>
+              <a:p>
+                <a:r>
+                  <a:rPr lang="en-US">
+                    <a:noFill/>
+                  </a:rPr>
+                  <a:t> </a:t>
+                </a:r>
+              </a:p>
+            </p:txBody>
+          </p:sp>
+        </mc:Fallback>
+      </mc:AlternateContent>
     </p:spTree>
     <p:extLst>
       <p:ext uri="{BB962C8B-B14F-4D97-AF65-F5344CB8AC3E}">
@@ -10081,7 +9590,7 @@
 </p:sld>
 </file>
 
-<file path=ppt/slides/slide18.xml><?xml version="1.0" encoding="utf-8"?>
+<file path=ppt/slides/slide16.xml><?xml version="1.0" encoding="utf-8"?>
 <p:sld xmlns:a="http://schemas.openxmlformats.org/drawingml/2006/main" xmlns:r="http://schemas.openxmlformats.org/officeDocument/2006/relationships" xmlns:p="http://schemas.openxmlformats.org/presentationml/2006/main">
   <p:cSld>
     <p:spTree>
@@ -10116,7 +9625,7 @@
             <a:fld id="{00000000-1234-1234-1234-123412341234}" type="slidenum">
               <a:rPr lang="en" smtClean="0"/>
               <a:pPr/>
-              <a:t>18</a:t>
+              <a:t>16</a:t>
             </a:fld>
             <a:endParaRPr lang="en"/>
           </a:p>
@@ -10669,7 +10178,141 @@
 </p:sld>
 </file>
 
-<file path=ppt/slides/slide19.xml><?xml version="1.0" encoding="utf-8"?>
+<file path=ppt/slides/slide17.xml><?xml version="1.0" encoding="utf-8"?>
+<p:sld xmlns:a="http://schemas.openxmlformats.org/drawingml/2006/main" xmlns:r="http://schemas.openxmlformats.org/officeDocument/2006/relationships" xmlns:p="http://schemas.openxmlformats.org/presentationml/2006/main">
+  <p:cSld>
+    <p:spTree>
+      <p:nvGrpSpPr>
+        <p:cNvPr id="1" name=""/>
+        <p:cNvGrpSpPr/>
+        <p:nvPr/>
+      </p:nvGrpSpPr>
+      <p:grpSpPr>
+        <a:xfrm>
+          <a:off x="0" y="0"/>
+          <a:ext cx="0" cy="0"/>
+          <a:chOff x="0" y="0"/>
+          <a:chExt cx="0" cy="0"/>
+        </a:xfrm>
+      </p:grpSpPr>
+      <p:sp>
+        <p:nvSpPr>
+          <p:cNvPr id="4" name="Slide Number Placeholder 3"/>
+          <p:cNvSpPr>
+            <a:spLocks noGrp="1"/>
+          </p:cNvSpPr>
+          <p:nvPr>
+            <p:ph type="sldNum" idx="12"/>
+          </p:nvPr>
+        </p:nvSpPr>
+        <p:spPr/>
+        <p:txBody>
+          <a:bodyPr/>
+          <a:lstStyle/>
+          <a:p>
+            <a:fld id="{00000000-1234-1234-1234-123412341234}" type="slidenum">
+              <a:rPr lang="en" smtClean="0"/>
+              <a:pPr/>
+              <a:t>17</a:t>
+            </a:fld>
+            <a:endParaRPr lang="en"/>
+          </a:p>
+        </p:txBody>
+      </p:sp>
+      <p:sp>
+        <p:nvSpPr>
+          <p:cNvPr id="6" name="Shape 144"/>
+          <p:cNvSpPr>
+            <a:spLocks noGrp="1"/>
+          </p:cNvSpPr>
+          <p:nvPr>
+            <p:ph type="title"/>
+          </p:nvPr>
+        </p:nvSpPr>
+        <p:spPr>
+          <a:xfrm>
+            <a:off x="332118" y="353375"/>
+            <a:ext cx="8499023" cy="621945"/>
+          </a:xfrm>
+          <a:prstGeom prst="rect">
+            <a:avLst/>
+          </a:prstGeom>
+        </p:spPr>
+        <p:txBody>
+          <a:bodyPr/>
+          <a:lstStyle>
+            <a:lvl1pPr>
+              <a:defRPr sz="3600">
+                <a:latin typeface="Cambria"/>
+                <a:ea typeface="Cambria"/>
+                <a:cs typeface="Cambria"/>
+                <a:sym typeface="Cambria"/>
+              </a:defRPr>
+            </a:lvl1pPr>
+          </a:lstStyle>
+          <a:p>
+            <a:pPr algn="ctr"/>
+            <a:r>
+              <a:rPr lang="en-US" dirty="0"/>
+              <a:t>Architecture</a:t>
+            </a:r>
+            <a:endParaRPr lang="en-US" dirty="0">
+              <a:latin typeface="Times New Roman" pitchFamily="18" charset="0"/>
+              <a:cs typeface="Times New Roman" pitchFamily="18" charset="0"/>
+            </a:endParaRPr>
+          </a:p>
+        </p:txBody>
+      </p:sp>
+      <p:pic>
+        <p:nvPicPr>
+          <p:cNvPr id="5" name="image7.png"/>
+          <p:cNvPicPr>
+            <a:picLocks noChangeAspect="1"/>
+          </p:cNvPicPr>
+          <p:nvPr/>
+        </p:nvPicPr>
+        <p:blipFill>
+          <a:blip r:embed="rId2">
+            <a:extLst/>
+          </a:blip>
+          <a:stretch>
+            <a:fillRect/>
+          </a:stretch>
+        </p:blipFill>
+        <p:spPr>
+          <a:xfrm>
+            <a:off x="1622275" y="1635294"/>
+            <a:ext cx="5482823" cy="4818888"/>
+          </a:xfrm>
+          <a:prstGeom prst="rect">
+            <a:avLst/>
+          </a:prstGeom>
+          <a:ln w="12700">
+            <a:miter lim="400000"/>
+          </a:ln>
+        </p:spPr>
+      </p:pic>
+    </p:spTree>
+    <p:extLst>
+      <p:ext uri="{BB962C8B-B14F-4D97-AF65-F5344CB8AC3E}">
+        <p14:creationId xmlns:p14="http://schemas.microsoft.com/office/powerpoint/2010/main" val="2384604691"/>
+      </p:ext>
+    </p:extLst>
+  </p:cSld>
+  <p:clrMapOvr>
+    <a:masterClrMapping/>
+  </p:clrMapOvr>
+  <p:timing>
+    <p:tnLst>
+      <p:par>
+        <p:cTn id="1" dur="indefinite" restart="never" nodeType="tmRoot"/>
+      </p:par>
+    </p:tnLst>
+  </p:timing>
+</p:sld>
+</file>
+
+<file path=ppt/slides/slide18.xml><?xml version="1.0" encoding="utf-8"?>
 <p:sld xmlns:a="http://schemas.openxmlformats.org/drawingml/2006/main" xmlns:r="http://schemas.openxmlformats.org/officeDocument/2006/relationships" xmlns:p="http://schemas.openxmlformats.org/presentationml/2006/main">
   <p:cSld>
     <p:spTree>
@@ -10729,7 +10372,7 @@
             <a:fld id="{00000000-1234-1234-1234-123412341234}" type="slidenum">
               <a:rPr lang="en" smtClean="0"/>
               <a:pPr/>
-              <a:t>19</a:t>
+              <a:t>18</a:t>
             </a:fld>
             <a:endParaRPr lang="en"/>
           </a:p>
@@ -11025,6 +10668,1055 @@
     <p:extLst>
       <p:ext uri="{BB962C8B-B14F-4D97-AF65-F5344CB8AC3E}">
         <p14:creationId xmlns:p14="http://schemas.microsoft.com/office/powerpoint/2010/main" val="3999687358"/>
+      </p:ext>
+    </p:extLst>
+  </p:cSld>
+  <p:clrMapOvr>
+    <a:masterClrMapping/>
+  </p:clrMapOvr>
+  <p:timing>
+    <p:tnLst>
+      <p:par>
+        <p:cTn id="1" dur="indefinite" restart="never" nodeType="tmRoot"/>
+      </p:par>
+    </p:tnLst>
+  </p:timing>
+</p:sld>
+</file>
+
+<file path=ppt/slides/slide19.xml><?xml version="1.0" encoding="utf-8"?>
+<p:sld xmlns:a="http://schemas.openxmlformats.org/drawingml/2006/main" xmlns:r="http://schemas.openxmlformats.org/officeDocument/2006/relationships" xmlns:p="http://schemas.openxmlformats.org/presentationml/2006/main">
+  <p:cSld>
+    <p:spTree>
+      <p:nvGrpSpPr>
+        <p:cNvPr id="1" name=""/>
+        <p:cNvGrpSpPr/>
+        <p:nvPr/>
+      </p:nvGrpSpPr>
+      <p:grpSpPr>
+        <a:xfrm>
+          <a:off x="0" y="0"/>
+          <a:ext cx="0" cy="0"/>
+          <a:chOff x="0" y="0"/>
+          <a:chExt cx="0" cy="0"/>
+        </a:xfrm>
+      </p:grpSpPr>
+      <p:sp>
+        <p:nvSpPr>
+          <p:cNvPr id="4" name="Slide Number Placeholder 3"/>
+          <p:cNvSpPr>
+            <a:spLocks noGrp="1"/>
+          </p:cNvSpPr>
+          <p:nvPr>
+            <p:ph type="sldNum" idx="12"/>
+          </p:nvPr>
+        </p:nvSpPr>
+        <p:spPr/>
+        <p:txBody>
+          <a:bodyPr/>
+          <a:lstStyle/>
+          <a:p>
+            <a:fld id="{00000000-1234-1234-1234-123412341234}" type="slidenum">
+              <a:rPr lang="en" smtClean="0"/>
+              <a:pPr/>
+              <a:t>19</a:t>
+            </a:fld>
+            <a:endParaRPr lang="en"/>
+          </a:p>
+        </p:txBody>
+      </p:sp>
+      <p:sp>
+        <p:nvSpPr>
+          <p:cNvPr id="7" name="Shape 139"/>
+          <p:cNvSpPr>
+            <a:spLocks noGrp="1"/>
+          </p:cNvSpPr>
+          <p:nvPr>
+            <p:ph type="title"/>
+          </p:nvPr>
+        </p:nvSpPr>
+        <p:spPr>
+          <a:xfrm>
+            <a:off x="220284" y="304800"/>
+            <a:ext cx="8885207" cy="844004"/>
+          </a:xfrm>
+          <a:prstGeom prst="rect">
+            <a:avLst/>
+          </a:prstGeom>
+        </p:spPr>
+        <p:txBody>
+          <a:bodyPr/>
+          <a:lstStyle>
+            <a:lvl1pPr>
+              <a:defRPr sz="3600">
+                <a:latin typeface="Cambria"/>
+                <a:ea typeface="Cambria"/>
+                <a:cs typeface="Cambria"/>
+                <a:sym typeface="Cambria"/>
+              </a:defRPr>
+            </a:lvl1pPr>
+          </a:lstStyle>
+          <a:p>
+            <a:pPr algn="ctr"/>
+            <a:r>
+              <a:rPr lang="en-US" dirty="0"/>
+              <a:t>Scenario</a:t>
+            </a:r>
+            <a:endParaRPr dirty="0"/>
+          </a:p>
+        </p:txBody>
+      </p:sp>
+      <p:pic>
+        <p:nvPicPr>
+          <p:cNvPr id="10" name="Picture 3" descr="C:\Users\ngoan\Desktop\image\thao.png"/>
+          <p:cNvPicPr>
+            <a:picLocks noChangeAspect="1" noChangeArrowheads="1"/>
+          </p:cNvPicPr>
+          <p:nvPr/>
+        </p:nvPicPr>
+        <p:blipFill>
+          <a:blip r:embed="rId2">
+            <a:extLst>
+              <a:ext uri="{28A0092B-C50C-407E-A947-70E740481C1C}">
+                <a14:useLocalDpi xmlns:a14="http://schemas.microsoft.com/office/drawing/2010/main" val="0"/>
+              </a:ext>
+            </a:extLst>
+          </a:blip>
+          <a:srcRect/>
+          <a:stretch>
+            <a:fillRect/>
+          </a:stretch>
+        </p:blipFill>
+        <p:spPr bwMode="auto">
+          <a:xfrm flipH="1">
+            <a:off x="220284" y="3004283"/>
+            <a:ext cx="1069848" cy="1069848"/>
+          </a:xfrm>
+          <a:prstGeom prst="rect">
+            <a:avLst/>
+          </a:prstGeom>
+          <a:noFill/>
+          <a:extLst>
+            <a:ext uri="{909E8E84-426E-40DD-AFC4-6F175D3DCCD1}">
+              <a14:hiddenFill xmlns:a14="http://schemas.microsoft.com/office/drawing/2010/main">
+                <a:solidFill>
+                  <a:srgbClr val="FFFFFF"/>
+                </a:solidFill>
+              </a14:hiddenFill>
+            </a:ext>
+          </a:extLst>
+        </p:spPr>
+      </p:pic>
+      <p:pic>
+        <p:nvPicPr>
+          <p:cNvPr id="2050" name="Picture 2" descr="C:\Users\ngoan\Desktop\image\bw-anonymous-person.png"/>
+          <p:cNvPicPr>
+            <a:picLocks noChangeAspect="1" noChangeArrowheads="1"/>
+          </p:cNvPicPr>
+          <p:nvPr/>
+        </p:nvPicPr>
+        <p:blipFill>
+          <a:blip r:embed="rId3">
+            <a:extLst>
+              <a:ext uri="{28A0092B-C50C-407E-A947-70E740481C1C}">
+                <a14:useLocalDpi xmlns:a14="http://schemas.microsoft.com/office/drawing/2010/main" val="0"/>
+              </a:ext>
+            </a:extLst>
+          </a:blip>
+          <a:srcRect/>
+          <a:stretch>
+            <a:fillRect/>
+          </a:stretch>
+        </p:blipFill>
+        <p:spPr bwMode="auto">
+          <a:xfrm>
+            <a:off x="3475418" y="3004283"/>
+            <a:ext cx="1069848" cy="1069848"/>
+          </a:xfrm>
+          <a:prstGeom prst="rect">
+            <a:avLst/>
+          </a:prstGeom>
+          <a:noFill/>
+          <a:extLst>
+            <a:ext uri="{909E8E84-426E-40DD-AFC4-6F175D3DCCD1}">
+              <a14:hiddenFill xmlns:a14="http://schemas.microsoft.com/office/drawing/2010/main">
+                <a:solidFill>
+                  <a:srgbClr val="FFFFFF"/>
+                </a:solidFill>
+              </a14:hiddenFill>
+            </a:ext>
+          </a:extLst>
+        </p:spPr>
+      </p:pic>
+      <p:pic>
+        <p:nvPicPr>
+          <p:cNvPr id="11" name="Picture 2" descr="C:\Users\ngoan\Desktop\image\bw-anonymous-person.png"/>
+          <p:cNvPicPr>
+            <a:picLocks noChangeAspect="1" noChangeArrowheads="1"/>
+          </p:cNvPicPr>
+          <p:nvPr/>
+        </p:nvPicPr>
+        <p:blipFill>
+          <a:blip r:embed="rId3">
+            <a:extLst>
+              <a:ext uri="{28A0092B-C50C-407E-A947-70E740481C1C}">
+                <a14:useLocalDpi xmlns:a14="http://schemas.microsoft.com/office/drawing/2010/main" val="0"/>
+              </a:ext>
+            </a:extLst>
+          </a:blip>
+          <a:srcRect/>
+          <a:stretch>
+            <a:fillRect/>
+          </a:stretch>
+        </p:blipFill>
+        <p:spPr bwMode="auto">
+          <a:xfrm>
+            <a:off x="3484429" y="5263288"/>
+            <a:ext cx="1069848" cy="1069848"/>
+          </a:xfrm>
+          <a:prstGeom prst="rect">
+            <a:avLst/>
+          </a:prstGeom>
+          <a:noFill/>
+          <a:extLst>
+            <a:ext uri="{909E8E84-426E-40DD-AFC4-6F175D3DCCD1}">
+              <a14:hiddenFill xmlns:a14="http://schemas.microsoft.com/office/drawing/2010/main">
+                <a:solidFill>
+                  <a:srgbClr val="FFFFFF"/>
+                </a:solidFill>
+              </a14:hiddenFill>
+            </a:ext>
+          </a:extLst>
+        </p:spPr>
+      </p:pic>
+      <p:pic>
+        <p:nvPicPr>
+          <p:cNvPr id="12" name="Picture 2" descr="C:\Users\ngoan\Desktop\image\bw-anonymous-person.png"/>
+          <p:cNvPicPr>
+            <a:picLocks noChangeAspect="1" noChangeArrowheads="1"/>
+          </p:cNvPicPr>
+          <p:nvPr/>
+        </p:nvPicPr>
+        <p:blipFill>
+          <a:blip r:embed="rId3">
+            <a:extLst>
+              <a:ext uri="{28A0092B-C50C-407E-A947-70E740481C1C}">
+                <a14:useLocalDpi xmlns:a14="http://schemas.microsoft.com/office/drawing/2010/main" val="0"/>
+              </a:ext>
+            </a:extLst>
+          </a:blip>
+          <a:srcRect/>
+          <a:stretch>
+            <a:fillRect/>
+          </a:stretch>
+        </p:blipFill>
+        <p:spPr bwMode="auto">
+          <a:xfrm>
+            <a:off x="6652985" y="5263288"/>
+            <a:ext cx="1069848" cy="1069848"/>
+          </a:xfrm>
+          <a:prstGeom prst="rect">
+            <a:avLst/>
+          </a:prstGeom>
+          <a:noFill/>
+          <a:extLst>
+            <a:ext uri="{909E8E84-426E-40DD-AFC4-6F175D3DCCD1}">
+              <a14:hiddenFill xmlns:a14="http://schemas.microsoft.com/office/drawing/2010/main">
+                <a:solidFill>
+                  <a:srgbClr val="FFFFFF"/>
+                </a:solidFill>
+              </a14:hiddenFill>
+            </a:ext>
+          </a:extLst>
+        </p:spPr>
+      </p:pic>
+      <p:cxnSp>
+        <p:nvCxnSpPr>
+          <p:cNvPr id="3" name="Straight Arrow Connector 2"/>
+          <p:cNvCxnSpPr>
+            <a:stCxn id="10" idx="1"/>
+            <a:endCxn id="2050" idx="1"/>
+          </p:cNvCxnSpPr>
+          <p:nvPr/>
+        </p:nvCxnSpPr>
+        <p:spPr>
+          <a:xfrm>
+            <a:off x="1290132" y="3539207"/>
+            <a:ext cx="2185286" cy="0"/>
+          </a:xfrm>
+          <a:prstGeom prst="straightConnector1">
+            <a:avLst/>
+          </a:prstGeom>
+          <a:ln>
+            <a:tailEnd type="triangle" w="med" len="med"/>
+          </a:ln>
+        </p:spPr>
+        <p:style>
+          <a:lnRef idx="3">
+            <a:schemeClr val="accent1"/>
+          </a:lnRef>
+          <a:fillRef idx="0">
+            <a:schemeClr val="accent1"/>
+          </a:fillRef>
+          <a:effectRef idx="2">
+            <a:schemeClr val="accent1"/>
+          </a:effectRef>
+          <a:fontRef idx="minor">
+            <a:schemeClr val="tx1"/>
+          </a:fontRef>
+        </p:style>
+      </p:cxnSp>
+      <p:cxnSp>
+        <p:nvCxnSpPr>
+          <p:cNvPr id="6" name="Straight Arrow Connector 5"/>
+          <p:cNvCxnSpPr>
+            <a:stCxn id="2050" idx="2"/>
+            <a:endCxn id="11" idx="0"/>
+          </p:cNvCxnSpPr>
+          <p:nvPr/>
+        </p:nvCxnSpPr>
+        <p:spPr>
+          <a:xfrm>
+            <a:off x="4010342" y="4074131"/>
+            <a:ext cx="9011" cy="1189157"/>
+          </a:xfrm>
+          <a:prstGeom prst="straightConnector1">
+            <a:avLst/>
+          </a:prstGeom>
+          <a:ln>
+            <a:tailEnd type="triangle" w="med" len="med"/>
+          </a:ln>
+        </p:spPr>
+        <p:style>
+          <a:lnRef idx="3">
+            <a:schemeClr val="accent1"/>
+          </a:lnRef>
+          <a:fillRef idx="0">
+            <a:schemeClr val="accent1"/>
+          </a:fillRef>
+          <a:effectRef idx="2">
+            <a:schemeClr val="accent1"/>
+          </a:effectRef>
+          <a:fontRef idx="minor">
+            <a:schemeClr val="tx1"/>
+          </a:fontRef>
+        </p:style>
+      </p:cxnSp>
+      <p:cxnSp>
+        <p:nvCxnSpPr>
+          <p:cNvPr id="14" name="Straight Arrow Connector 13"/>
+          <p:cNvCxnSpPr>
+            <a:stCxn id="11" idx="3"/>
+            <a:endCxn id="12" idx="1"/>
+          </p:cNvCxnSpPr>
+          <p:nvPr/>
+        </p:nvCxnSpPr>
+        <p:spPr>
+          <a:xfrm>
+            <a:off x="4554277" y="5798212"/>
+            <a:ext cx="2098708" cy="0"/>
+          </a:xfrm>
+          <a:prstGeom prst="straightConnector1">
+            <a:avLst/>
+          </a:prstGeom>
+          <a:ln>
+            <a:tailEnd type="triangle"/>
+          </a:ln>
+        </p:spPr>
+        <p:style>
+          <a:lnRef idx="3">
+            <a:schemeClr val="accent1"/>
+          </a:lnRef>
+          <a:fillRef idx="0">
+            <a:schemeClr val="accent1"/>
+          </a:fillRef>
+          <a:effectRef idx="2">
+            <a:schemeClr val="accent1"/>
+          </a:effectRef>
+          <a:fontRef idx="minor">
+            <a:schemeClr val="tx1"/>
+          </a:fontRef>
+        </p:style>
+      </p:cxnSp>
+      <p:pic>
+        <p:nvPicPr>
+          <p:cNvPr id="17" name="Picture 2" descr="C:\Users\ngoan\Desktop\image\quy.png"/>
+          <p:cNvPicPr>
+            <a:picLocks noChangeAspect="1" noChangeArrowheads="1"/>
+          </p:cNvPicPr>
+          <p:nvPr/>
+        </p:nvPicPr>
+        <p:blipFill>
+          <a:blip r:embed="rId4">
+            <a:extLst>
+              <a:ext uri="{28A0092B-C50C-407E-A947-70E740481C1C}">
+                <a14:useLocalDpi xmlns:a14="http://schemas.microsoft.com/office/drawing/2010/main" val="0"/>
+              </a:ext>
+            </a:extLst>
+          </a:blip>
+          <a:srcRect/>
+          <a:stretch>
+            <a:fillRect/>
+          </a:stretch>
+        </p:blipFill>
+        <p:spPr bwMode="auto">
+          <a:xfrm>
+            <a:off x="1290132" y="1677833"/>
+            <a:ext cx="1069848" cy="1069848"/>
+          </a:xfrm>
+          <a:prstGeom prst="rect">
+            <a:avLst/>
+          </a:prstGeom>
+          <a:noFill/>
+          <a:extLst>
+            <a:ext uri="{909E8E84-426E-40DD-AFC4-6F175D3DCCD1}">
+              <a14:hiddenFill xmlns:a14="http://schemas.microsoft.com/office/drawing/2010/main">
+                <a:solidFill>
+                  <a:srgbClr val="FFFFFF"/>
+                </a:solidFill>
+              </a14:hiddenFill>
+            </a:ext>
+          </a:extLst>
+        </p:spPr>
+      </p:pic>
+      <p:pic>
+        <p:nvPicPr>
+          <p:cNvPr id="18" name="Picture 4" descr="C:\Users\ngoan\Desktop\image\nam.png"/>
+          <p:cNvPicPr>
+            <a:picLocks noChangeAspect="1" noChangeArrowheads="1"/>
+          </p:cNvPicPr>
+          <p:nvPr/>
+        </p:nvPicPr>
+        <p:blipFill>
+          <a:blip r:embed="rId5">
+            <a:extLst>
+              <a:ext uri="{28A0092B-C50C-407E-A947-70E740481C1C}">
+                <a14:useLocalDpi xmlns:a14="http://schemas.microsoft.com/office/drawing/2010/main" val="0"/>
+              </a:ext>
+            </a:extLst>
+          </a:blip>
+          <a:srcRect/>
+          <a:stretch>
+            <a:fillRect/>
+          </a:stretch>
+        </p:blipFill>
+        <p:spPr bwMode="auto">
+          <a:xfrm>
+            <a:off x="2710345" y="1677833"/>
+            <a:ext cx="1069848" cy="1069848"/>
+          </a:xfrm>
+          <a:prstGeom prst="rect">
+            <a:avLst/>
+          </a:prstGeom>
+          <a:noFill/>
+          <a:extLst>
+            <a:ext uri="{909E8E84-426E-40DD-AFC4-6F175D3DCCD1}">
+              <a14:hiddenFill xmlns:a14="http://schemas.microsoft.com/office/drawing/2010/main">
+                <a:solidFill>
+                  <a:srgbClr val="FFFFFF"/>
+                </a:solidFill>
+              </a14:hiddenFill>
+            </a:ext>
+          </a:extLst>
+        </p:spPr>
+      </p:pic>
+      <p:pic>
+        <p:nvPicPr>
+          <p:cNvPr id="20" name="Picture 3" descr="C:\Users\ngoan\Desktop\image\ngoan.png"/>
+          <p:cNvPicPr>
+            <a:picLocks noChangeAspect="1" noChangeArrowheads="1"/>
+          </p:cNvPicPr>
+          <p:nvPr/>
+        </p:nvPicPr>
+        <p:blipFill>
+          <a:blip r:embed="rId6">
+            <a:extLst>
+              <a:ext uri="{28A0092B-C50C-407E-A947-70E740481C1C}">
+                <a14:useLocalDpi xmlns:a14="http://schemas.microsoft.com/office/drawing/2010/main" val="0"/>
+              </a:ext>
+            </a:extLst>
+          </a:blip>
+          <a:srcRect/>
+          <a:stretch>
+            <a:fillRect/>
+          </a:stretch>
+        </p:blipFill>
+        <p:spPr bwMode="auto">
+          <a:xfrm>
+            <a:off x="3929503" y="1677833"/>
+            <a:ext cx="1066804" cy="1069848"/>
+          </a:xfrm>
+          <a:prstGeom prst="rect">
+            <a:avLst/>
+          </a:prstGeom>
+          <a:noFill/>
+          <a:extLst>
+            <a:ext uri="{909E8E84-426E-40DD-AFC4-6F175D3DCCD1}">
+              <a14:hiddenFill xmlns:a14="http://schemas.microsoft.com/office/drawing/2010/main">
+                <a:solidFill>
+                  <a:srgbClr val="FFFFFF"/>
+                </a:solidFill>
+              </a14:hiddenFill>
+            </a:ext>
+          </a:extLst>
+        </p:spPr>
+      </p:pic>
+      <p:sp>
+        <p:nvSpPr>
+          <p:cNvPr id="16" name="TextBox 15"/>
+          <p:cNvSpPr txBox="1"/>
+          <p:nvPr/>
+        </p:nvSpPr>
+        <p:spPr>
+          <a:xfrm>
+            <a:off x="2168261" y="3004283"/>
+            <a:ext cx="383438" cy="523220"/>
+          </a:xfrm>
+          <a:prstGeom prst="rect">
+            <a:avLst/>
+          </a:prstGeom>
+          <a:noFill/>
+        </p:spPr>
+        <p:txBody>
+          <a:bodyPr wrap="none" rtlCol="0">
+            <a:spAutoFit/>
+          </a:bodyPr>
+          <a:lstStyle/>
+          <a:p>
+            <a:r>
+              <a:rPr lang="en-US" sz="2800" dirty="0" smtClean="0">
+                <a:solidFill>
+                  <a:srgbClr val="FF0000"/>
+                </a:solidFill>
+                <a:latin typeface="Cambria" pitchFamily="18" charset="0"/>
+              </a:rPr>
+              <a:t>1</a:t>
+            </a:r>
+            <a:endParaRPr lang="en-US" sz="2800" dirty="0">
+              <a:solidFill>
+                <a:srgbClr val="FF0000"/>
+              </a:solidFill>
+              <a:latin typeface="Cambria" pitchFamily="18" charset="0"/>
+            </a:endParaRPr>
+          </a:p>
+        </p:txBody>
+      </p:sp>
+      <p:sp>
+        <p:nvSpPr>
+          <p:cNvPr id="24" name="TextBox 23"/>
+          <p:cNvSpPr txBox="1"/>
+          <p:nvPr/>
+        </p:nvSpPr>
+        <p:spPr>
+          <a:xfrm>
+            <a:off x="4170839" y="4407099"/>
+            <a:ext cx="383438" cy="523220"/>
+          </a:xfrm>
+          <a:prstGeom prst="rect">
+            <a:avLst/>
+          </a:prstGeom>
+          <a:noFill/>
+        </p:spPr>
+        <p:txBody>
+          <a:bodyPr wrap="none" rtlCol="0">
+            <a:spAutoFit/>
+          </a:bodyPr>
+          <a:lstStyle/>
+          <a:p>
+            <a:r>
+              <a:rPr lang="en-US" sz="2800" dirty="0">
+                <a:solidFill>
+                  <a:srgbClr val="FF0000"/>
+                </a:solidFill>
+                <a:latin typeface="Cambria" pitchFamily="18" charset="0"/>
+              </a:rPr>
+              <a:t>2</a:t>
+            </a:r>
+          </a:p>
+        </p:txBody>
+      </p:sp>
+      <p:sp>
+        <p:nvSpPr>
+          <p:cNvPr id="25" name="TextBox 24"/>
+          <p:cNvSpPr txBox="1"/>
+          <p:nvPr/>
+        </p:nvSpPr>
+        <p:spPr>
+          <a:xfrm>
+            <a:off x="5411912" y="5149256"/>
+            <a:ext cx="383438" cy="523220"/>
+          </a:xfrm>
+          <a:prstGeom prst="rect">
+            <a:avLst/>
+          </a:prstGeom>
+          <a:noFill/>
+        </p:spPr>
+        <p:txBody>
+          <a:bodyPr wrap="none" rtlCol="0">
+            <a:spAutoFit/>
+          </a:bodyPr>
+          <a:lstStyle/>
+          <a:p>
+            <a:r>
+              <a:rPr lang="en-US" sz="2800" dirty="0">
+                <a:solidFill>
+                  <a:srgbClr val="FF0000"/>
+                </a:solidFill>
+                <a:latin typeface="Cambria" pitchFamily="18" charset="0"/>
+              </a:rPr>
+              <a:t>3</a:t>
+            </a:r>
+          </a:p>
+        </p:txBody>
+      </p:sp>
+      <p:graphicFrame>
+        <p:nvGraphicFramePr>
+          <p:cNvPr id="2" name="Table 1"/>
+          <p:cNvGraphicFramePr>
+            <a:graphicFrameLocks noGrp="1"/>
+          </p:cNvGraphicFramePr>
+          <p:nvPr>
+            <p:extLst>
+              <p:ext uri="{D42A27DB-BD31-4B8C-83A1-F6EECF244321}">
+                <p14:modId xmlns:p14="http://schemas.microsoft.com/office/powerpoint/2010/main" val="631163324"/>
+              </p:ext>
+            </p:extLst>
+          </p:nvPr>
+        </p:nvGraphicFramePr>
+        <p:xfrm>
+          <a:off x="5741265" y="1853731"/>
+          <a:ext cx="2893288" cy="2301103"/>
+        </p:xfrm>
+        <a:graphic>
+          <a:graphicData uri="http://schemas.openxmlformats.org/drawingml/2006/table">
+            <a:tbl>
+              <a:tblPr firstRow="1" bandRow="1">
+                <a:tableStyleId>{5C22544A-7EE6-4342-B048-85BDC9FD1C3A}</a:tableStyleId>
+              </a:tblPr>
+              <a:tblGrid>
+                <a:gridCol w="723322"/>
+                <a:gridCol w="723322"/>
+                <a:gridCol w="723322"/>
+                <a:gridCol w="723322"/>
+              </a:tblGrid>
+              <a:tr h="328729">
+                <a:tc>
+                  <a:txBody>
+                    <a:bodyPr/>
+                    <a:lstStyle/>
+                    <a:p>
+                      <a:r>
+                        <a:rPr lang="en-US" dirty="0" smtClean="0"/>
+                        <a:t>Start</a:t>
+                      </a:r>
+                      <a:endParaRPr lang="en-US" dirty="0"/>
+                    </a:p>
+                  </a:txBody>
+                  <a:tcPr/>
+                </a:tc>
+                <a:tc>
+                  <a:txBody>
+                    <a:bodyPr/>
+                    <a:lstStyle/>
+                    <a:p>
+                      <a:r>
+                        <a:rPr lang="en-US" dirty="0" smtClean="0"/>
+                        <a:t>Middle</a:t>
+                      </a:r>
+                      <a:r>
+                        <a:rPr lang="en-US" baseline="0" dirty="0" smtClean="0"/>
+                        <a:t> 1</a:t>
+                      </a:r>
+                      <a:endParaRPr lang="en-US" dirty="0"/>
+                    </a:p>
+                  </a:txBody>
+                  <a:tcPr/>
+                </a:tc>
+                <a:tc>
+                  <a:txBody>
+                    <a:bodyPr/>
+                    <a:lstStyle/>
+                    <a:p>
+                      <a:r>
+                        <a:rPr lang="en-US" dirty="0" smtClean="0"/>
+                        <a:t>Middle 2</a:t>
+                      </a:r>
+                      <a:endParaRPr lang="en-US" dirty="0"/>
+                    </a:p>
+                  </a:txBody>
+                  <a:tcPr/>
+                </a:tc>
+                <a:tc>
+                  <a:txBody>
+                    <a:bodyPr/>
+                    <a:lstStyle/>
+                    <a:p>
+                      <a:r>
+                        <a:rPr lang="en-US" dirty="0" smtClean="0"/>
+                        <a:t>End</a:t>
+                      </a:r>
+                      <a:endParaRPr lang="en-US" dirty="0"/>
+                    </a:p>
+                  </a:txBody>
+                  <a:tcPr/>
+                </a:tc>
+              </a:tr>
+              <a:tr h="328729">
+                <a:tc>
+                  <a:txBody>
+                    <a:bodyPr/>
+                    <a:lstStyle/>
+                    <a:p>
+                      <a:r>
+                        <a:rPr lang="en-US" dirty="0" err="1" smtClean="0"/>
+                        <a:t>Ngoan</a:t>
+                      </a:r>
+                      <a:endParaRPr lang="en-US" dirty="0"/>
+                    </a:p>
+                  </a:txBody>
+                  <a:tcPr/>
+                </a:tc>
+                <a:tc>
+                  <a:txBody>
+                    <a:bodyPr/>
+                    <a:lstStyle/>
+                    <a:p>
+                      <a:r>
+                        <a:rPr lang="en-US" dirty="0" smtClean="0"/>
+                        <a:t>Nam</a:t>
+                      </a:r>
+                      <a:endParaRPr lang="en-US" dirty="0"/>
+                    </a:p>
+                  </a:txBody>
+                  <a:tcPr/>
+                </a:tc>
+                <a:tc>
+                  <a:txBody>
+                    <a:bodyPr/>
+                    <a:lstStyle/>
+                    <a:p>
+                      <a:r>
+                        <a:rPr lang="en-US" dirty="0" err="1" smtClean="0"/>
+                        <a:t>Quy</a:t>
+                      </a:r>
+                      <a:endParaRPr lang="en-US" dirty="0"/>
+                    </a:p>
+                  </a:txBody>
+                  <a:tcPr/>
+                </a:tc>
+                <a:tc>
+                  <a:txBody>
+                    <a:bodyPr/>
+                    <a:lstStyle/>
+                    <a:p>
+                      <a:r>
+                        <a:rPr lang="en-US" dirty="0" err="1" smtClean="0"/>
+                        <a:t>Thao</a:t>
+                      </a:r>
+                      <a:endParaRPr lang="en-US" dirty="0"/>
+                    </a:p>
+                  </a:txBody>
+                  <a:tcPr/>
+                </a:tc>
+              </a:tr>
+              <a:tr h="328729">
+                <a:tc>
+                  <a:txBody>
+                    <a:bodyPr/>
+                    <a:lstStyle/>
+                    <a:p>
+                      <a:r>
+                        <a:rPr lang="en-US" dirty="0" err="1" smtClean="0"/>
+                        <a:t>Ngoan</a:t>
+                      </a:r>
+                      <a:endParaRPr lang="en-US" dirty="0"/>
+                    </a:p>
+                  </a:txBody>
+                  <a:tcPr/>
+                </a:tc>
+                <a:tc>
+                  <a:txBody>
+                    <a:bodyPr/>
+                    <a:lstStyle/>
+                    <a:p>
+                      <a:r>
+                        <a:rPr lang="en-US" dirty="0" err="1" smtClean="0"/>
+                        <a:t>Quy</a:t>
+                      </a:r>
+                      <a:endParaRPr lang="en-US" dirty="0"/>
+                    </a:p>
+                  </a:txBody>
+                  <a:tcPr/>
+                </a:tc>
+                <a:tc>
+                  <a:txBody>
+                    <a:bodyPr/>
+                    <a:lstStyle/>
+                    <a:p>
+                      <a:r>
+                        <a:rPr lang="en-US" dirty="0" smtClean="0"/>
+                        <a:t>Nam</a:t>
+                      </a:r>
+                      <a:endParaRPr lang="en-US" dirty="0"/>
+                    </a:p>
+                  </a:txBody>
+                  <a:tcPr/>
+                </a:tc>
+                <a:tc>
+                  <a:txBody>
+                    <a:bodyPr/>
+                    <a:lstStyle/>
+                    <a:p>
+                      <a:r>
+                        <a:rPr lang="en-US" dirty="0" err="1" smtClean="0"/>
+                        <a:t>Thao</a:t>
+                      </a:r>
+                      <a:endParaRPr lang="en-US" dirty="0"/>
+                    </a:p>
+                  </a:txBody>
+                  <a:tcPr/>
+                </a:tc>
+              </a:tr>
+              <a:tr h="328729">
+                <a:tc>
+                  <a:txBody>
+                    <a:bodyPr/>
+                    <a:lstStyle/>
+                    <a:p>
+                      <a:r>
+                        <a:rPr lang="en-US" dirty="0" err="1" smtClean="0"/>
+                        <a:t>Ngoan</a:t>
+                      </a:r>
+                      <a:endParaRPr lang="en-US" dirty="0"/>
+                    </a:p>
+                  </a:txBody>
+                  <a:tcPr/>
+                </a:tc>
+                <a:tc>
+                  <a:txBody>
+                    <a:bodyPr/>
+                    <a:lstStyle/>
+                    <a:p>
+                      <a:r>
+                        <a:rPr lang="en-US" dirty="0" err="1" smtClean="0"/>
+                        <a:t>Thao</a:t>
+                      </a:r>
+                      <a:endParaRPr lang="en-US" dirty="0"/>
+                    </a:p>
+                  </a:txBody>
+                  <a:tcPr/>
+                </a:tc>
+                <a:tc>
+                  <a:txBody>
+                    <a:bodyPr/>
+                    <a:lstStyle/>
+                    <a:p>
+                      <a:r>
+                        <a:rPr lang="en-US" dirty="0" err="1" smtClean="0"/>
+                        <a:t>Quy</a:t>
+                      </a:r>
+                      <a:endParaRPr lang="en-US" dirty="0"/>
+                    </a:p>
+                  </a:txBody>
+                  <a:tcPr/>
+                </a:tc>
+                <a:tc>
+                  <a:txBody>
+                    <a:bodyPr/>
+                    <a:lstStyle/>
+                    <a:p>
+                      <a:r>
+                        <a:rPr lang="en-US" dirty="0" smtClean="0"/>
+                        <a:t>Nam</a:t>
+                      </a:r>
+                      <a:endParaRPr lang="en-US" dirty="0"/>
+                    </a:p>
+                  </a:txBody>
+                  <a:tcPr/>
+                </a:tc>
+              </a:tr>
+              <a:tr h="328729">
+                <a:tc>
+                  <a:txBody>
+                    <a:bodyPr/>
+                    <a:lstStyle/>
+                    <a:p>
+                      <a:r>
+                        <a:rPr lang="en-US" dirty="0" err="1" smtClean="0"/>
+                        <a:t>Ngoan</a:t>
+                      </a:r>
+                      <a:endParaRPr lang="en-US" dirty="0"/>
+                    </a:p>
+                  </a:txBody>
+                  <a:tcPr/>
+                </a:tc>
+                <a:tc>
+                  <a:txBody>
+                    <a:bodyPr/>
+                    <a:lstStyle/>
+                    <a:p>
+                      <a:r>
+                        <a:rPr lang="en-US" dirty="0" err="1" smtClean="0"/>
+                        <a:t>Quy</a:t>
+                      </a:r>
+                      <a:endParaRPr lang="en-US" dirty="0"/>
+                    </a:p>
+                  </a:txBody>
+                  <a:tcPr/>
+                </a:tc>
+                <a:tc>
+                  <a:txBody>
+                    <a:bodyPr/>
+                    <a:lstStyle/>
+                    <a:p>
+                      <a:r>
+                        <a:rPr lang="en-US" dirty="0" err="1" smtClean="0"/>
+                        <a:t>Thao</a:t>
+                      </a:r>
+                      <a:endParaRPr lang="en-US" dirty="0"/>
+                    </a:p>
+                  </a:txBody>
+                  <a:tcPr/>
+                </a:tc>
+                <a:tc>
+                  <a:txBody>
+                    <a:bodyPr/>
+                    <a:lstStyle/>
+                    <a:p>
+                      <a:r>
+                        <a:rPr lang="en-US" dirty="0" smtClean="0"/>
+                        <a:t>Nam</a:t>
+                      </a:r>
+                      <a:endParaRPr lang="en-US" dirty="0"/>
+                    </a:p>
+                  </a:txBody>
+                  <a:tcPr/>
+                </a:tc>
+              </a:tr>
+              <a:tr h="328729">
+                <a:tc>
+                  <a:txBody>
+                    <a:bodyPr/>
+                    <a:lstStyle/>
+                    <a:p>
+                      <a:r>
+                        <a:rPr lang="en-US" dirty="0" err="1" smtClean="0"/>
+                        <a:t>Ngoan</a:t>
+                      </a:r>
+                      <a:endParaRPr lang="en-US" dirty="0"/>
+                    </a:p>
+                  </a:txBody>
+                  <a:tcPr/>
+                </a:tc>
+                <a:tc>
+                  <a:txBody>
+                    <a:bodyPr/>
+                    <a:lstStyle/>
+                    <a:p>
+                      <a:r>
+                        <a:rPr lang="en-US" dirty="0" smtClean="0"/>
+                        <a:t>Nam</a:t>
+                      </a:r>
+                      <a:endParaRPr lang="en-US" dirty="0"/>
+                    </a:p>
+                  </a:txBody>
+                  <a:tcPr/>
+                </a:tc>
+                <a:tc>
+                  <a:txBody>
+                    <a:bodyPr/>
+                    <a:lstStyle/>
+                    <a:p>
+                      <a:r>
+                        <a:rPr lang="en-US" dirty="0" err="1" smtClean="0"/>
+                        <a:t>Thao</a:t>
+                      </a:r>
+                      <a:endParaRPr lang="en-US" dirty="0"/>
+                    </a:p>
+                  </a:txBody>
+                  <a:tcPr/>
+                </a:tc>
+                <a:tc>
+                  <a:txBody>
+                    <a:bodyPr/>
+                    <a:lstStyle/>
+                    <a:p>
+                      <a:r>
+                        <a:rPr lang="en-US" dirty="0" err="1" smtClean="0"/>
+                        <a:t>Quy</a:t>
+                      </a:r>
+                      <a:endParaRPr lang="en-US" dirty="0"/>
+                    </a:p>
+                  </a:txBody>
+                  <a:tcPr/>
+                </a:tc>
+              </a:tr>
+              <a:tr h="328729">
+                <a:tc>
+                  <a:txBody>
+                    <a:bodyPr/>
+                    <a:lstStyle/>
+                    <a:p>
+                      <a:r>
+                        <a:rPr lang="en-US" dirty="0" err="1" smtClean="0"/>
+                        <a:t>Ngoan</a:t>
+                      </a:r>
+                      <a:endParaRPr lang="en-US" dirty="0"/>
+                    </a:p>
+                  </a:txBody>
+                  <a:tcPr/>
+                </a:tc>
+                <a:tc>
+                  <a:txBody>
+                    <a:bodyPr/>
+                    <a:lstStyle/>
+                    <a:p>
+                      <a:r>
+                        <a:rPr lang="en-US" dirty="0" err="1" smtClean="0"/>
+                        <a:t>Thao</a:t>
+                      </a:r>
+                      <a:endParaRPr lang="en-US" dirty="0"/>
+                    </a:p>
+                  </a:txBody>
+                  <a:tcPr/>
+                </a:tc>
+                <a:tc>
+                  <a:txBody>
+                    <a:bodyPr/>
+                    <a:lstStyle/>
+                    <a:p>
+                      <a:r>
+                        <a:rPr lang="en-US" dirty="0" smtClean="0"/>
+                        <a:t>Nam</a:t>
+                      </a:r>
+                      <a:endParaRPr lang="en-US" dirty="0"/>
+                    </a:p>
+                  </a:txBody>
+                  <a:tcPr/>
+                </a:tc>
+                <a:tc>
+                  <a:txBody>
+                    <a:bodyPr/>
+                    <a:lstStyle/>
+                    <a:p>
+                      <a:r>
+                        <a:rPr lang="en-US" dirty="0" err="1" smtClean="0"/>
+                        <a:t>Quy</a:t>
+                      </a:r>
+                      <a:endParaRPr lang="en-US" dirty="0"/>
+                    </a:p>
+                  </a:txBody>
+                  <a:tcPr/>
+                </a:tc>
+              </a:tr>
+            </a:tbl>
+          </a:graphicData>
+        </a:graphic>
+      </p:graphicFrame>
+    </p:spTree>
+    <p:extLst>
+      <p:ext uri="{BB962C8B-B14F-4D97-AF65-F5344CB8AC3E}">
+        <p14:creationId xmlns:p14="http://schemas.microsoft.com/office/powerpoint/2010/main" val="1626593878"/>
       </p:ext>
     </p:extLst>
   </p:cSld>
@@ -11638,140 +12330,6 @@
       </p:sp>
       <p:sp>
         <p:nvSpPr>
-          <p:cNvPr id="6" name="Shape 144"/>
-          <p:cNvSpPr>
-            <a:spLocks noGrp="1"/>
-          </p:cNvSpPr>
-          <p:nvPr>
-            <p:ph type="title"/>
-          </p:nvPr>
-        </p:nvSpPr>
-        <p:spPr>
-          <a:xfrm>
-            <a:off x="332118" y="353375"/>
-            <a:ext cx="8499023" cy="621945"/>
-          </a:xfrm>
-          <a:prstGeom prst="rect">
-            <a:avLst/>
-          </a:prstGeom>
-        </p:spPr>
-        <p:txBody>
-          <a:bodyPr/>
-          <a:lstStyle>
-            <a:lvl1pPr>
-              <a:defRPr sz="3600">
-                <a:latin typeface="Cambria"/>
-                <a:ea typeface="Cambria"/>
-                <a:cs typeface="Cambria"/>
-                <a:sym typeface="Cambria"/>
-              </a:defRPr>
-            </a:lvl1pPr>
-          </a:lstStyle>
-          <a:p>
-            <a:pPr algn="ctr"/>
-            <a:r>
-              <a:rPr lang="en-US" dirty="0"/>
-              <a:t>Architecture</a:t>
-            </a:r>
-            <a:endParaRPr lang="en-US" dirty="0">
-              <a:latin typeface="Times New Roman" pitchFamily="18" charset="0"/>
-              <a:cs typeface="Times New Roman" pitchFamily="18" charset="0"/>
-            </a:endParaRPr>
-          </a:p>
-        </p:txBody>
-      </p:sp>
-      <p:pic>
-        <p:nvPicPr>
-          <p:cNvPr id="5" name="image7.png"/>
-          <p:cNvPicPr>
-            <a:picLocks noChangeAspect="1"/>
-          </p:cNvPicPr>
-          <p:nvPr/>
-        </p:nvPicPr>
-        <p:blipFill>
-          <a:blip r:embed="rId2">
-            <a:extLst/>
-          </a:blip>
-          <a:stretch>
-            <a:fillRect/>
-          </a:stretch>
-        </p:blipFill>
-        <p:spPr>
-          <a:xfrm>
-            <a:off x="1622275" y="1635294"/>
-            <a:ext cx="5482823" cy="4818888"/>
-          </a:xfrm>
-          <a:prstGeom prst="rect">
-            <a:avLst/>
-          </a:prstGeom>
-          <a:ln w="12700">
-            <a:miter lim="400000"/>
-          </a:ln>
-        </p:spPr>
-      </p:pic>
-    </p:spTree>
-    <p:extLst>
-      <p:ext uri="{BB962C8B-B14F-4D97-AF65-F5344CB8AC3E}">
-        <p14:creationId xmlns:p14="http://schemas.microsoft.com/office/powerpoint/2010/main" val="4267242068"/>
-      </p:ext>
-    </p:extLst>
-  </p:cSld>
-  <p:clrMapOvr>
-    <a:masterClrMapping/>
-  </p:clrMapOvr>
-  <p:timing>
-    <p:tnLst>
-      <p:par>
-        <p:cTn id="1" dur="indefinite" restart="never" nodeType="tmRoot"/>
-      </p:par>
-    </p:tnLst>
-  </p:timing>
-</p:sld>
-</file>
-
-<file path=ppt/slides/slide21.xml><?xml version="1.0" encoding="utf-8"?>
-<p:sld xmlns:a="http://schemas.openxmlformats.org/drawingml/2006/main" xmlns:r="http://schemas.openxmlformats.org/officeDocument/2006/relationships" xmlns:p="http://schemas.openxmlformats.org/presentationml/2006/main">
-  <p:cSld>
-    <p:spTree>
-      <p:nvGrpSpPr>
-        <p:cNvPr id="1" name=""/>
-        <p:cNvGrpSpPr/>
-        <p:nvPr/>
-      </p:nvGrpSpPr>
-      <p:grpSpPr>
-        <a:xfrm>
-          <a:off x="0" y="0"/>
-          <a:ext cx="0" cy="0"/>
-          <a:chOff x="0" y="0"/>
-          <a:chExt cx="0" cy="0"/>
-        </a:xfrm>
-      </p:grpSpPr>
-      <p:sp>
-        <p:nvSpPr>
-          <p:cNvPr id="4" name="Slide Number Placeholder 3"/>
-          <p:cNvSpPr>
-            <a:spLocks noGrp="1"/>
-          </p:cNvSpPr>
-          <p:nvPr>
-            <p:ph type="sldNum" idx="12"/>
-          </p:nvPr>
-        </p:nvSpPr>
-        <p:spPr/>
-        <p:txBody>
-          <a:bodyPr/>
-          <a:lstStyle/>
-          <a:p>
-            <a:fld id="{00000000-1234-1234-1234-123412341234}" type="slidenum">
-              <a:rPr lang="en" smtClean="0"/>
-              <a:pPr/>
-              <a:t>21</a:t>
-            </a:fld>
-            <a:endParaRPr lang="en"/>
-          </a:p>
-        </p:txBody>
-      </p:sp>
-      <p:sp>
-        <p:nvSpPr>
           <p:cNvPr id="7" name="Shape 139"/>
           <p:cNvSpPr>
             <a:spLocks noGrp="1"/>
@@ -12217,7 +12775,7 @@
 </p:sld>
 </file>
 
-<file path=ppt/slides/slide22.xml><?xml version="1.0" encoding="utf-8"?>
+<file path=ppt/slides/slide21.xml><?xml version="1.0" encoding="utf-8"?>
 <p:sld xmlns:a="http://schemas.openxmlformats.org/drawingml/2006/main" xmlns:r="http://schemas.openxmlformats.org/officeDocument/2006/relationships" xmlns:p="http://schemas.openxmlformats.org/presentationml/2006/main">
   <p:cSld>
     <p:spTree>
@@ -12252,7 +12810,7 @@
             <a:fld id="{00000000-1234-1234-1234-123412341234}" type="slidenum">
               <a:rPr lang="en" smtClean="0"/>
               <a:pPr/>
-              <a:t>22</a:t>
+              <a:t>21</a:t>
             </a:fld>
             <a:endParaRPr lang="en"/>
           </a:p>
@@ -12750,109 +13308,60 @@
         </p:grpSp>
         <p:grpSp>
           <p:nvGrpSpPr>
-            <p:cNvPr id="15" name="Group 14"/>
+            <p:cNvPr id="3" name="Group 2"/>
             <p:cNvGrpSpPr/>
             <p:nvPr/>
           </p:nvGrpSpPr>
           <p:grpSpPr>
             <a:xfrm>
               <a:off x="2185916" y="1751231"/>
-              <a:ext cx="2816530" cy="373440"/>
+              <a:ext cx="2802346" cy="373440"/>
               <a:chOff x="2185916" y="1751231"/>
-              <a:chExt cx="2816530" cy="373440"/>
+              <a:chExt cx="2802346" cy="373440"/>
             </a:xfrm>
           </p:grpSpPr>
-          <p:grpSp>
-            <p:nvGrpSpPr>
-              <p:cNvPr id="3" name="Group 2"/>
-              <p:cNvGrpSpPr/>
+          <p:cxnSp>
+            <p:nvCxnSpPr>
+              <p:cNvPr id="21" name="Straight Connector 20"/>
+              <p:cNvCxnSpPr>
+                <a:stCxn id="11" idx="3"/>
+              </p:cNvCxnSpPr>
               <p:nvPr/>
-            </p:nvGrpSpPr>
-            <p:grpSpPr>
+            </p:nvCxnSpPr>
+            <p:spPr>
               <a:xfrm>
-                <a:off x="2185916" y="1751231"/>
-                <a:ext cx="2802346" cy="373440"/>
-                <a:chOff x="2185916" y="1751231"/>
-                <a:chExt cx="2802346" cy="373440"/>
+                <a:off x="2185916" y="2124671"/>
+                <a:ext cx="2802346" cy="0"/>
               </a:xfrm>
-            </p:grpSpPr>
-            <p:cxnSp>
-              <p:nvCxnSpPr>
-                <p:cNvPr id="21" name="Straight Connector 20"/>
-                <p:cNvCxnSpPr>
-                  <a:stCxn id="11" idx="3"/>
-                </p:cNvCxnSpPr>
-                <p:nvPr/>
-              </p:nvCxnSpPr>
-              <p:spPr>
-                <a:xfrm>
-                  <a:off x="2185916" y="2124671"/>
-                  <a:ext cx="2802346" cy="0"/>
-                </a:xfrm>
-                <a:prstGeom prst="line">
-                  <a:avLst/>
-                </a:prstGeom>
-              </p:spPr>
-              <p:style>
-                <a:lnRef idx="2">
-                  <a:schemeClr val="dk1"/>
-                </a:lnRef>
-                <a:fillRef idx="0">
-                  <a:schemeClr val="dk1"/>
-                </a:fillRef>
-                <a:effectRef idx="1">
-                  <a:schemeClr val="dk1"/>
-                </a:effectRef>
-                <a:fontRef idx="minor">
-                  <a:schemeClr val="tx1"/>
-                </a:fontRef>
-              </p:style>
-            </p:cxnSp>
-            <p:sp>
-              <p:nvSpPr>
-                <p:cNvPr id="22" name="TextBox 21"/>
-                <p:cNvSpPr txBox="1"/>
-                <p:nvPr/>
-              </p:nvSpPr>
-              <p:spPr>
-                <a:xfrm>
-                  <a:off x="2278291" y="1751231"/>
-                  <a:ext cx="298480" cy="338554"/>
-                </a:xfrm>
-                <a:prstGeom prst="rect">
-                  <a:avLst/>
-                </a:prstGeom>
-                <a:noFill/>
-              </p:spPr>
-              <p:txBody>
-                <a:bodyPr wrap="none" rtlCol="0">
-                  <a:spAutoFit/>
-                </a:bodyPr>
-                <a:lstStyle/>
-                <a:p>
-                  <a:r>
-                    <a:rPr lang="en-US" sz="1600" dirty="0" smtClean="0">
-                      <a:latin typeface="Cambria" pitchFamily="18" charset="0"/>
-                    </a:rPr>
-                    <a:t>1</a:t>
-                  </a:r>
-                  <a:endParaRPr lang="en-US" sz="1600" dirty="0">
-                    <a:latin typeface="Cambria" pitchFamily="18" charset="0"/>
-                  </a:endParaRPr>
-                </a:p>
-              </p:txBody>
-            </p:sp>
-          </p:grpSp>
+              <a:prstGeom prst="line">
+                <a:avLst/>
+              </a:prstGeom>
+            </p:spPr>
+            <p:style>
+              <a:lnRef idx="2">
+                <a:schemeClr val="dk1"/>
+              </a:lnRef>
+              <a:fillRef idx="0">
+                <a:schemeClr val="dk1"/>
+              </a:fillRef>
+              <a:effectRef idx="1">
+                <a:schemeClr val="dk1"/>
+              </a:effectRef>
+              <a:fontRef idx="minor">
+                <a:schemeClr val="tx1"/>
+              </a:fontRef>
+            </p:style>
+          </p:cxnSp>
           <p:sp>
             <p:nvSpPr>
-              <p:cNvPr id="23" name="TextBox 22"/>
+              <p:cNvPr id="22" name="TextBox 21"/>
               <p:cNvSpPr txBox="1"/>
               <p:nvPr/>
             </p:nvSpPr>
             <p:spPr>
               <a:xfrm>
-                <a:off x="4532446" y="1751231"/>
-                <a:ext cx="470000" cy="338554"/>
+                <a:off x="2278291" y="1751231"/>
+                <a:ext cx="298480" cy="338554"/>
               </a:xfrm>
               <a:prstGeom prst="rect">
                 <a:avLst/>
@@ -12869,7 +13378,7 @@
                   <a:rPr lang="en-US" sz="1600" dirty="0" smtClean="0">
                     <a:latin typeface="Cambria" pitchFamily="18" charset="0"/>
                   </a:rPr>
-                  <a:t>0..*</a:t>
+                  <a:t>1</a:t>
                 </a:r>
                 <a:endParaRPr lang="en-US" sz="1600" dirty="0">
                   <a:latin typeface="Cambria" pitchFamily="18" charset="0"/>
@@ -12879,6 +13388,91 @@
           </p:sp>
         </p:grpSp>
       </p:grpSp>
+      <mc:AlternateContent xmlns:mc="http://schemas.openxmlformats.org/markup-compatibility/2006">
+        <mc:Choice xmlns:a14="http://schemas.microsoft.com/office/drawing/2010/main" Requires="a14">
+          <p:sp>
+            <p:nvSpPr>
+              <p:cNvPr id="16" name="TextBox 15"/>
+              <p:cNvSpPr txBox="1"/>
+              <p:nvPr/>
+            </p:nvSpPr>
+            <p:spPr>
+              <a:xfrm>
+                <a:off x="5482799" y="3055190"/>
+                <a:ext cx="248465" cy="276999"/>
+              </a:xfrm>
+              <a:prstGeom prst="rect">
+                <a:avLst/>
+              </a:prstGeom>
+              <a:noFill/>
+            </p:spPr>
+            <p:txBody>
+              <a:bodyPr wrap="none" lIns="0" tIns="0" rIns="0" bIns="0" rtlCol="0">
+                <a:spAutoFit/>
+              </a:bodyPr>
+              <a:lstStyle/>
+              <a:p>
+                <a:pPr/>
+                <a14:m>
+                  <m:oMathPara xmlns:m="http://schemas.openxmlformats.org/officeDocument/2006/math">
+                    <m:oMathParaPr>
+                      <m:jc m:val="centerGroup"/>
+                    </m:oMathParaPr>
+                    <m:oMath xmlns:m="http://schemas.openxmlformats.org/officeDocument/2006/math">
+                      <m:r>
+                        <a:rPr lang="en-US" i="1" smtClean="0">
+                          <a:latin typeface="Cambria Math" panose="02040503050406030204" pitchFamily="18" charset="0"/>
+                          <a:ea typeface="Cambria Math" panose="02040503050406030204" pitchFamily="18" charset="0"/>
+                        </a:rPr>
+                        <m:t>∞</m:t>
+                      </m:r>
+                    </m:oMath>
+                  </m:oMathPara>
+                </a14:m>
+                <a:endParaRPr lang="en-US" dirty="0"/>
+              </a:p>
+            </p:txBody>
+          </p:sp>
+        </mc:Choice>
+        <mc:Fallback>
+          <p:sp>
+            <p:nvSpPr>
+              <p:cNvPr id="16" name="TextBox 15"/>
+              <p:cNvSpPr txBox="1">
+                <a:spLocks noRot="1" noChangeAspect="1" noMove="1" noResize="1" noEditPoints="1" noAdjustHandles="1" noChangeArrowheads="1" noChangeShapeType="1" noTextEdit="1"/>
+              </p:cNvSpPr>
+              <p:nvPr/>
+            </p:nvSpPr>
+            <p:spPr>
+              <a:xfrm>
+                <a:off x="5482799" y="3055190"/>
+                <a:ext cx="248465" cy="276999"/>
+              </a:xfrm>
+              <a:prstGeom prst="rect">
+                <a:avLst/>
+              </a:prstGeom>
+              <a:blipFill rotWithShape="1">
+                <a:blip r:embed="rId2"/>
+                <a:stretch>
+                  <a:fillRect l="-12195" r="-12195"/>
+                </a:stretch>
+              </a:blipFill>
+            </p:spPr>
+            <p:txBody>
+              <a:bodyPr/>
+              <a:lstStyle/>
+              <a:p>
+                <a:r>
+                  <a:rPr lang="en-US">
+                    <a:noFill/>
+                  </a:rPr>
+                  <a:t> </a:t>
+                </a:r>
+              </a:p>
+            </p:txBody>
+          </p:sp>
+        </mc:Fallback>
+      </mc:AlternateContent>
     </p:spTree>
     <p:extLst>
       <p:ext uri="{BB962C8B-B14F-4D97-AF65-F5344CB8AC3E}">
@@ -12900,6 +13494,140 @@
 </file>
 
 <file path=ppt/slides/slide3.xml><?xml version="1.0" encoding="utf-8"?>
+<p:sld xmlns:a="http://schemas.openxmlformats.org/drawingml/2006/main" xmlns:r="http://schemas.openxmlformats.org/officeDocument/2006/relationships" xmlns:p="http://schemas.openxmlformats.org/presentationml/2006/main">
+  <p:cSld>
+    <p:spTree>
+      <p:nvGrpSpPr>
+        <p:cNvPr id="1" name=""/>
+        <p:cNvGrpSpPr/>
+        <p:nvPr/>
+      </p:nvGrpSpPr>
+      <p:grpSpPr>
+        <a:xfrm>
+          <a:off x="0" y="0"/>
+          <a:ext cx="0" cy="0"/>
+          <a:chOff x="0" y="0"/>
+          <a:chExt cx="0" cy="0"/>
+        </a:xfrm>
+      </p:grpSpPr>
+      <p:sp>
+        <p:nvSpPr>
+          <p:cNvPr id="4" name="Slide Number Placeholder 3"/>
+          <p:cNvSpPr>
+            <a:spLocks noGrp="1"/>
+          </p:cNvSpPr>
+          <p:nvPr>
+            <p:ph type="sldNum" idx="12"/>
+          </p:nvPr>
+        </p:nvSpPr>
+        <p:spPr/>
+        <p:txBody>
+          <a:bodyPr/>
+          <a:lstStyle/>
+          <a:p>
+            <a:fld id="{00000000-1234-1234-1234-123412341234}" type="slidenum">
+              <a:rPr lang="en" smtClean="0"/>
+              <a:pPr/>
+              <a:t>3</a:t>
+            </a:fld>
+            <a:endParaRPr lang="en"/>
+          </a:p>
+        </p:txBody>
+      </p:sp>
+      <p:sp>
+        <p:nvSpPr>
+          <p:cNvPr id="6" name="Shape 144"/>
+          <p:cNvSpPr>
+            <a:spLocks noGrp="1"/>
+          </p:cNvSpPr>
+          <p:nvPr>
+            <p:ph type="title"/>
+          </p:nvPr>
+        </p:nvSpPr>
+        <p:spPr>
+          <a:xfrm>
+            <a:off x="332118" y="353375"/>
+            <a:ext cx="8499023" cy="621945"/>
+          </a:xfrm>
+          <a:prstGeom prst="rect">
+            <a:avLst/>
+          </a:prstGeom>
+        </p:spPr>
+        <p:txBody>
+          <a:bodyPr/>
+          <a:lstStyle>
+            <a:lvl1pPr>
+              <a:defRPr sz="3600">
+                <a:latin typeface="Cambria"/>
+                <a:ea typeface="Cambria"/>
+                <a:cs typeface="Cambria"/>
+                <a:sym typeface="Cambria"/>
+              </a:defRPr>
+            </a:lvl1pPr>
+          </a:lstStyle>
+          <a:p>
+            <a:pPr algn="ctr"/>
+            <a:r>
+              <a:rPr lang="en-US" dirty="0"/>
+              <a:t>Architecture</a:t>
+            </a:r>
+            <a:endParaRPr lang="en-US" dirty="0">
+              <a:latin typeface="Times New Roman" pitchFamily="18" charset="0"/>
+              <a:cs typeface="Times New Roman" pitchFamily="18" charset="0"/>
+            </a:endParaRPr>
+          </a:p>
+        </p:txBody>
+      </p:sp>
+      <p:pic>
+        <p:nvPicPr>
+          <p:cNvPr id="13" name="image6.png"/>
+          <p:cNvPicPr>
+            <a:picLocks noChangeAspect="1"/>
+          </p:cNvPicPr>
+          <p:nvPr/>
+        </p:nvPicPr>
+        <p:blipFill>
+          <a:blip r:embed="rId2">
+            <a:extLst/>
+          </a:blip>
+          <a:stretch>
+            <a:fillRect/>
+          </a:stretch>
+        </p:blipFill>
+        <p:spPr>
+          <a:xfrm>
+            <a:off x="2045393" y="1776002"/>
+            <a:ext cx="5542762" cy="4816442"/>
+          </a:xfrm>
+          <a:prstGeom prst="rect">
+            <a:avLst/>
+          </a:prstGeom>
+          <a:ln w="12700">
+            <a:miter lim="400000"/>
+          </a:ln>
+        </p:spPr>
+      </p:pic>
+    </p:spTree>
+    <p:extLst>
+      <p:ext uri="{BB962C8B-B14F-4D97-AF65-F5344CB8AC3E}">
+        <p14:creationId xmlns:p14="http://schemas.microsoft.com/office/powerpoint/2010/main" val="477004291"/>
+      </p:ext>
+    </p:extLst>
+  </p:cSld>
+  <p:clrMapOvr>
+    <a:masterClrMapping/>
+  </p:clrMapOvr>
+  <p:timing>
+    <p:tnLst>
+      <p:par>
+        <p:cTn id="1" dur="indefinite" restart="never" nodeType="tmRoot"/>
+      </p:par>
+    </p:tnLst>
+  </p:timing>
+</p:sld>
+</file>
+
+<file path=ppt/slides/slide4.xml><?xml version="1.0" encoding="utf-8"?>
 <p:sld xmlns:a="http://schemas.openxmlformats.org/drawingml/2006/main" xmlns:r="http://schemas.openxmlformats.org/officeDocument/2006/relationships" xmlns:p="http://schemas.openxmlformats.org/presentationml/2006/main">
   <p:cSld>
     <p:spTree>
@@ -12968,7 +13696,7 @@
             <a:fld id="{00000000-1234-1234-1234-123412341234}" type="slidenum">
               <a:rPr lang="en" smtClean="0"/>
               <a:pPr/>
-              <a:t>3</a:t>
+              <a:t>4</a:t>
             </a:fld>
             <a:endParaRPr lang="en"/>
           </a:p>
@@ -13362,7 +14090,7 @@
 </p:sld>
 </file>
 
-<file path=ppt/slides/slide4.xml><?xml version="1.0" encoding="utf-8"?>
+<file path=ppt/slides/slide5.xml><?xml version="1.0" encoding="utf-8"?>
 <p:sld xmlns:a="http://schemas.openxmlformats.org/drawingml/2006/main" xmlns:r="http://schemas.openxmlformats.org/officeDocument/2006/relationships" xmlns:p="http://schemas.openxmlformats.org/presentationml/2006/main">
   <p:cSld>
     <p:spTree>
@@ -13430,7 +14158,7 @@
             <a:fld id="{00000000-1234-1234-1234-123412341234}" type="slidenum">
               <a:rPr lang="en" smtClean="0"/>
               <a:pPr/>
-              <a:t>4</a:t>
+              <a:t>5</a:t>
             </a:fld>
             <a:endParaRPr lang="en"/>
           </a:p>
@@ -14238,7 +14966,7 @@
 </p:sld>
 </file>
 
-<file path=ppt/slides/slide5.xml><?xml version="1.0" encoding="utf-8"?>
+<file path=ppt/slides/slide6.xml><?xml version="1.0" encoding="utf-8"?>
 <p:sld xmlns:a="http://schemas.openxmlformats.org/drawingml/2006/main" xmlns:r="http://schemas.openxmlformats.org/officeDocument/2006/relationships" xmlns:p="http://schemas.openxmlformats.org/presentationml/2006/main">
   <p:cSld>
     <p:spTree>
@@ -14307,7 +15035,7 @@
             <a:fld id="{00000000-1234-1234-1234-123412341234}" type="slidenum">
               <a:rPr lang="en" smtClean="0"/>
               <a:pPr/>
-              <a:t>5</a:t>
+              <a:t>6</a:t>
             </a:fld>
             <a:endParaRPr lang="en"/>
           </a:p>
@@ -15335,7 +16063,7 @@
 </p:sld>
 </file>
 
-<file path=ppt/slides/slide6.xml><?xml version="1.0" encoding="utf-8"?>
+<file path=ppt/slides/slide7.xml><?xml version="1.0" encoding="utf-8"?>
 <p:sld xmlns:a="http://schemas.openxmlformats.org/drawingml/2006/main" xmlns:r="http://schemas.openxmlformats.org/officeDocument/2006/relationships" xmlns:p="http://schemas.openxmlformats.org/presentationml/2006/main">
   <p:cSld>
     <p:spTree>
@@ -15370,7 +16098,7 @@
             <a:fld id="{00000000-1234-1234-1234-123412341234}" type="slidenum">
               <a:rPr lang="en" smtClean="0"/>
               <a:pPr/>
-              <a:t>6</a:t>
+              <a:t>7</a:t>
             </a:fld>
             <a:endParaRPr lang="en"/>
           </a:p>
@@ -16005,7 +16733,7 @@
 </p:sld>
 </file>
 
-<file path=ppt/slides/slide7.xml><?xml version="1.0" encoding="utf-8"?>
+<file path=ppt/slides/slide8.xml><?xml version="1.0" encoding="utf-8"?>
 <p:sld xmlns:a="http://schemas.openxmlformats.org/drawingml/2006/main" xmlns:r="http://schemas.openxmlformats.org/officeDocument/2006/relationships" xmlns:p="http://schemas.openxmlformats.org/presentationml/2006/main">
   <p:cSld>
     <p:spTree>
@@ -16040,7 +16768,7 @@
             <a:fld id="{00000000-1234-1234-1234-123412341234}" type="slidenum">
               <a:rPr lang="en" smtClean="0"/>
               <a:pPr/>
-              <a:t>7</a:t>
+              <a:t>8</a:t>
             </a:fld>
             <a:endParaRPr lang="en"/>
           </a:p>
@@ -16111,6 +16839,47 @@
         <p:spPr bwMode="auto">
           <a:xfrm flipH="1">
             <a:off x="220284" y="3004283"/>
+            <a:ext cx="1069848" cy="1069848"/>
+          </a:xfrm>
+          <a:prstGeom prst="rect">
+            <a:avLst/>
+          </a:prstGeom>
+          <a:noFill/>
+          <a:extLst>
+            <a:ext uri="{909E8E84-426E-40DD-AFC4-6F175D3DCCD1}">
+              <a14:hiddenFill xmlns:a14="http://schemas.microsoft.com/office/drawing/2010/main">
+                <a:solidFill>
+                  <a:srgbClr val="FFFFFF"/>
+                </a:solidFill>
+              </a14:hiddenFill>
+            </a:ext>
+          </a:extLst>
+        </p:spPr>
+      </p:pic>
+      <p:pic>
+        <p:nvPicPr>
+          <p:cNvPr id="2050" name="Picture 2" descr="C:\Users\ngoan\Desktop\image\bw-anonymous-person.png"/>
+          <p:cNvPicPr>
+            <a:picLocks noChangeAspect="1" noChangeArrowheads="1"/>
+          </p:cNvPicPr>
+          <p:nvPr/>
+        </p:nvPicPr>
+        <p:blipFill>
+          <a:blip r:embed="rId3">
+            <a:extLst>
+              <a:ext uri="{28A0092B-C50C-407E-A947-70E740481C1C}">
+                <a14:useLocalDpi xmlns:a14="http://schemas.microsoft.com/office/drawing/2010/main" val="0"/>
+              </a:ext>
+            </a:extLst>
+          </a:blip>
+          <a:srcRect/>
+          <a:stretch>
+            <a:fillRect/>
+          </a:stretch>
+        </p:blipFill>
+        <p:spPr bwMode="auto">
+          <a:xfrm>
+            <a:off x="3475418" y="3004283"/>
             <a:ext cx="1069848" cy="1069848"/>
           </a:xfrm>
           <a:prstGeom prst="rect">
@@ -16215,14 +16984,14 @@
           <p:cNvPr id="3" name="Straight Arrow Connector 2"/>
           <p:cNvCxnSpPr>
             <a:stCxn id="10" idx="1"/>
-            <a:endCxn id="19" idx="1"/>
+            <a:endCxn id="2050" idx="1"/>
           </p:cNvCxnSpPr>
           <p:nvPr/>
         </p:nvCxnSpPr>
         <p:spPr>
           <a:xfrm>
             <a:off x="1290132" y="3539207"/>
-            <a:ext cx="2194297" cy="0"/>
+            <a:ext cx="2185286" cy="0"/>
           </a:xfrm>
           <a:prstGeom prst="straightConnector1">
             <a:avLst/>
@@ -16250,15 +17019,15 @@
         <p:nvCxnSpPr>
           <p:cNvPr id="6" name="Straight Arrow Connector 5"/>
           <p:cNvCxnSpPr>
-            <a:stCxn id="19" idx="2"/>
+            <a:stCxn id="2050" idx="2"/>
             <a:endCxn id="11" idx="0"/>
           </p:cNvCxnSpPr>
           <p:nvPr/>
         </p:nvCxnSpPr>
         <p:spPr>
           <a:xfrm>
-            <a:off x="4019353" y="4074131"/>
-            <a:ext cx="0" cy="1189157"/>
+            <a:off x="4010342" y="4074131"/>
+            <a:ext cx="9011" cy="1189157"/>
           </a:xfrm>
           <a:prstGeom prst="straightConnector1">
             <a:avLst/>
@@ -16549,786 +17318,454 @@
           </a:p>
         </p:txBody>
       </p:sp>
-      <p:sp>
-        <p:nvSpPr>
-          <p:cNvPr id="23" name="Oval 22"/>
-          <p:cNvSpPr/>
-          <p:nvPr/>
-        </p:nvSpPr>
-        <p:spPr>
-          <a:xfrm>
-            <a:off x="6072485" y="2747681"/>
-            <a:ext cx="2230848" cy="1677785"/>
-          </a:xfrm>
-          <a:prstGeom prst="ellipse">
-            <a:avLst/>
-          </a:prstGeom>
-          <a:solidFill>
-            <a:schemeClr val="accent1"/>
-          </a:solidFill>
-          <a:effectLst>
-            <a:outerShdw blurRad="63500" sx="102000" sy="102000" algn="ctr" rotWithShape="0">
-              <a:prstClr val="black">
-                <a:alpha val="40000"/>
-              </a:prstClr>
-            </a:outerShdw>
-            <a:reflection endPos="0" dist="50800" dir="5400000" sy="-100000" algn="bl" rotWithShape="0"/>
-          </a:effectLst>
-          <a:scene3d>
-            <a:camera prst="orthographicFront">
-              <a:rot lat="0" lon="0" rev="0"/>
-            </a:camera>
-            <a:lightRig rig="threePt" dir="t"/>
-          </a:scene3d>
-        </p:spPr>
-        <p:style>
-          <a:lnRef idx="2">
-            <a:schemeClr val="accent1">
-              <a:shade val="50000"/>
-            </a:schemeClr>
-          </a:lnRef>
-          <a:fillRef idx="1">
-            <a:schemeClr val="accent1"/>
-          </a:fillRef>
-          <a:effectRef idx="0">
-            <a:schemeClr val="accent1"/>
-          </a:effectRef>
-          <a:fontRef idx="minor">
-            <a:schemeClr val="lt1"/>
-          </a:fontRef>
-        </p:style>
-        <p:txBody>
-          <a:bodyPr rtlCol="0" anchor="ctr"/>
-          <a:lstStyle/>
-          <a:p>
-            <a:pPr algn="ctr"/>
-            <a:r>
-              <a:rPr lang="en-US" sz="2000" dirty="0" smtClean="0">
-                <a:latin typeface="Cambria" pitchFamily="18" charset="0"/>
-              </a:rPr>
-              <a:t>Best Order ?</a:t>
-            </a:r>
-            <a:endParaRPr lang="en-US" sz="2000" dirty="0">
-              <a:latin typeface="Cambria" pitchFamily="18" charset="0"/>
-            </a:endParaRPr>
-          </a:p>
-        </p:txBody>
-      </p:sp>
-      <p:pic>
-        <p:nvPicPr>
-          <p:cNvPr id="19" name="Picture 2" descr="C:\Users\ngoan\Desktop\image\quy.png"/>
-          <p:cNvPicPr>
-            <a:picLocks noChangeAspect="1" noChangeArrowheads="1"/>
-          </p:cNvPicPr>
-          <p:nvPr/>
-        </p:nvPicPr>
-        <p:blipFill>
-          <a:blip r:embed="rId4">
-            <a:extLst>
-              <a:ext uri="{28A0092B-C50C-407E-A947-70E740481C1C}">
-                <a14:useLocalDpi xmlns:a14="http://schemas.microsoft.com/office/drawing/2010/main" val="0"/>
-              </a:ext>
-            </a:extLst>
-          </a:blip>
-          <a:srcRect/>
-          <a:stretch>
-            <a:fillRect/>
-          </a:stretch>
-        </p:blipFill>
-        <p:spPr bwMode="auto">
-          <a:xfrm>
-            <a:off x="3484429" y="3004283"/>
-            <a:ext cx="1069848" cy="1069848"/>
-          </a:xfrm>
-          <a:prstGeom prst="rect">
-            <a:avLst/>
-          </a:prstGeom>
-          <a:noFill/>
-          <a:extLst>
-            <a:ext uri="{909E8E84-426E-40DD-AFC4-6F175D3DCCD1}">
-              <a14:hiddenFill xmlns:a14="http://schemas.microsoft.com/office/drawing/2010/main">
-                <a:solidFill>
-                  <a:srgbClr val="FFFFFF"/>
-                </a:solidFill>
-              </a14:hiddenFill>
-            </a:ext>
-          </a:extLst>
-        </p:spPr>
-      </p:pic>
+      <p:graphicFrame>
+        <p:nvGraphicFramePr>
+          <p:cNvPr id="2" name="Table 1"/>
+          <p:cNvGraphicFramePr>
+            <a:graphicFrameLocks noGrp="1"/>
+          </p:cNvGraphicFramePr>
+          <p:nvPr>
+            <p:extLst>
+              <p:ext uri="{D42A27DB-BD31-4B8C-83A1-F6EECF244321}">
+                <p14:modId xmlns:p14="http://schemas.microsoft.com/office/powerpoint/2010/main" val="3064796184"/>
+              </p:ext>
+            </p:extLst>
+          </p:nvPr>
+        </p:nvGraphicFramePr>
+        <p:xfrm>
+          <a:off x="5741265" y="1853731"/>
+          <a:ext cx="2893288" cy="2301103"/>
+        </p:xfrm>
+        <a:graphic>
+          <a:graphicData uri="http://schemas.openxmlformats.org/drawingml/2006/table">
+            <a:tbl>
+              <a:tblPr firstRow="1" bandRow="1">
+                <a:tableStyleId>{5C22544A-7EE6-4342-B048-85BDC9FD1C3A}</a:tableStyleId>
+              </a:tblPr>
+              <a:tblGrid>
+                <a:gridCol w="723322"/>
+                <a:gridCol w="723322"/>
+                <a:gridCol w="723322"/>
+                <a:gridCol w="723322"/>
+              </a:tblGrid>
+              <a:tr h="328729">
+                <a:tc>
+                  <a:txBody>
+                    <a:bodyPr/>
+                    <a:lstStyle/>
+                    <a:p>
+                      <a:r>
+                        <a:rPr lang="en-US" dirty="0" smtClean="0"/>
+                        <a:t>Start</a:t>
+                      </a:r>
+                      <a:endParaRPr lang="en-US" dirty="0"/>
+                    </a:p>
+                  </a:txBody>
+                  <a:tcPr/>
+                </a:tc>
+                <a:tc>
+                  <a:txBody>
+                    <a:bodyPr/>
+                    <a:lstStyle/>
+                    <a:p>
+                      <a:r>
+                        <a:rPr lang="en-US" dirty="0" smtClean="0"/>
+                        <a:t>Middle</a:t>
+                      </a:r>
+                      <a:r>
+                        <a:rPr lang="en-US" baseline="0" dirty="0" smtClean="0"/>
+                        <a:t> 1</a:t>
+                      </a:r>
+                      <a:endParaRPr lang="en-US" dirty="0"/>
+                    </a:p>
+                  </a:txBody>
+                  <a:tcPr/>
+                </a:tc>
+                <a:tc>
+                  <a:txBody>
+                    <a:bodyPr/>
+                    <a:lstStyle/>
+                    <a:p>
+                      <a:r>
+                        <a:rPr lang="en-US" dirty="0" smtClean="0"/>
+                        <a:t>Middle 2</a:t>
+                      </a:r>
+                      <a:endParaRPr lang="en-US" dirty="0"/>
+                    </a:p>
+                  </a:txBody>
+                  <a:tcPr/>
+                </a:tc>
+                <a:tc>
+                  <a:txBody>
+                    <a:bodyPr/>
+                    <a:lstStyle/>
+                    <a:p>
+                      <a:r>
+                        <a:rPr lang="en-US" dirty="0" smtClean="0"/>
+                        <a:t>End</a:t>
+                      </a:r>
+                      <a:endParaRPr lang="en-US" dirty="0"/>
+                    </a:p>
+                  </a:txBody>
+                  <a:tcPr/>
+                </a:tc>
+              </a:tr>
+              <a:tr h="328729">
+                <a:tc>
+                  <a:txBody>
+                    <a:bodyPr/>
+                    <a:lstStyle/>
+                    <a:p>
+                      <a:r>
+                        <a:rPr lang="en-US" dirty="0" err="1" smtClean="0"/>
+                        <a:t>Ngoan</a:t>
+                      </a:r>
+                      <a:endParaRPr lang="en-US" dirty="0"/>
+                    </a:p>
+                  </a:txBody>
+                  <a:tcPr/>
+                </a:tc>
+                <a:tc>
+                  <a:txBody>
+                    <a:bodyPr/>
+                    <a:lstStyle/>
+                    <a:p>
+                      <a:r>
+                        <a:rPr lang="en-US" dirty="0" smtClean="0"/>
+                        <a:t>Nam</a:t>
+                      </a:r>
+                      <a:endParaRPr lang="en-US" dirty="0"/>
+                    </a:p>
+                  </a:txBody>
+                  <a:tcPr/>
+                </a:tc>
+                <a:tc>
+                  <a:txBody>
+                    <a:bodyPr/>
+                    <a:lstStyle/>
+                    <a:p>
+                      <a:r>
+                        <a:rPr lang="en-US" dirty="0" err="1" smtClean="0"/>
+                        <a:t>Quy</a:t>
+                      </a:r>
+                      <a:endParaRPr lang="en-US" dirty="0"/>
+                    </a:p>
+                  </a:txBody>
+                  <a:tcPr/>
+                </a:tc>
+                <a:tc>
+                  <a:txBody>
+                    <a:bodyPr/>
+                    <a:lstStyle/>
+                    <a:p>
+                      <a:r>
+                        <a:rPr lang="en-US" dirty="0" err="1" smtClean="0"/>
+                        <a:t>Thao</a:t>
+                      </a:r>
+                      <a:endParaRPr lang="en-US" dirty="0"/>
+                    </a:p>
+                  </a:txBody>
+                  <a:tcPr/>
+                </a:tc>
+              </a:tr>
+              <a:tr h="328729">
+                <a:tc>
+                  <a:txBody>
+                    <a:bodyPr/>
+                    <a:lstStyle/>
+                    <a:p>
+                      <a:r>
+                        <a:rPr lang="en-US" dirty="0" err="1" smtClean="0"/>
+                        <a:t>Ngoan</a:t>
+                      </a:r>
+                      <a:endParaRPr lang="en-US" dirty="0"/>
+                    </a:p>
+                  </a:txBody>
+                  <a:tcPr/>
+                </a:tc>
+                <a:tc>
+                  <a:txBody>
+                    <a:bodyPr/>
+                    <a:lstStyle/>
+                    <a:p>
+                      <a:r>
+                        <a:rPr lang="en-US" dirty="0" err="1" smtClean="0"/>
+                        <a:t>Quy</a:t>
+                      </a:r>
+                      <a:endParaRPr lang="en-US" dirty="0"/>
+                    </a:p>
+                  </a:txBody>
+                  <a:tcPr/>
+                </a:tc>
+                <a:tc>
+                  <a:txBody>
+                    <a:bodyPr/>
+                    <a:lstStyle/>
+                    <a:p>
+                      <a:r>
+                        <a:rPr lang="en-US" dirty="0" smtClean="0"/>
+                        <a:t>Nam</a:t>
+                      </a:r>
+                      <a:endParaRPr lang="en-US" dirty="0"/>
+                    </a:p>
+                  </a:txBody>
+                  <a:tcPr/>
+                </a:tc>
+                <a:tc>
+                  <a:txBody>
+                    <a:bodyPr/>
+                    <a:lstStyle/>
+                    <a:p>
+                      <a:r>
+                        <a:rPr lang="en-US" dirty="0" err="1" smtClean="0"/>
+                        <a:t>Thao</a:t>
+                      </a:r>
+                      <a:endParaRPr lang="en-US" dirty="0"/>
+                    </a:p>
+                  </a:txBody>
+                  <a:tcPr/>
+                </a:tc>
+              </a:tr>
+              <a:tr h="328729">
+                <a:tc>
+                  <a:txBody>
+                    <a:bodyPr/>
+                    <a:lstStyle/>
+                    <a:p>
+                      <a:r>
+                        <a:rPr lang="en-US" dirty="0" err="1" smtClean="0"/>
+                        <a:t>Ngoan</a:t>
+                      </a:r>
+                      <a:endParaRPr lang="en-US" dirty="0"/>
+                    </a:p>
+                  </a:txBody>
+                  <a:tcPr/>
+                </a:tc>
+                <a:tc>
+                  <a:txBody>
+                    <a:bodyPr/>
+                    <a:lstStyle/>
+                    <a:p>
+                      <a:r>
+                        <a:rPr lang="en-US" dirty="0" err="1" smtClean="0"/>
+                        <a:t>Thao</a:t>
+                      </a:r>
+                      <a:endParaRPr lang="en-US" dirty="0"/>
+                    </a:p>
+                  </a:txBody>
+                  <a:tcPr/>
+                </a:tc>
+                <a:tc>
+                  <a:txBody>
+                    <a:bodyPr/>
+                    <a:lstStyle/>
+                    <a:p>
+                      <a:r>
+                        <a:rPr lang="en-US" dirty="0" err="1" smtClean="0"/>
+                        <a:t>Quy</a:t>
+                      </a:r>
+                      <a:endParaRPr lang="en-US" dirty="0"/>
+                    </a:p>
+                  </a:txBody>
+                  <a:tcPr/>
+                </a:tc>
+                <a:tc>
+                  <a:txBody>
+                    <a:bodyPr/>
+                    <a:lstStyle/>
+                    <a:p>
+                      <a:r>
+                        <a:rPr lang="en-US" dirty="0" smtClean="0"/>
+                        <a:t>Nam</a:t>
+                      </a:r>
+                      <a:endParaRPr lang="en-US" dirty="0"/>
+                    </a:p>
+                  </a:txBody>
+                  <a:tcPr/>
+                </a:tc>
+              </a:tr>
+              <a:tr h="328729">
+                <a:tc>
+                  <a:txBody>
+                    <a:bodyPr/>
+                    <a:lstStyle/>
+                    <a:p>
+                      <a:r>
+                        <a:rPr lang="en-US" dirty="0" err="1" smtClean="0"/>
+                        <a:t>Ngoan</a:t>
+                      </a:r>
+                      <a:endParaRPr lang="en-US" dirty="0"/>
+                    </a:p>
+                  </a:txBody>
+                  <a:tcPr/>
+                </a:tc>
+                <a:tc>
+                  <a:txBody>
+                    <a:bodyPr/>
+                    <a:lstStyle/>
+                    <a:p>
+                      <a:r>
+                        <a:rPr lang="en-US" dirty="0" err="1" smtClean="0"/>
+                        <a:t>Quy</a:t>
+                      </a:r>
+                      <a:endParaRPr lang="en-US" dirty="0"/>
+                    </a:p>
+                  </a:txBody>
+                  <a:tcPr/>
+                </a:tc>
+                <a:tc>
+                  <a:txBody>
+                    <a:bodyPr/>
+                    <a:lstStyle/>
+                    <a:p>
+                      <a:r>
+                        <a:rPr lang="en-US" dirty="0" err="1" smtClean="0"/>
+                        <a:t>Thao</a:t>
+                      </a:r>
+                      <a:endParaRPr lang="en-US" dirty="0"/>
+                    </a:p>
+                  </a:txBody>
+                  <a:tcPr/>
+                </a:tc>
+                <a:tc>
+                  <a:txBody>
+                    <a:bodyPr/>
+                    <a:lstStyle/>
+                    <a:p>
+                      <a:r>
+                        <a:rPr lang="en-US" dirty="0" smtClean="0"/>
+                        <a:t>Nam</a:t>
+                      </a:r>
+                      <a:endParaRPr lang="en-US" dirty="0"/>
+                    </a:p>
+                  </a:txBody>
+                  <a:tcPr/>
+                </a:tc>
+              </a:tr>
+              <a:tr h="328729">
+                <a:tc>
+                  <a:txBody>
+                    <a:bodyPr/>
+                    <a:lstStyle/>
+                    <a:p>
+                      <a:r>
+                        <a:rPr lang="en-US" dirty="0" err="1" smtClean="0"/>
+                        <a:t>Ngoan</a:t>
+                      </a:r>
+                      <a:endParaRPr lang="en-US" dirty="0"/>
+                    </a:p>
+                  </a:txBody>
+                  <a:tcPr/>
+                </a:tc>
+                <a:tc>
+                  <a:txBody>
+                    <a:bodyPr/>
+                    <a:lstStyle/>
+                    <a:p>
+                      <a:r>
+                        <a:rPr lang="en-US" dirty="0" smtClean="0"/>
+                        <a:t>Nam</a:t>
+                      </a:r>
+                      <a:endParaRPr lang="en-US" dirty="0"/>
+                    </a:p>
+                  </a:txBody>
+                  <a:tcPr/>
+                </a:tc>
+                <a:tc>
+                  <a:txBody>
+                    <a:bodyPr/>
+                    <a:lstStyle/>
+                    <a:p>
+                      <a:r>
+                        <a:rPr lang="en-US" dirty="0" err="1" smtClean="0"/>
+                        <a:t>Thao</a:t>
+                      </a:r>
+                      <a:endParaRPr lang="en-US" dirty="0"/>
+                    </a:p>
+                  </a:txBody>
+                  <a:tcPr/>
+                </a:tc>
+                <a:tc>
+                  <a:txBody>
+                    <a:bodyPr/>
+                    <a:lstStyle/>
+                    <a:p>
+                      <a:r>
+                        <a:rPr lang="en-US" dirty="0" err="1" smtClean="0"/>
+                        <a:t>Quy</a:t>
+                      </a:r>
+                      <a:endParaRPr lang="en-US" dirty="0"/>
+                    </a:p>
+                  </a:txBody>
+                  <a:tcPr/>
+                </a:tc>
+              </a:tr>
+              <a:tr h="328729">
+                <a:tc>
+                  <a:txBody>
+                    <a:bodyPr/>
+                    <a:lstStyle/>
+                    <a:p>
+                      <a:r>
+                        <a:rPr lang="en-US" dirty="0" err="1" smtClean="0"/>
+                        <a:t>Ngoan</a:t>
+                      </a:r>
+                      <a:endParaRPr lang="en-US" dirty="0"/>
+                    </a:p>
+                  </a:txBody>
+                  <a:tcPr/>
+                </a:tc>
+                <a:tc>
+                  <a:txBody>
+                    <a:bodyPr/>
+                    <a:lstStyle/>
+                    <a:p>
+                      <a:r>
+                        <a:rPr lang="en-US" dirty="0" err="1" smtClean="0"/>
+                        <a:t>Thao</a:t>
+                      </a:r>
+                      <a:endParaRPr lang="en-US" dirty="0"/>
+                    </a:p>
+                  </a:txBody>
+                  <a:tcPr/>
+                </a:tc>
+                <a:tc>
+                  <a:txBody>
+                    <a:bodyPr/>
+                    <a:lstStyle/>
+                    <a:p>
+                      <a:r>
+                        <a:rPr lang="en-US" dirty="0" smtClean="0"/>
+                        <a:t>Nam</a:t>
+                      </a:r>
+                      <a:endParaRPr lang="en-US" dirty="0"/>
+                    </a:p>
+                  </a:txBody>
+                  <a:tcPr/>
+                </a:tc>
+                <a:tc>
+                  <a:txBody>
+                    <a:bodyPr/>
+                    <a:lstStyle/>
+                    <a:p>
+                      <a:r>
+                        <a:rPr lang="en-US" dirty="0" err="1" smtClean="0"/>
+                        <a:t>Quy</a:t>
+                      </a:r>
+                      <a:endParaRPr lang="en-US" dirty="0"/>
+                    </a:p>
+                  </a:txBody>
+                  <a:tcPr/>
+                </a:tc>
+              </a:tr>
+            </a:tbl>
+          </a:graphicData>
+        </a:graphic>
+      </p:graphicFrame>
     </p:spTree>
     <p:extLst>
       <p:ext uri="{BB962C8B-B14F-4D97-AF65-F5344CB8AC3E}">
-        <p14:creationId xmlns:p14="http://schemas.microsoft.com/office/powerpoint/2010/main" val="352323082"/>
-      </p:ext>
-    </p:extLst>
-  </p:cSld>
-  <p:clrMapOvr>
-    <a:masterClrMapping/>
-  </p:clrMapOvr>
-  <p:timing>
-    <p:tnLst>
-      <p:par>
-        <p:cTn id="1" dur="indefinite" restart="never" nodeType="tmRoot"/>
-      </p:par>
-    </p:tnLst>
-  </p:timing>
-</p:sld>
-</file>
-
-<file path=ppt/slides/slide8.xml><?xml version="1.0" encoding="utf-8"?>
-<p:sld xmlns:a="http://schemas.openxmlformats.org/drawingml/2006/main" xmlns:r="http://schemas.openxmlformats.org/officeDocument/2006/relationships" xmlns:p="http://schemas.openxmlformats.org/presentationml/2006/main">
-  <p:cSld>
-    <p:spTree>
-      <p:nvGrpSpPr>
-        <p:cNvPr id="1" name=""/>
-        <p:cNvGrpSpPr/>
-        <p:nvPr/>
-      </p:nvGrpSpPr>
-      <p:grpSpPr>
-        <a:xfrm>
-          <a:off x="0" y="0"/>
-          <a:ext cx="0" cy="0"/>
-          <a:chOff x="0" y="0"/>
-          <a:chExt cx="0" cy="0"/>
-        </a:xfrm>
-      </p:grpSpPr>
-      <p:sp>
-        <p:nvSpPr>
-          <p:cNvPr id="4" name="Slide Number Placeholder 3"/>
-          <p:cNvSpPr>
-            <a:spLocks noGrp="1"/>
-          </p:cNvSpPr>
-          <p:nvPr>
-            <p:ph type="sldNum" idx="12"/>
-          </p:nvPr>
-        </p:nvSpPr>
-        <p:spPr/>
-        <p:txBody>
-          <a:bodyPr/>
-          <a:lstStyle/>
-          <a:p>
-            <a:fld id="{00000000-1234-1234-1234-123412341234}" type="slidenum">
-              <a:rPr lang="en" smtClean="0"/>
-              <a:pPr/>
-              <a:t>8</a:t>
-            </a:fld>
-            <a:endParaRPr lang="en"/>
-          </a:p>
-        </p:txBody>
-      </p:sp>
-      <p:sp>
-        <p:nvSpPr>
-          <p:cNvPr id="7" name="Shape 139"/>
-          <p:cNvSpPr>
-            <a:spLocks noGrp="1"/>
-          </p:cNvSpPr>
-          <p:nvPr>
-            <p:ph type="title"/>
-          </p:nvPr>
-        </p:nvSpPr>
-        <p:spPr>
-          <a:xfrm>
-            <a:off x="220284" y="304800"/>
-            <a:ext cx="8885207" cy="844004"/>
-          </a:xfrm>
-          <a:prstGeom prst="rect">
-            <a:avLst/>
-          </a:prstGeom>
-        </p:spPr>
-        <p:txBody>
-          <a:bodyPr/>
-          <a:lstStyle>
-            <a:lvl1pPr>
-              <a:defRPr sz="3600">
-                <a:latin typeface="Cambria"/>
-                <a:ea typeface="Cambria"/>
-                <a:cs typeface="Cambria"/>
-                <a:sym typeface="Cambria"/>
-              </a:defRPr>
-            </a:lvl1pPr>
-          </a:lstStyle>
-          <a:p>
-            <a:pPr algn="ctr"/>
-            <a:r>
-              <a:rPr lang="en-US" dirty="0"/>
-              <a:t>Scenario</a:t>
-            </a:r>
-            <a:endParaRPr dirty="0"/>
-          </a:p>
-        </p:txBody>
-      </p:sp>
-      <p:pic>
-        <p:nvPicPr>
-          <p:cNvPr id="10" name="Picture 3" descr="C:\Users\ngoan\Desktop\image\thao.png"/>
-          <p:cNvPicPr>
-            <a:picLocks noChangeAspect="1" noChangeArrowheads="1"/>
-          </p:cNvPicPr>
-          <p:nvPr/>
-        </p:nvPicPr>
-        <p:blipFill>
-          <a:blip r:embed="rId2">
-            <a:extLst>
-              <a:ext uri="{28A0092B-C50C-407E-A947-70E740481C1C}">
-                <a14:useLocalDpi xmlns:a14="http://schemas.microsoft.com/office/drawing/2010/main" val="0"/>
-              </a:ext>
-            </a:extLst>
-          </a:blip>
-          <a:srcRect/>
-          <a:stretch>
-            <a:fillRect/>
-          </a:stretch>
-        </p:blipFill>
-        <p:spPr bwMode="auto">
-          <a:xfrm flipH="1">
-            <a:off x="220284" y="3004283"/>
-            <a:ext cx="1069848" cy="1069848"/>
-          </a:xfrm>
-          <a:prstGeom prst="rect">
-            <a:avLst/>
-          </a:prstGeom>
-          <a:noFill/>
-          <a:extLst>
-            <a:ext uri="{909E8E84-426E-40DD-AFC4-6F175D3DCCD1}">
-              <a14:hiddenFill xmlns:a14="http://schemas.microsoft.com/office/drawing/2010/main">
-                <a:solidFill>
-                  <a:srgbClr val="FFFFFF"/>
-                </a:solidFill>
-              </a14:hiddenFill>
-            </a:ext>
-          </a:extLst>
-        </p:spPr>
-      </p:pic>
-      <p:pic>
-        <p:nvPicPr>
-          <p:cNvPr id="11" name="Picture 2" descr="C:\Users\ngoan\Desktop\image\bw-anonymous-person.png"/>
-          <p:cNvPicPr>
-            <a:picLocks noChangeAspect="1" noChangeArrowheads="1"/>
-          </p:cNvPicPr>
-          <p:nvPr/>
-        </p:nvPicPr>
-        <p:blipFill>
-          <a:blip r:embed="rId3">
-            <a:extLst>
-              <a:ext uri="{28A0092B-C50C-407E-A947-70E740481C1C}">
-                <a14:useLocalDpi xmlns:a14="http://schemas.microsoft.com/office/drawing/2010/main" val="0"/>
-              </a:ext>
-            </a:extLst>
-          </a:blip>
-          <a:srcRect/>
-          <a:stretch>
-            <a:fillRect/>
-          </a:stretch>
-        </p:blipFill>
-        <p:spPr bwMode="auto">
-          <a:xfrm>
-            <a:off x="3484429" y="5263288"/>
-            <a:ext cx="1069848" cy="1069848"/>
-          </a:xfrm>
-          <a:prstGeom prst="rect">
-            <a:avLst/>
-          </a:prstGeom>
-          <a:noFill/>
-          <a:extLst>
-            <a:ext uri="{909E8E84-426E-40DD-AFC4-6F175D3DCCD1}">
-              <a14:hiddenFill xmlns:a14="http://schemas.microsoft.com/office/drawing/2010/main">
-                <a:solidFill>
-                  <a:srgbClr val="FFFFFF"/>
-                </a:solidFill>
-              </a14:hiddenFill>
-            </a:ext>
-          </a:extLst>
-        </p:spPr>
-      </p:pic>
-      <p:pic>
-        <p:nvPicPr>
-          <p:cNvPr id="12" name="Picture 2" descr="C:\Users\ngoan\Desktop\image\bw-anonymous-person.png"/>
-          <p:cNvPicPr>
-            <a:picLocks noChangeAspect="1" noChangeArrowheads="1"/>
-          </p:cNvPicPr>
-          <p:nvPr/>
-        </p:nvPicPr>
-        <p:blipFill>
-          <a:blip r:embed="rId3">
-            <a:extLst>
-              <a:ext uri="{28A0092B-C50C-407E-A947-70E740481C1C}">
-                <a14:useLocalDpi xmlns:a14="http://schemas.microsoft.com/office/drawing/2010/main" val="0"/>
-              </a:ext>
-            </a:extLst>
-          </a:blip>
-          <a:srcRect/>
-          <a:stretch>
-            <a:fillRect/>
-          </a:stretch>
-        </p:blipFill>
-        <p:spPr bwMode="auto">
-          <a:xfrm>
-            <a:off x="6652985" y="5263288"/>
-            <a:ext cx="1069848" cy="1069848"/>
-          </a:xfrm>
-          <a:prstGeom prst="rect">
-            <a:avLst/>
-          </a:prstGeom>
-          <a:noFill/>
-          <a:extLst>
-            <a:ext uri="{909E8E84-426E-40DD-AFC4-6F175D3DCCD1}">
-              <a14:hiddenFill xmlns:a14="http://schemas.microsoft.com/office/drawing/2010/main">
-                <a:solidFill>
-                  <a:srgbClr val="FFFFFF"/>
-                </a:solidFill>
-              </a14:hiddenFill>
-            </a:ext>
-          </a:extLst>
-        </p:spPr>
-      </p:pic>
-      <p:cxnSp>
-        <p:nvCxnSpPr>
-          <p:cNvPr id="3" name="Straight Arrow Connector 2"/>
-          <p:cNvCxnSpPr>
-            <a:stCxn id="10" idx="1"/>
-            <a:endCxn id="21" idx="1"/>
-          </p:cNvCxnSpPr>
-          <p:nvPr/>
-        </p:nvCxnSpPr>
-        <p:spPr>
-          <a:xfrm flipV="1">
-            <a:off x="1290132" y="3521373"/>
-            <a:ext cx="2194297" cy="17834"/>
-          </a:xfrm>
-          <a:prstGeom prst="straightConnector1">
-            <a:avLst/>
-          </a:prstGeom>
-          <a:ln>
-            <a:tailEnd type="triangle" w="med" len="med"/>
-          </a:ln>
-        </p:spPr>
-        <p:style>
-          <a:lnRef idx="3">
-            <a:schemeClr val="accent1"/>
-          </a:lnRef>
-          <a:fillRef idx="0">
-            <a:schemeClr val="accent1"/>
-          </a:fillRef>
-          <a:effectRef idx="2">
-            <a:schemeClr val="accent1"/>
-          </a:effectRef>
-          <a:fontRef idx="minor">
-            <a:schemeClr val="tx1"/>
-          </a:fontRef>
-        </p:style>
-      </p:cxnSp>
-      <p:cxnSp>
-        <p:nvCxnSpPr>
-          <p:cNvPr id="6" name="Straight Arrow Connector 5"/>
-          <p:cNvCxnSpPr>
-            <a:stCxn id="21" idx="2"/>
-            <a:endCxn id="11" idx="0"/>
-          </p:cNvCxnSpPr>
-          <p:nvPr/>
-        </p:nvCxnSpPr>
-        <p:spPr>
-          <a:xfrm>
-            <a:off x="4019353" y="4056297"/>
-            <a:ext cx="0" cy="1206991"/>
-          </a:xfrm>
-          <a:prstGeom prst="straightConnector1">
-            <a:avLst/>
-          </a:prstGeom>
-          <a:ln>
-            <a:tailEnd type="triangle" w="med" len="med"/>
-          </a:ln>
-        </p:spPr>
-        <p:style>
-          <a:lnRef idx="3">
-            <a:schemeClr val="accent1"/>
-          </a:lnRef>
-          <a:fillRef idx="0">
-            <a:schemeClr val="accent1"/>
-          </a:fillRef>
-          <a:effectRef idx="2">
-            <a:schemeClr val="accent1"/>
-          </a:effectRef>
-          <a:fontRef idx="minor">
-            <a:schemeClr val="tx1"/>
-          </a:fontRef>
-        </p:style>
-      </p:cxnSp>
-      <p:cxnSp>
-        <p:nvCxnSpPr>
-          <p:cNvPr id="14" name="Straight Arrow Connector 13"/>
-          <p:cNvCxnSpPr>
-            <a:stCxn id="11" idx="3"/>
-            <a:endCxn id="12" idx="1"/>
-          </p:cNvCxnSpPr>
-          <p:nvPr/>
-        </p:nvCxnSpPr>
-        <p:spPr>
-          <a:xfrm>
-            <a:off x="4554277" y="5798212"/>
-            <a:ext cx="2098708" cy="0"/>
-          </a:xfrm>
-          <a:prstGeom prst="straightConnector1">
-            <a:avLst/>
-          </a:prstGeom>
-          <a:ln>
-            <a:tailEnd type="triangle"/>
-          </a:ln>
-        </p:spPr>
-        <p:style>
-          <a:lnRef idx="3">
-            <a:schemeClr val="accent1"/>
-          </a:lnRef>
-          <a:fillRef idx="0">
-            <a:schemeClr val="accent1"/>
-          </a:fillRef>
-          <a:effectRef idx="2">
-            <a:schemeClr val="accent1"/>
-          </a:effectRef>
-          <a:fontRef idx="minor">
-            <a:schemeClr val="tx1"/>
-          </a:fontRef>
-        </p:style>
-      </p:cxnSp>
-      <p:pic>
-        <p:nvPicPr>
-          <p:cNvPr id="17" name="Picture 2" descr="C:\Users\ngoan\Desktop\image\quy.png"/>
-          <p:cNvPicPr>
-            <a:picLocks noChangeAspect="1" noChangeArrowheads="1"/>
-          </p:cNvPicPr>
-          <p:nvPr/>
-        </p:nvPicPr>
-        <p:blipFill>
-          <a:blip r:embed="rId4">
-            <a:extLst>
-              <a:ext uri="{28A0092B-C50C-407E-A947-70E740481C1C}">
-                <a14:useLocalDpi xmlns:a14="http://schemas.microsoft.com/office/drawing/2010/main" val="0"/>
-              </a:ext>
-            </a:extLst>
-          </a:blip>
-          <a:srcRect/>
-          <a:stretch>
-            <a:fillRect/>
-          </a:stretch>
-        </p:blipFill>
-        <p:spPr bwMode="auto">
-          <a:xfrm>
-            <a:off x="1290132" y="1677833"/>
-            <a:ext cx="1069848" cy="1069848"/>
-          </a:xfrm>
-          <a:prstGeom prst="rect">
-            <a:avLst/>
-          </a:prstGeom>
-          <a:noFill/>
-          <a:extLst>
-            <a:ext uri="{909E8E84-426E-40DD-AFC4-6F175D3DCCD1}">
-              <a14:hiddenFill xmlns:a14="http://schemas.microsoft.com/office/drawing/2010/main">
-                <a:solidFill>
-                  <a:srgbClr val="FFFFFF"/>
-                </a:solidFill>
-              </a14:hiddenFill>
-            </a:ext>
-          </a:extLst>
-        </p:spPr>
-      </p:pic>
-      <p:pic>
-        <p:nvPicPr>
-          <p:cNvPr id="18" name="Picture 4" descr="C:\Users\ngoan\Desktop\image\nam.png"/>
-          <p:cNvPicPr>
-            <a:picLocks noChangeAspect="1" noChangeArrowheads="1"/>
-          </p:cNvPicPr>
-          <p:nvPr/>
-        </p:nvPicPr>
-        <p:blipFill>
-          <a:blip r:embed="rId5">
-            <a:extLst>
-              <a:ext uri="{28A0092B-C50C-407E-A947-70E740481C1C}">
-                <a14:useLocalDpi xmlns:a14="http://schemas.microsoft.com/office/drawing/2010/main" val="0"/>
-              </a:ext>
-            </a:extLst>
-          </a:blip>
-          <a:srcRect/>
-          <a:stretch>
-            <a:fillRect/>
-          </a:stretch>
-        </p:blipFill>
-        <p:spPr bwMode="auto">
-          <a:xfrm>
-            <a:off x="2710345" y="1677833"/>
-            <a:ext cx="1069848" cy="1069848"/>
-          </a:xfrm>
-          <a:prstGeom prst="rect">
-            <a:avLst/>
-          </a:prstGeom>
-          <a:noFill/>
-          <a:extLst>
-            <a:ext uri="{909E8E84-426E-40DD-AFC4-6F175D3DCCD1}">
-              <a14:hiddenFill xmlns:a14="http://schemas.microsoft.com/office/drawing/2010/main">
-                <a:solidFill>
-                  <a:srgbClr val="FFFFFF"/>
-                </a:solidFill>
-              </a14:hiddenFill>
-            </a:ext>
-          </a:extLst>
-        </p:spPr>
-      </p:pic>
-      <p:pic>
-        <p:nvPicPr>
-          <p:cNvPr id="20" name="Picture 3" descr="C:\Users\ngoan\Desktop\image\ngoan.png"/>
-          <p:cNvPicPr>
-            <a:picLocks noChangeAspect="1" noChangeArrowheads="1"/>
-          </p:cNvPicPr>
-          <p:nvPr/>
-        </p:nvPicPr>
-        <p:blipFill>
-          <a:blip r:embed="rId6">
-            <a:extLst>
-              <a:ext uri="{28A0092B-C50C-407E-A947-70E740481C1C}">
-                <a14:useLocalDpi xmlns:a14="http://schemas.microsoft.com/office/drawing/2010/main" val="0"/>
-              </a:ext>
-            </a:extLst>
-          </a:blip>
-          <a:srcRect/>
-          <a:stretch>
-            <a:fillRect/>
-          </a:stretch>
-        </p:blipFill>
-        <p:spPr bwMode="auto">
-          <a:xfrm>
-            <a:off x="3929503" y="1677833"/>
-            <a:ext cx="1066804" cy="1069848"/>
-          </a:xfrm>
-          <a:prstGeom prst="rect">
-            <a:avLst/>
-          </a:prstGeom>
-          <a:noFill/>
-          <a:extLst>
-            <a:ext uri="{909E8E84-426E-40DD-AFC4-6F175D3DCCD1}">
-              <a14:hiddenFill xmlns:a14="http://schemas.microsoft.com/office/drawing/2010/main">
-                <a:solidFill>
-                  <a:srgbClr val="FFFFFF"/>
-                </a:solidFill>
-              </a14:hiddenFill>
-            </a:ext>
-          </a:extLst>
-        </p:spPr>
-      </p:pic>
-      <p:sp>
-        <p:nvSpPr>
-          <p:cNvPr id="16" name="TextBox 15"/>
-          <p:cNvSpPr txBox="1"/>
-          <p:nvPr/>
-        </p:nvSpPr>
-        <p:spPr>
-          <a:xfrm>
-            <a:off x="2168261" y="3004283"/>
-            <a:ext cx="383438" cy="523220"/>
-          </a:xfrm>
-          <a:prstGeom prst="rect">
-            <a:avLst/>
-          </a:prstGeom>
-          <a:noFill/>
-        </p:spPr>
-        <p:txBody>
-          <a:bodyPr wrap="none" rtlCol="0">
-            <a:spAutoFit/>
-          </a:bodyPr>
-          <a:lstStyle/>
-          <a:p>
-            <a:r>
-              <a:rPr lang="en-US" sz="2800" dirty="0" smtClean="0">
-                <a:solidFill>
-                  <a:srgbClr val="FF0000"/>
-                </a:solidFill>
-                <a:latin typeface="Cambria" pitchFamily="18" charset="0"/>
-              </a:rPr>
-              <a:t>1</a:t>
-            </a:r>
-            <a:endParaRPr lang="en-US" sz="2800" dirty="0">
-              <a:solidFill>
-                <a:srgbClr val="FF0000"/>
-              </a:solidFill>
-              <a:latin typeface="Cambria" pitchFamily="18" charset="0"/>
-            </a:endParaRPr>
-          </a:p>
-        </p:txBody>
-      </p:sp>
-      <p:sp>
-        <p:nvSpPr>
-          <p:cNvPr id="24" name="TextBox 23"/>
-          <p:cNvSpPr txBox="1"/>
-          <p:nvPr/>
-        </p:nvSpPr>
-        <p:spPr>
-          <a:xfrm>
-            <a:off x="4170839" y="4407099"/>
-            <a:ext cx="383438" cy="523220"/>
-          </a:xfrm>
-          <a:prstGeom prst="rect">
-            <a:avLst/>
-          </a:prstGeom>
-          <a:noFill/>
-        </p:spPr>
-        <p:txBody>
-          <a:bodyPr wrap="none" rtlCol="0">
-            <a:spAutoFit/>
-          </a:bodyPr>
-          <a:lstStyle/>
-          <a:p>
-            <a:r>
-              <a:rPr lang="en-US" sz="2800" dirty="0">
-                <a:solidFill>
-                  <a:srgbClr val="FF0000"/>
-                </a:solidFill>
-                <a:latin typeface="Cambria" pitchFamily="18" charset="0"/>
-              </a:rPr>
-              <a:t>2</a:t>
-            </a:r>
-          </a:p>
-        </p:txBody>
-      </p:sp>
-      <p:sp>
-        <p:nvSpPr>
-          <p:cNvPr id="25" name="TextBox 24"/>
-          <p:cNvSpPr txBox="1"/>
-          <p:nvPr/>
-        </p:nvSpPr>
-        <p:spPr>
-          <a:xfrm>
-            <a:off x="5411912" y="5149256"/>
-            <a:ext cx="383438" cy="523220"/>
-          </a:xfrm>
-          <a:prstGeom prst="rect">
-            <a:avLst/>
-          </a:prstGeom>
-          <a:noFill/>
-        </p:spPr>
-        <p:txBody>
-          <a:bodyPr wrap="none" rtlCol="0">
-            <a:spAutoFit/>
-          </a:bodyPr>
-          <a:lstStyle/>
-          <a:p>
-            <a:r>
-              <a:rPr lang="en-US" sz="2800" dirty="0">
-                <a:solidFill>
-                  <a:srgbClr val="FF0000"/>
-                </a:solidFill>
-                <a:latin typeface="Cambria" pitchFamily="18" charset="0"/>
-              </a:rPr>
-              <a:t>3</a:t>
-            </a:r>
-          </a:p>
-        </p:txBody>
-      </p:sp>
-      <p:sp>
-        <p:nvSpPr>
-          <p:cNvPr id="23" name="Oval 22"/>
-          <p:cNvSpPr/>
-          <p:nvPr/>
-        </p:nvSpPr>
-        <p:spPr>
-          <a:xfrm>
-            <a:off x="6072485" y="2747681"/>
-            <a:ext cx="2230848" cy="1677785"/>
-          </a:xfrm>
-          <a:prstGeom prst="ellipse">
-            <a:avLst/>
-          </a:prstGeom>
-          <a:solidFill>
-            <a:schemeClr val="accent1"/>
-          </a:solidFill>
-          <a:effectLst>
-            <a:outerShdw blurRad="63500" sx="102000" sy="102000" algn="ctr" rotWithShape="0">
-              <a:prstClr val="black">
-                <a:alpha val="40000"/>
-              </a:prstClr>
-            </a:outerShdw>
-            <a:reflection endPos="0" dist="50800" dir="5400000" sy="-100000" algn="bl" rotWithShape="0"/>
-          </a:effectLst>
-          <a:scene3d>
-            <a:camera prst="orthographicFront">
-              <a:rot lat="0" lon="0" rev="0"/>
-            </a:camera>
-            <a:lightRig rig="threePt" dir="t"/>
-          </a:scene3d>
-        </p:spPr>
-        <p:style>
-          <a:lnRef idx="2">
-            <a:schemeClr val="accent1">
-              <a:shade val="50000"/>
-            </a:schemeClr>
-          </a:lnRef>
-          <a:fillRef idx="1">
-            <a:schemeClr val="accent1"/>
-          </a:fillRef>
-          <a:effectRef idx="0">
-            <a:schemeClr val="accent1"/>
-          </a:effectRef>
-          <a:fontRef idx="minor">
-            <a:schemeClr val="lt1"/>
-          </a:fontRef>
-        </p:style>
-        <p:txBody>
-          <a:bodyPr rtlCol="0" anchor="ctr"/>
-          <a:lstStyle/>
-          <a:p>
-            <a:pPr algn="ctr"/>
-            <a:r>
-              <a:rPr lang="en-US" sz="2000" dirty="0" smtClean="0">
-                <a:latin typeface="Cambria" pitchFamily="18" charset="0"/>
-              </a:rPr>
-              <a:t>Best Order ?</a:t>
-            </a:r>
-            <a:endParaRPr lang="en-US" sz="2000" dirty="0">
-              <a:latin typeface="Cambria" pitchFamily="18" charset="0"/>
-            </a:endParaRPr>
-          </a:p>
-        </p:txBody>
-      </p:sp>
-      <p:pic>
-        <p:nvPicPr>
-          <p:cNvPr id="21" name="Picture 4" descr="C:\Users\ngoan\Desktop\image\nam.png"/>
-          <p:cNvPicPr>
-            <a:picLocks noChangeAspect="1" noChangeArrowheads="1"/>
-          </p:cNvPicPr>
-          <p:nvPr/>
-        </p:nvPicPr>
-        <p:blipFill>
-          <a:blip r:embed="rId5">
-            <a:extLst>
-              <a:ext uri="{28A0092B-C50C-407E-A947-70E740481C1C}">
-                <a14:useLocalDpi xmlns:a14="http://schemas.microsoft.com/office/drawing/2010/main" val="0"/>
-              </a:ext>
-            </a:extLst>
-          </a:blip>
-          <a:srcRect/>
-          <a:stretch>
-            <a:fillRect/>
-          </a:stretch>
-        </p:blipFill>
-        <p:spPr bwMode="auto">
-          <a:xfrm>
-            <a:off x="3484429" y="2986449"/>
-            <a:ext cx="1069848" cy="1069848"/>
-          </a:xfrm>
-          <a:prstGeom prst="rect">
-            <a:avLst/>
-          </a:prstGeom>
-          <a:noFill/>
-          <a:extLst>
-            <a:ext uri="{909E8E84-426E-40DD-AFC4-6F175D3DCCD1}">
-              <a14:hiddenFill xmlns:a14="http://schemas.microsoft.com/office/drawing/2010/main">
-                <a:solidFill>
-                  <a:srgbClr val="FFFFFF"/>
-                </a:solidFill>
-              </a14:hiddenFill>
-            </a:ext>
-          </a:extLst>
-        </p:spPr>
-      </p:pic>
-    </p:spTree>
-    <p:extLst>
-      <p:ext uri="{BB962C8B-B14F-4D97-AF65-F5344CB8AC3E}">
-        <p14:creationId xmlns:p14="http://schemas.microsoft.com/office/powerpoint/2010/main" val="1936826028"/>
+        <p14:creationId xmlns:p14="http://schemas.microsoft.com/office/powerpoint/2010/main" val="3288833999"/>
       </p:ext>
     </p:extLst>
   </p:cSld>
@@ -17420,8 +17857,8 @@
           <a:p>
             <a:pPr algn="ctr"/>
             <a:r>
-              <a:rPr lang="en-US" dirty="0"/>
-              <a:t>Scenario</a:t>
+              <a:rPr lang="en-US" dirty="0" smtClean="0"/>
+              <a:t>Best Result</a:t>
             </a:r>
             <a:endParaRPr dirty="0"/>
           </a:p>
@@ -17450,89 +17887,7 @@
         </p:blipFill>
         <p:spPr bwMode="auto">
           <a:xfrm flipH="1">
-            <a:off x="220284" y="3004283"/>
-            <a:ext cx="1069848" cy="1069848"/>
-          </a:xfrm>
-          <a:prstGeom prst="rect">
-            <a:avLst/>
-          </a:prstGeom>
-          <a:noFill/>
-          <a:extLst>
-            <a:ext uri="{909E8E84-426E-40DD-AFC4-6F175D3DCCD1}">
-              <a14:hiddenFill xmlns:a14="http://schemas.microsoft.com/office/drawing/2010/main">
-                <a:solidFill>
-                  <a:srgbClr val="FFFFFF"/>
-                </a:solidFill>
-              </a14:hiddenFill>
-            </a:ext>
-          </a:extLst>
-        </p:spPr>
-      </p:pic>
-      <p:pic>
-        <p:nvPicPr>
-          <p:cNvPr id="11" name="Picture 2" descr="C:\Users\ngoan\Desktop\image\bw-anonymous-person.png"/>
-          <p:cNvPicPr>
-            <a:picLocks noChangeAspect="1" noChangeArrowheads="1"/>
-          </p:cNvPicPr>
-          <p:nvPr/>
-        </p:nvPicPr>
-        <p:blipFill>
-          <a:blip r:embed="rId3">
-            <a:extLst>
-              <a:ext uri="{28A0092B-C50C-407E-A947-70E740481C1C}">
-                <a14:useLocalDpi xmlns:a14="http://schemas.microsoft.com/office/drawing/2010/main" val="0"/>
-              </a:ext>
-            </a:extLst>
-          </a:blip>
-          <a:srcRect/>
-          <a:stretch>
-            <a:fillRect/>
-          </a:stretch>
-        </p:blipFill>
-        <p:spPr bwMode="auto">
-          <a:xfrm>
-            <a:off x="3484429" y="5263288"/>
-            <a:ext cx="1069848" cy="1069848"/>
-          </a:xfrm>
-          <a:prstGeom prst="rect">
-            <a:avLst/>
-          </a:prstGeom>
-          <a:noFill/>
-          <a:extLst>
-            <a:ext uri="{909E8E84-426E-40DD-AFC4-6F175D3DCCD1}">
-              <a14:hiddenFill xmlns:a14="http://schemas.microsoft.com/office/drawing/2010/main">
-                <a:solidFill>
-                  <a:srgbClr val="FFFFFF"/>
-                </a:solidFill>
-              </a14:hiddenFill>
-            </a:ext>
-          </a:extLst>
-        </p:spPr>
-      </p:pic>
-      <p:pic>
-        <p:nvPicPr>
-          <p:cNvPr id="12" name="Picture 2" descr="C:\Users\ngoan\Desktop\image\bw-anonymous-person.png"/>
-          <p:cNvPicPr>
-            <a:picLocks noChangeAspect="1" noChangeArrowheads="1"/>
-          </p:cNvPicPr>
-          <p:nvPr/>
-        </p:nvPicPr>
-        <p:blipFill>
-          <a:blip r:embed="rId3">
-            <a:extLst>
-              <a:ext uri="{28A0092B-C50C-407E-A947-70E740481C1C}">
-                <a14:useLocalDpi xmlns:a14="http://schemas.microsoft.com/office/drawing/2010/main" val="0"/>
-              </a:ext>
-            </a:extLst>
-          </a:blip>
-          <a:srcRect/>
-          <a:stretch>
-            <a:fillRect/>
-          </a:stretch>
-        </p:blipFill>
-        <p:spPr bwMode="auto">
-          <a:xfrm>
-            <a:off x="6652985" y="5263288"/>
+            <a:off x="561478" y="2343623"/>
             <a:ext cx="1069848" cy="1069848"/>
           </a:xfrm>
           <a:prstGeom prst="rect">
@@ -17555,14 +17910,14 @@
           <p:cNvPr id="3" name="Straight Arrow Connector 2"/>
           <p:cNvCxnSpPr>
             <a:stCxn id="10" idx="1"/>
-            <a:endCxn id="19" idx="1"/>
+            <a:endCxn id="17" idx="1"/>
           </p:cNvCxnSpPr>
           <p:nvPr/>
         </p:nvCxnSpPr>
         <p:spPr>
-          <a:xfrm flipV="1">
-            <a:off x="1290132" y="3521373"/>
-            <a:ext cx="2194297" cy="17834"/>
+          <a:xfrm>
+            <a:off x="1631326" y="2878547"/>
+            <a:ext cx="2194297" cy="0"/>
           </a:xfrm>
           <a:prstGeom prst="straightConnector1">
             <a:avLst/>
@@ -17590,15 +17945,15 @@
         <p:nvCxnSpPr>
           <p:cNvPr id="6" name="Straight Arrow Connector 5"/>
           <p:cNvCxnSpPr>
-            <a:stCxn id="19" idx="2"/>
-            <a:endCxn id="11" idx="0"/>
+            <a:stCxn id="17" idx="2"/>
+            <a:endCxn id="18" idx="0"/>
           </p:cNvCxnSpPr>
           <p:nvPr/>
         </p:nvCxnSpPr>
         <p:spPr>
           <a:xfrm>
-            <a:off x="4017831" y="4056297"/>
-            <a:ext cx="1522" cy="1206991"/>
+            <a:off x="4360547" y="3413471"/>
+            <a:ext cx="0" cy="1189157"/>
           </a:xfrm>
           <a:prstGeom prst="straightConnector1">
             <a:avLst/>
@@ -17626,14 +17981,14 @@
         <p:nvCxnSpPr>
           <p:cNvPr id="14" name="Straight Arrow Connector 13"/>
           <p:cNvCxnSpPr>
-            <a:stCxn id="11" idx="3"/>
-            <a:endCxn id="12" idx="1"/>
+            <a:stCxn id="18" idx="3"/>
+            <a:endCxn id="20" idx="1"/>
           </p:cNvCxnSpPr>
           <p:nvPr/>
         </p:nvCxnSpPr>
         <p:spPr>
           <a:xfrm>
-            <a:off x="4554277" y="5798212"/>
+            <a:off x="4895471" y="5137552"/>
             <a:ext cx="2098708" cy="0"/>
           </a:xfrm>
           <a:prstGeom prst="straightConnector1">
@@ -17667,7 +18022,7 @@
           <p:nvPr/>
         </p:nvPicPr>
         <p:blipFill>
-          <a:blip r:embed="rId4">
+          <a:blip r:embed="rId3">
             <a:extLst>
               <a:ext uri="{28A0092B-C50C-407E-A947-70E740481C1C}">
                 <a14:useLocalDpi xmlns:a14="http://schemas.microsoft.com/office/drawing/2010/main" val="0"/>
@@ -17681,7 +18036,7 @@
         </p:blipFill>
         <p:spPr bwMode="auto">
           <a:xfrm>
-            <a:off x="1290132" y="1677833"/>
+            <a:off x="3825623" y="2343623"/>
             <a:ext cx="1069848" cy="1069848"/>
           </a:xfrm>
           <a:prstGeom prst="rect">
@@ -17708,7 +18063,7 @@
           <p:nvPr/>
         </p:nvPicPr>
         <p:blipFill>
-          <a:blip r:embed="rId5">
+          <a:blip r:embed="rId4">
             <a:extLst>
               <a:ext uri="{28A0092B-C50C-407E-A947-70E740481C1C}">
                 <a14:useLocalDpi xmlns:a14="http://schemas.microsoft.com/office/drawing/2010/main" val="0"/>
@@ -17722,7 +18077,7 @@
         </p:blipFill>
         <p:spPr bwMode="auto">
           <a:xfrm>
-            <a:off x="2710345" y="1677833"/>
+            <a:off x="3825623" y="4602628"/>
             <a:ext cx="1069848" cy="1069848"/>
           </a:xfrm>
           <a:prstGeom prst="rect">
@@ -17749,7 +18104,7 @@
           <p:nvPr/>
         </p:nvPicPr>
         <p:blipFill>
-          <a:blip r:embed="rId6">
+          <a:blip r:embed="rId5">
             <a:extLst>
               <a:ext uri="{28A0092B-C50C-407E-A947-70E740481C1C}">
                 <a14:useLocalDpi xmlns:a14="http://schemas.microsoft.com/office/drawing/2010/main" val="0"/>
@@ -17763,7 +18118,7 @@
         </p:blipFill>
         <p:spPr bwMode="auto">
           <a:xfrm>
-            <a:off x="3929503" y="1677833"/>
+            <a:off x="6994179" y="4602628"/>
             <a:ext cx="1066804" cy="1069848"/>
           </a:xfrm>
           <a:prstGeom prst="rect">
@@ -17789,8 +18144,8 @@
         </p:nvSpPr>
         <p:spPr>
           <a:xfrm>
-            <a:off x="2168261" y="3004283"/>
-            <a:ext cx="383438" cy="523220"/>
+            <a:off x="2509455" y="2343623"/>
+            <a:ext cx="582211" cy="523220"/>
           </a:xfrm>
           <a:prstGeom prst="rect">
             <a:avLst/>
@@ -17810,7 +18165,7 @@
                 </a:solidFill>
                 <a:latin typeface="Cambria" pitchFamily="18" charset="0"/>
               </a:rPr>
-              <a:t>1</a:t>
+              <a:t>55</a:t>
             </a:r>
             <a:endParaRPr lang="en-US" sz="2800" dirty="0">
               <a:solidFill>
@@ -17829,8 +18184,8 @@
         </p:nvSpPr>
         <p:spPr>
           <a:xfrm>
-            <a:off x="4170839" y="4407099"/>
-            <a:ext cx="383438" cy="523220"/>
+            <a:off x="4512033" y="3746439"/>
+            <a:ext cx="582211" cy="523220"/>
           </a:xfrm>
           <a:prstGeom prst="rect">
             <a:avLst/>
@@ -17844,14 +18199,20 @@
           <a:lstStyle/>
           <a:p>
             <a:r>
-              <a:rPr lang="en-US" sz="2800" dirty="0">
+              <a:rPr lang="en-US" sz="2800" dirty="0" smtClean="0">
                 <a:solidFill>
                   <a:srgbClr val="FF0000"/>
                 </a:solidFill>
                 <a:latin typeface="Cambria" pitchFamily="18" charset="0"/>
               </a:rPr>
-              <a:t>2</a:t>
+              <a:t>33</a:t>
             </a:r>
+            <a:endParaRPr lang="en-US" sz="2800" dirty="0">
+              <a:solidFill>
+                <a:srgbClr val="FF0000"/>
+              </a:solidFill>
+              <a:latin typeface="Cambria" pitchFamily="18" charset="0"/>
+            </a:endParaRPr>
           </a:p>
         </p:txBody>
       </p:sp>
@@ -17863,8 +18224,8 @@
         </p:nvSpPr>
         <p:spPr>
           <a:xfrm>
-            <a:off x="5411912" y="5149256"/>
-            <a:ext cx="383438" cy="523220"/>
+            <a:off x="5094244" y="4488596"/>
+            <a:ext cx="1330814" cy="523220"/>
           </a:xfrm>
           <a:prstGeom prst="rect">
             <a:avLst/>
@@ -17878,127 +18239,27 @@
           <a:lstStyle/>
           <a:p>
             <a:r>
-              <a:rPr lang="en-US" sz="2800" dirty="0">
+              <a:rPr lang="en-US" sz="2800" dirty="0" smtClean="0">
                 <a:solidFill>
                   <a:srgbClr val="FF0000"/>
                 </a:solidFill>
                 <a:latin typeface="Cambria" pitchFamily="18" charset="0"/>
               </a:rPr>
-              <a:t>3</a:t>
+              <a:t>104, 53</a:t>
             </a:r>
-          </a:p>
-        </p:txBody>
-      </p:sp>
-      <p:sp>
-        <p:nvSpPr>
-          <p:cNvPr id="23" name="Oval 22"/>
-          <p:cNvSpPr/>
-          <p:nvPr/>
-        </p:nvSpPr>
-        <p:spPr>
-          <a:xfrm>
-            <a:off x="6072485" y="2747681"/>
-            <a:ext cx="2230848" cy="1677785"/>
-          </a:xfrm>
-          <a:prstGeom prst="ellipse">
-            <a:avLst/>
-          </a:prstGeom>
-          <a:solidFill>
-            <a:schemeClr val="accent1"/>
-          </a:solidFill>
-          <a:effectLst>
-            <a:outerShdw blurRad="63500" sx="102000" sy="102000" algn="ctr" rotWithShape="0">
-              <a:prstClr val="black">
-                <a:alpha val="40000"/>
-              </a:prstClr>
-            </a:outerShdw>
-            <a:reflection endPos="0" dist="50800" dir="5400000" sy="-100000" algn="bl" rotWithShape="0"/>
-          </a:effectLst>
-          <a:scene3d>
-            <a:camera prst="orthographicFront">
-              <a:rot lat="0" lon="0" rev="0"/>
-            </a:camera>
-            <a:lightRig rig="threePt" dir="t"/>
-          </a:scene3d>
-        </p:spPr>
-        <p:style>
-          <a:lnRef idx="2">
-            <a:schemeClr val="accent1">
-              <a:shade val="50000"/>
-            </a:schemeClr>
-          </a:lnRef>
-          <a:fillRef idx="1">
-            <a:schemeClr val="accent1"/>
-          </a:fillRef>
-          <a:effectRef idx="0">
-            <a:schemeClr val="accent1"/>
-          </a:effectRef>
-          <a:fontRef idx="minor">
-            <a:schemeClr val="lt1"/>
-          </a:fontRef>
-        </p:style>
-        <p:txBody>
-          <a:bodyPr rtlCol="0" anchor="ctr"/>
-          <a:lstStyle/>
-          <a:p>
-            <a:pPr algn="ctr"/>
-            <a:r>
-              <a:rPr lang="en-US" sz="2000" dirty="0" smtClean="0">
-                <a:latin typeface="Cambria" pitchFamily="18" charset="0"/>
-              </a:rPr>
-              <a:t>Best Order ?</a:t>
-            </a:r>
-            <a:endParaRPr lang="en-US" sz="2000" dirty="0">
+            <a:endParaRPr lang="en-US" sz="2800" dirty="0">
+              <a:solidFill>
+                <a:srgbClr val="FF0000"/>
+              </a:solidFill>
               <a:latin typeface="Cambria" pitchFamily="18" charset="0"/>
             </a:endParaRPr>
           </a:p>
         </p:txBody>
       </p:sp>
-      <p:pic>
-        <p:nvPicPr>
-          <p:cNvPr id="19" name="Picture 3" descr="C:\Users\ngoan\Desktop\image\ngoan.png"/>
-          <p:cNvPicPr>
-            <a:picLocks noChangeAspect="1" noChangeArrowheads="1"/>
-          </p:cNvPicPr>
-          <p:nvPr/>
-        </p:nvPicPr>
-        <p:blipFill>
-          <a:blip r:embed="rId6">
-            <a:extLst>
-              <a:ext uri="{28A0092B-C50C-407E-A947-70E740481C1C}">
-                <a14:useLocalDpi xmlns:a14="http://schemas.microsoft.com/office/drawing/2010/main" val="0"/>
-              </a:ext>
-            </a:extLst>
-          </a:blip>
-          <a:srcRect/>
-          <a:stretch>
-            <a:fillRect/>
-          </a:stretch>
-        </p:blipFill>
-        <p:spPr bwMode="auto">
-          <a:xfrm>
-            <a:off x="3484429" y="2986449"/>
-            <a:ext cx="1066804" cy="1069848"/>
-          </a:xfrm>
-          <a:prstGeom prst="rect">
-            <a:avLst/>
-          </a:prstGeom>
-          <a:noFill/>
-          <a:extLst>
-            <a:ext uri="{909E8E84-426E-40DD-AFC4-6F175D3DCCD1}">
-              <a14:hiddenFill xmlns:a14="http://schemas.microsoft.com/office/drawing/2010/main">
-                <a:solidFill>
-                  <a:srgbClr val="FFFFFF"/>
-                </a:solidFill>
-              </a14:hiddenFill>
-            </a:ext>
-          </a:extLst>
-        </p:spPr>
-      </p:pic>
     </p:spTree>
     <p:extLst>
       <p:ext uri="{BB962C8B-B14F-4D97-AF65-F5344CB8AC3E}">
-        <p14:creationId xmlns:p14="http://schemas.microsoft.com/office/powerpoint/2010/main" val="3697498491"/>
+        <p14:creationId xmlns:p14="http://schemas.microsoft.com/office/powerpoint/2010/main" val="3329867170"/>
       </p:ext>
     </p:extLst>
   </p:cSld>
@@ -19624,7 +19885,7 @@
   <a:extraClrSchemeLst/>
   <a:extLst>
     <a:ext uri="{05A4C25C-085E-4340-85A3-A5531E510DB2}">
-      <thm15:themeFamily xmlns:thm15="http://schemas.microsoft.com/office/thememl/2012/main" xmlns="" name="Office Theme" id="{62F939B6-93AF-4DB8-9C6B-D6C7DFDC589F}" vid="{4A3C46E8-61CC-4603-A589-7422A47A8E4A}"/>
+      <thm15:themeFamily xmlns="" xmlns:thm15="http://schemas.microsoft.com/office/thememl/2012/main" name="Office Theme" id="{62F939B6-93AF-4DB8-9C6B-D6C7DFDC589F}" vid="{4A3C46E8-61CC-4603-A589-7422A47A8E4A}"/>
     </a:ext>
   </a:extLst>
 </a:theme>
